--- a/PPT/Unit tests with Mockito.pptx
+++ b/PPT/Unit tests with Mockito.pptx
@@ -5,31 +5,32 @@
     <p:sldMasterId id="2147483660" r:id="rId1"/>
   </p:sldMasterIdLst>
   <p:notesMasterIdLst>
-    <p:notesMasterId r:id="rId21"/>
+    <p:notesMasterId r:id="rId22"/>
   </p:notesMasterIdLst>
   <p:handoutMasterIdLst>
-    <p:handoutMasterId r:id="rId22"/>
+    <p:handoutMasterId r:id="rId23"/>
   </p:handoutMasterIdLst>
   <p:sldIdLst>
     <p:sldId id="256" r:id="rId2"/>
     <p:sldId id="257" r:id="rId3"/>
     <p:sldId id="259" r:id="rId4"/>
     <p:sldId id="260" r:id="rId5"/>
-    <p:sldId id="261" r:id="rId6"/>
-    <p:sldId id="262" r:id="rId7"/>
-    <p:sldId id="269" r:id="rId8"/>
-    <p:sldId id="270" r:id="rId9"/>
-    <p:sldId id="268" r:id="rId10"/>
-    <p:sldId id="271" r:id="rId11"/>
-    <p:sldId id="272" r:id="rId12"/>
-    <p:sldId id="275" r:id="rId13"/>
-    <p:sldId id="273" r:id="rId14"/>
-    <p:sldId id="274" r:id="rId15"/>
-    <p:sldId id="264" r:id="rId16"/>
-    <p:sldId id="265" r:id="rId17"/>
-    <p:sldId id="263" r:id="rId18"/>
-    <p:sldId id="266" r:id="rId19"/>
-    <p:sldId id="267" r:id="rId20"/>
+    <p:sldId id="275" r:id="rId6"/>
+    <p:sldId id="261" r:id="rId7"/>
+    <p:sldId id="262" r:id="rId8"/>
+    <p:sldId id="269" r:id="rId9"/>
+    <p:sldId id="270" r:id="rId10"/>
+    <p:sldId id="268" r:id="rId11"/>
+    <p:sldId id="271" r:id="rId12"/>
+    <p:sldId id="272" r:id="rId13"/>
+    <p:sldId id="276" r:id="rId14"/>
+    <p:sldId id="273" r:id="rId15"/>
+    <p:sldId id="274" r:id="rId16"/>
+    <p:sldId id="264" r:id="rId17"/>
+    <p:sldId id="265" r:id="rId18"/>
+    <p:sldId id="263" r:id="rId19"/>
+    <p:sldId id="266" r:id="rId20"/>
+    <p:sldId id="267" r:id="rId21"/>
   </p:sldIdLst>
   <p:sldSz cx="9144000" cy="6858000" type="screen4x3"/>
   <p:notesSz cx="6858000" cy="9144000"/>
@@ -233,7 +234,7 @@
             <a:fld id="{5E9302A7-8594-484F-B726-A0F71F65036D}" type="datetimeFigureOut">
               <a:rPr lang="zh-CN" altLang="en-US" smtClean="0"/>
               <a:pPr/>
-              <a:t>2016/8/11</a:t>
+              <a:t>2017/5/24</a:t>
             </a:fld>
             <a:endParaRPr lang="zh-CN" altLang="en-US"/>
           </a:p>
@@ -400,7 +401,7 @@
             <a:fld id="{A5A8A0BA-708B-4B98-852A-71DC09C17B9A}" type="datetimeFigureOut">
               <a:rPr lang="zh-CN" altLang="en-US" smtClean="0"/>
               <a:pPr/>
-              <a:t>2016/8/11</a:t>
+              <a:t>2017/5/24</a:t>
             </a:fld>
             <a:endParaRPr lang="zh-CN" altLang="en-US"/>
           </a:p>
@@ -815,7 +816,7 @@
             <a:fld id="{FFCBB8A4-BEC6-4942-9910-EEBD28E3DAB9}" type="slidenum">
               <a:rPr lang="zh-CN" altLang="en-US" smtClean="0"/>
               <a:pPr/>
-              <a:t>6</a:t>
+              <a:t>7</a:t>
             </a:fld>
             <a:endParaRPr lang="zh-CN" altLang="en-US"/>
           </a:p>
@@ -1023,7 +1024,7 @@
             <a:fld id="{79A26581-C842-49D0-AB93-D089A5BA37C7}" type="datetime1">
               <a:rPr lang="zh-CN" altLang="en-US" smtClean="0"/>
               <a:pPr/>
-              <a:t>2016/8/11</a:t>
+              <a:t>2017/5/24</a:t>
             </a:fld>
             <a:endParaRPr lang="zh-CN" altLang="en-US" dirty="0"/>
           </a:p>
@@ -1197,7 +1198,7 @@
             <a:fld id="{F2B461BA-1B2E-4425-B18A-43269697AD3D}" type="datetime1">
               <a:rPr lang="zh-CN" altLang="en-US" smtClean="0"/>
               <a:pPr/>
-              <a:t>2016/8/11</a:t>
+              <a:t>2017/5/24</a:t>
             </a:fld>
             <a:endParaRPr lang="zh-CN" altLang="en-US"/>
           </a:p>
@@ -1381,7 +1382,7 @@
             <a:fld id="{15520F5A-7510-46CC-AA86-3124215E8D22}" type="datetime1">
               <a:rPr lang="zh-CN" altLang="en-US" smtClean="0"/>
               <a:pPr/>
-              <a:t>2016/8/11</a:t>
+              <a:t>2017/5/24</a:t>
             </a:fld>
             <a:endParaRPr lang="zh-CN" altLang="en-US"/>
           </a:p>
@@ -1622,7 +1623,7 @@
             <a:fld id="{4EE09118-F6C0-44B1-AEB0-E70B108D11CB}" type="datetime1">
               <a:rPr lang="zh-CN" altLang="en-US" smtClean="0"/>
               <a:pPr/>
-              <a:t>2016/8/11</a:t>
+              <a:t>2017/5/24</a:t>
             </a:fld>
             <a:endParaRPr lang="zh-CN" altLang="en-US"/>
           </a:p>
@@ -1872,7 +1873,7 @@
             <a:fld id="{FFE509C5-9A07-431C-A613-704709B1F7E2}" type="datetime1">
               <a:rPr lang="zh-CN" altLang="en-US" smtClean="0"/>
               <a:pPr/>
-              <a:t>2016/8/11</a:t>
+              <a:t>2017/5/24</a:t>
             </a:fld>
             <a:endParaRPr lang="zh-CN" altLang="en-US"/>
           </a:p>
@@ -2164,7 +2165,7 @@
             <a:fld id="{8967B1C6-3ABD-4489-8AE2-134FC68E6291}" type="datetime1">
               <a:rPr lang="zh-CN" altLang="en-US" smtClean="0"/>
               <a:pPr/>
-              <a:t>2016/8/11</a:t>
+              <a:t>2017/5/24</a:t>
             </a:fld>
             <a:endParaRPr lang="zh-CN" altLang="en-US"/>
           </a:p>
@@ -2590,7 +2591,7 @@
             <a:fld id="{9C7A688F-5B34-48E1-B87F-DEEE44579934}" type="datetime1">
               <a:rPr lang="zh-CN" altLang="en-US" smtClean="0"/>
               <a:pPr/>
-              <a:t>2016/8/11</a:t>
+              <a:t>2017/5/24</a:t>
             </a:fld>
             <a:endParaRPr lang="zh-CN" altLang="en-US"/>
           </a:p>
@@ -2712,7 +2713,7 @@
             <a:fld id="{0E293655-0C55-4EBC-9662-DF4B811530CC}" type="datetime1">
               <a:rPr lang="zh-CN" altLang="en-US" smtClean="0"/>
               <a:pPr/>
-              <a:t>2016/8/11</a:t>
+              <a:t>2017/5/24</a:t>
             </a:fld>
             <a:endParaRPr lang="zh-CN" altLang="en-US"/>
           </a:p>
@@ -2811,7 +2812,7 @@
             <a:fld id="{B3D1C92C-9441-4593-BA63-8806E2668D59}" type="datetime1">
               <a:rPr lang="zh-CN" altLang="en-US" smtClean="0"/>
               <a:pPr/>
-              <a:t>2016/8/11</a:t>
+              <a:t>2017/5/24</a:t>
             </a:fld>
             <a:endParaRPr lang="zh-CN" altLang="en-US"/>
           </a:p>
@@ -3092,7 +3093,7 @@
             <a:fld id="{3282DFAC-E1C2-4166-88BF-52A1C1D21E8D}" type="datetime1">
               <a:rPr lang="zh-CN" altLang="en-US" smtClean="0"/>
               <a:pPr/>
-              <a:t>2016/8/11</a:t>
+              <a:t>2017/5/24</a:t>
             </a:fld>
             <a:endParaRPr lang="zh-CN" altLang="en-US"/>
           </a:p>
@@ -3349,7 +3350,7 @@
             <a:fld id="{3A8E4DE7-673F-4F05-9AEF-EE5581AABA64}" type="datetime1">
               <a:rPr lang="zh-CN" altLang="en-US" smtClean="0"/>
               <a:pPr/>
-              <a:t>2016/8/11</a:t>
+              <a:t>2017/5/24</a:t>
             </a:fld>
             <a:endParaRPr lang="zh-CN" altLang="en-US"/>
           </a:p>
@@ -3573,7 +3574,7 @@
             <a:fld id="{7BDB4ED8-B771-44BC-BE60-EE283D0BE87C}" type="datetime1">
               <a:rPr lang="zh-CN" altLang="en-US" smtClean="0"/>
               <a:pPr/>
-              <a:t>2016/8/11</a:t>
+              <a:t>2017/5/24</a:t>
             </a:fld>
             <a:endParaRPr lang="zh-CN" altLang="en-US" dirty="0"/>
           </a:p>
@@ -4032,7 +4033,7 @@
             <a:fld id="{C747BEE7-1600-4E86-851F-873E5728A0D8}" type="datetime1">
               <a:rPr lang="zh-CN" altLang="en-US" smtClean="0"/>
               <a:pPr/>
-              <a:t>2016/8/11</a:t>
+              <a:t>2017/5/24</a:t>
             </a:fld>
             <a:endParaRPr lang="zh-CN" altLang="en-US" dirty="0"/>
           </a:p>
@@ -4096,6 +4097,478 @@
       </p:grpSpPr>
       <p:sp>
         <p:nvSpPr>
+          <p:cNvPr id="2" name="标题 1"/>
+          <p:cNvSpPr>
+            <a:spLocks noGrp="1"/>
+          </p:cNvSpPr>
+          <p:nvPr>
+            <p:ph type="title"/>
+          </p:nvPr>
+        </p:nvSpPr>
+        <p:spPr/>
+        <p:txBody>
+          <a:bodyPr/>
+          <a:lstStyle/>
+          <a:p>
+            <a:r>
+              <a:rPr lang="en-US" altLang="zh-CN" dirty="0" err="1"/>
+              <a:t>Mockito</a:t>
+            </a:r>
+            <a:r>
+              <a:rPr lang="en-US" altLang="zh-CN" dirty="0"/>
+              <a:t> - Callbacks</a:t>
+            </a:r>
+            <a:endParaRPr lang="zh-CN" altLang="en-US" dirty="0"/>
+          </a:p>
+        </p:txBody>
+      </p:sp>
+      <p:sp>
+        <p:nvSpPr>
+          <p:cNvPr id="3" name="内容占位符 2"/>
+          <p:cNvSpPr>
+            <a:spLocks noGrp="1"/>
+          </p:cNvSpPr>
+          <p:nvPr>
+            <p:ph idx="1"/>
+          </p:nvPr>
+        </p:nvSpPr>
+        <p:spPr>
+          <a:xfrm>
+            <a:off x="457200" y="1124745"/>
+            <a:ext cx="8229600" cy="576064"/>
+          </a:xfrm>
+        </p:spPr>
+        <p:txBody>
+          <a:bodyPr/>
+          <a:lstStyle/>
+          <a:p>
+            <a:r>
+              <a:rPr lang="en-US" altLang="zh-CN" dirty="0" smtClean="0"/>
+              <a:t>when(…).</a:t>
+            </a:r>
+            <a:r>
+              <a:rPr lang="en-US" altLang="zh-CN" dirty="0" err="1" smtClean="0"/>
+              <a:t>thenAnswer</a:t>
+            </a:r>
+            <a:r>
+              <a:rPr lang="en-US" altLang="zh-CN" dirty="0" smtClean="0"/>
+              <a:t>(</a:t>
+            </a:r>
+            <a:r>
+              <a:rPr lang="en-US" altLang="zh-CN" dirty="0" err="1" smtClean="0"/>
+              <a:t>newAnswer</a:t>
+            </a:r>
+            <a:r>
+              <a:rPr lang="en-US" altLang="zh-CN" dirty="0" smtClean="0"/>
+              <a:t>(){…})</a:t>
+            </a:r>
+          </a:p>
+          <a:p>
+            <a:endParaRPr lang="en-US" altLang="zh-CN" dirty="0" smtClean="0"/>
+          </a:p>
+          <a:p>
+            <a:endParaRPr lang="zh-CN" altLang="en-US" dirty="0"/>
+          </a:p>
+        </p:txBody>
+      </p:sp>
+      <p:sp>
+        <p:nvSpPr>
+          <p:cNvPr id="4" name="日期占位符 3"/>
+          <p:cNvSpPr>
+            <a:spLocks noGrp="1"/>
+          </p:cNvSpPr>
+          <p:nvPr>
+            <p:ph type="dt" sz="half" idx="10"/>
+          </p:nvPr>
+        </p:nvSpPr>
+        <p:spPr/>
+        <p:txBody>
+          <a:bodyPr/>
+          <a:lstStyle/>
+          <a:p>
+            <a:fld id="{4EE09118-F6C0-44B1-AEB0-E70B108D11CB}" type="datetime1">
+              <a:rPr lang="zh-CN" altLang="en-US" smtClean="0"/>
+              <a:pPr/>
+              <a:t>2017/5/24</a:t>
+            </a:fld>
+            <a:endParaRPr lang="zh-CN" altLang="en-US"/>
+          </a:p>
+        </p:txBody>
+      </p:sp>
+      <p:sp>
+        <p:nvSpPr>
+          <p:cNvPr id="5" name="灯片编号占位符 4"/>
+          <p:cNvSpPr>
+            <a:spLocks noGrp="1"/>
+          </p:cNvSpPr>
+          <p:nvPr>
+            <p:ph type="sldNum" sz="quarter" idx="12"/>
+          </p:nvPr>
+        </p:nvSpPr>
+        <p:spPr/>
+        <p:txBody>
+          <a:bodyPr/>
+          <a:lstStyle/>
+          <a:p>
+            <a:fld id="{B3D1565B-4E83-45B7-9B19-292BF6FE1A2E}" type="slidenum">
+              <a:rPr lang="zh-CN" altLang="en-US" smtClean="0"/>
+              <a:pPr/>
+              <a:t>10</a:t>
+            </a:fld>
+            <a:endParaRPr lang="zh-CN" altLang="en-US"/>
+          </a:p>
+        </p:txBody>
+      </p:sp>
+      <p:sp>
+        <p:nvSpPr>
+          <p:cNvPr id="6" name="文本框 5"/>
+          <p:cNvSpPr txBox="1"/>
+          <p:nvPr/>
+        </p:nvSpPr>
+        <p:spPr>
+          <a:xfrm>
+            <a:off x="490364" y="1647383"/>
+            <a:ext cx="8507288" cy="2862322"/>
+          </a:xfrm>
+          <a:prstGeom prst="rect">
+            <a:avLst/>
+          </a:prstGeom>
+          <a:noFill/>
+        </p:spPr>
+        <p:txBody>
+          <a:bodyPr wrap="square" rtlCol="0">
+            <a:spAutoFit/>
+          </a:bodyPr>
+          <a:lstStyle/>
+          <a:p>
+            <a:r>
+              <a:rPr lang="en-US" altLang="zh-CN" dirty="0" smtClean="0"/>
+              <a:t>when(</a:t>
+            </a:r>
+            <a:r>
+              <a:rPr lang="en-US" altLang="zh-CN" dirty="0" err="1" smtClean="0"/>
+              <a:t>calcService.add</a:t>
+            </a:r>
+            <a:r>
+              <a:rPr lang="en-US" altLang="zh-CN" dirty="0" smtClean="0"/>
+              <a:t>(</a:t>
+            </a:r>
+            <a:r>
+              <a:rPr lang="en-US" altLang="zh-CN" dirty="0" err="1" smtClean="0"/>
+              <a:t>anyInt</a:t>
+            </a:r>
+            <a:r>
+              <a:rPr lang="en-US" altLang="zh-CN" dirty="0" smtClean="0"/>
+              <a:t>(), </a:t>
+            </a:r>
+            <a:r>
+              <a:rPr lang="en-US" altLang="zh-CN" dirty="0" err="1" smtClean="0"/>
+              <a:t>anyInt</a:t>
+            </a:r>
+            <a:r>
+              <a:rPr lang="en-US" altLang="zh-CN" dirty="0" smtClean="0"/>
+              <a:t>())).</a:t>
+            </a:r>
+            <a:r>
+              <a:rPr lang="en-US" altLang="zh-CN" dirty="0" err="1"/>
+              <a:t>thenAnswer</a:t>
+            </a:r>
+            <a:r>
+              <a:rPr lang="en-US" altLang="zh-CN" dirty="0"/>
+              <a:t>(new Answer&lt;Double&gt;() {</a:t>
+            </a:r>
+          </a:p>
+          <a:p>
+            <a:r>
+              <a:rPr lang="en-US" altLang="zh-CN" dirty="0"/>
+              <a:t>   @Override</a:t>
+            </a:r>
+          </a:p>
+          <a:p>
+            <a:r>
+              <a:rPr lang="en-US" altLang="zh-CN" dirty="0"/>
+              <a:t>   public Double answer(</a:t>
+            </a:r>
+            <a:r>
+              <a:rPr lang="en-US" altLang="zh-CN" dirty="0" err="1"/>
+              <a:t>InvocationOnMock</a:t>
+            </a:r>
+            <a:r>
+              <a:rPr lang="en-US" altLang="zh-CN" dirty="0"/>
+              <a:t> invocation) throws </a:t>
+            </a:r>
+            <a:r>
+              <a:rPr lang="en-US" altLang="zh-CN" dirty="0" err="1"/>
+              <a:t>Throwable</a:t>
+            </a:r>
+            <a:r>
+              <a:rPr lang="en-US" altLang="zh-CN" dirty="0"/>
+              <a:t> {</a:t>
+            </a:r>
+          </a:p>
+          <a:p>
+            <a:r>
+              <a:rPr lang="en-US" altLang="zh-CN" dirty="0"/>
+              <a:t>      //get the arguments passed to mock</a:t>
+            </a:r>
+          </a:p>
+          <a:p>
+            <a:r>
+              <a:rPr lang="en-US" altLang="zh-CN" dirty="0"/>
+              <a:t>      Object[] </a:t>
+            </a:r>
+            <a:r>
+              <a:rPr lang="en-US" altLang="zh-CN" dirty="0" err="1"/>
+              <a:t>args</a:t>
+            </a:r>
+            <a:r>
+              <a:rPr lang="en-US" altLang="zh-CN" dirty="0"/>
+              <a:t> = </a:t>
+            </a:r>
+            <a:r>
+              <a:rPr lang="en-US" altLang="zh-CN" dirty="0" err="1"/>
+              <a:t>invocation.getArguments</a:t>
+            </a:r>
+            <a:r>
+              <a:rPr lang="en-US" altLang="zh-CN" dirty="0" smtClean="0"/>
+              <a:t>();</a:t>
+            </a:r>
+          </a:p>
+          <a:p>
+            <a:r>
+              <a:rPr lang="en-US" altLang="zh-CN" dirty="0" smtClean="0"/>
+              <a:t>      if (</a:t>
+            </a:r>
+            <a:r>
+              <a:rPr lang="en-US" altLang="zh-CN" dirty="0" err="1" smtClean="0"/>
+              <a:t>args</a:t>
+            </a:r>
+            <a:r>
+              <a:rPr lang="en-US" altLang="zh-CN" dirty="0" smtClean="0"/>
+              <a:t>[0] ==?){return …}</a:t>
+            </a:r>
+          </a:p>
+          <a:p>
+            <a:r>
+              <a:rPr lang="en-US" altLang="zh-CN" dirty="0" smtClean="0"/>
+              <a:t>      //</a:t>
+            </a:r>
+            <a:r>
+              <a:rPr lang="en-US" altLang="zh-CN" dirty="0"/>
+              <a:t>return the result</a:t>
+            </a:r>
+          </a:p>
+          <a:p>
+            <a:r>
+              <a:rPr lang="en-US" altLang="zh-CN" dirty="0"/>
+              <a:t>      return 30.0;</a:t>
+            </a:r>
+          </a:p>
+          <a:p>
+            <a:r>
+              <a:rPr lang="en-US" altLang="zh-CN" dirty="0"/>
+              <a:t>   }</a:t>
+            </a:r>
+          </a:p>
+          <a:p>
+            <a:r>
+              <a:rPr lang="en-US" altLang="zh-CN" dirty="0"/>
+              <a:t>});</a:t>
+            </a:r>
+            <a:endParaRPr lang="zh-CN" altLang="en-US" dirty="0"/>
+          </a:p>
+        </p:txBody>
+      </p:sp>
+      <p:sp>
+        <p:nvSpPr>
+          <p:cNvPr id="8" name="文本框 7"/>
+          <p:cNvSpPr txBox="1"/>
+          <p:nvPr/>
+        </p:nvSpPr>
+        <p:spPr>
+          <a:xfrm>
+            <a:off x="490364" y="4325025"/>
+            <a:ext cx="8280920" cy="2031325"/>
+          </a:xfrm>
+          <a:prstGeom prst="rect">
+            <a:avLst/>
+          </a:prstGeom>
+          <a:noFill/>
+        </p:spPr>
+        <p:txBody>
+          <a:bodyPr wrap="square" rtlCol="0">
+            <a:spAutoFit/>
+          </a:bodyPr>
+          <a:lstStyle/>
+          <a:p>
+            <a:r>
+              <a:rPr lang="en-US" altLang="zh-CN" dirty="0" err="1"/>
+              <a:t>doAnswer</a:t>
+            </a:r>
+            <a:r>
+              <a:rPr lang="en-US" altLang="zh-CN" dirty="0"/>
+              <a:t>(new Answer&lt;Object&gt;() {</a:t>
+            </a:r>
+          </a:p>
+          <a:p>
+            <a:r>
+              <a:rPr lang="en-US" altLang="zh-CN" dirty="0"/>
+              <a:t>    @Override</a:t>
+            </a:r>
+          </a:p>
+          <a:p>
+            <a:r>
+              <a:rPr lang="en-US" altLang="zh-CN" dirty="0"/>
+              <a:t>    public Object answer(</a:t>
+            </a:r>
+            <a:r>
+              <a:rPr lang="en-US" altLang="zh-CN" dirty="0" err="1"/>
+              <a:t>InvocationOnMock</a:t>
+            </a:r>
+            <a:r>
+              <a:rPr lang="en-US" altLang="zh-CN" dirty="0"/>
+              <a:t> invocation) throws </a:t>
+            </a:r>
+            <a:r>
+              <a:rPr lang="en-US" altLang="zh-CN" dirty="0" err="1"/>
+              <a:t>Throwable</a:t>
+            </a:r>
+            <a:r>
+              <a:rPr lang="en-US" altLang="zh-CN" dirty="0"/>
+              <a:t> {</a:t>
+            </a:r>
+          </a:p>
+          <a:p>
+            <a:r>
+              <a:rPr lang="en-US" altLang="zh-CN" dirty="0"/>
+              <a:t>        </a:t>
+            </a:r>
+            <a:r>
+              <a:rPr lang="en-US" altLang="zh-CN" dirty="0" err="1"/>
+              <a:t>theString</a:t>
+            </a:r>
+            <a:r>
+              <a:rPr lang="en-US" altLang="zh-CN" dirty="0"/>
+              <a:t> = (String) </a:t>
+            </a:r>
+            <a:r>
+              <a:rPr lang="en-US" altLang="zh-CN" dirty="0" err="1"/>
+              <a:t>invocation.getArguments</a:t>
+            </a:r>
+            <a:r>
+              <a:rPr lang="en-US" altLang="zh-CN" dirty="0"/>
+              <a:t>()[0];</a:t>
+            </a:r>
+          </a:p>
+          <a:p>
+            <a:r>
+              <a:rPr lang="en-US" altLang="zh-CN" dirty="0"/>
+              <a:t>        return null;</a:t>
+            </a:r>
+          </a:p>
+          <a:p>
+            <a:r>
+              <a:rPr lang="en-US" altLang="zh-CN" dirty="0"/>
+              <a:t>    }</a:t>
+            </a:r>
+          </a:p>
+          <a:p>
+            <a:r>
+              <a:rPr lang="en-US" altLang="zh-CN" dirty="0"/>
+              <a:t>}).when(mock).</a:t>
+            </a:r>
+            <a:r>
+              <a:rPr lang="en-US" altLang="zh-CN" dirty="0" err="1"/>
+              <a:t>setString</a:t>
+            </a:r>
+            <a:r>
+              <a:rPr lang="en-US" altLang="zh-CN" dirty="0"/>
+              <a:t>(</a:t>
+            </a:r>
+            <a:r>
+              <a:rPr lang="en-US" altLang="zh-CN" dirty="0" err="1"/>
+              <a:t>anyString</a:t>
+            </a:r>
+            <a:r>
+              <a:rPr lang="en-US" altLang="zh-CN" dirty="0"/>
+              <a:t>());</a:t>
+            </a:r>
+            <a:endParaRPr lang="zh-CN" altLang="en-US" dirty="0"/>
+          </a:p>
+        </p:txBody>
+      </p:sp>
+      <p:cxnSp>
+        <p:nvCxnSpPr>
+          <p:cNvPr id="10" name="直接连接符 9"/>
+          <p:cNvCxnSpPr/>
+          <p:nvPr/>
+        </p:nvCxnSpPr>
+        <p:spPr>
+          <a:xfrm>
+            <a:off x="598860" y="4290531"/>
+            <a:ext cx="7704856" cy="0"/>
+          </a:xfrm>
+          <a:prstGeom prst="line">
+            <a:avLst/>
+          </a:prstGeom>
+          <a:ln w="19050">
+            <a:prstDash val="dash"/>
+          </a:ln>
+        </p:spPr>
+        <p:style>
+          <a:lnRef idx="1">
+            <a:schemeClr val="accent1"/>
+          </a:lnRef>
+          <a:fillRef idx="0">
+            <a:schemeClr val="accent1"/>
+          </a:fillRef>
+          <a:effectRef idx="0">
+            <a:schemeClr val="accent1"/>
+          </a:effectRef>
+          <a:fontRef idx="minor">
+            <a:schemeClr val="tx1"/>
+          </a:fontRef>
+        </p:style>
+      </p:cxnSp>
+    </p:spTree>
+    <p:extLst>
+      <p:ext uri="{BB962C8B-B14F-4D97-AF65-F5344CB8AC3E}">
+        <p14:creationId xmlns:p14="http://schemas.microsoft.com/office/powerpoint/2010/main" val="1933091912"/>
+      </p:ext>
+    </p:extLst>
+  </p:cSld>
+  <p:clrMapOvr>
+    <a:masterClrMapping/>
+  </p:clrMapOvr>
+  <p:timing>
+    <p:tnLst>
+      <p:par>
+        <p:cTn id="1" dur="indefinite" restart="never" nodeType="tmRoot"/>
+      </p:par>
+    </p:tnLst>
+  </p:timing>
+</p:sld>
+</file>
+
+<file path=ppt/slides/slide11.xml><?xml version="1.0" encoding="utf-8"?>
+<p:sld xmlns:a="http://schemas.openxmlformats.org/drawingml/2006/main" xmlns:r="http://schemas.openxmlformats.org/officeDocument/2006/relationships" xmlns:p="http://schemas.openxmlformats.org/presentationml/2006/main">
+  <p:cSld>
+    <p:spTree>
+      <p:nvGrpSpPr>
+        <p:cNvPr id="1" name=""/>
+        <p:cNvGrpSpPr/>
+        <p:nvPr/>
+      </p:nvGrpSpPr>
+      <p:grpSpPr>
+        <a:xfrm>
+          <a:off x="0" y="0"/>
+          <a:ext cx="0" cy="0"/>
+          <a:chOff x="0" y="0"/>
+          <a:chExt cx="0" cy="0"/>
+        </a:xfrm>
+      </p:grpSpPr>
+      <p:sp>
+        <p:nvSpPr>
           <p:cNvPr id="2" name="Title 1"/>
           <p:cNvSpPr>
             <a:spLocks noGrp="1"/>
@@ -4138,7 +4611,7 @@
             <a:fld id="{4EE09118-F6C0-44B1-AEB0-E70B108D11CB}" type="datetime1">
               <a:rPr lang="zh-CN" altLang="en-US" smtClean="0"/>
               <a:pPr/>
-              <a:t>2016/8/11</a:t>
+              <a:t>2017/5/24</a:t>
             </a:fld>
             <a:endParaRPr lang="zh-CN" altLang="en-US"/>
           </a:p>
@@ -4162,7 +4635,7 @@
             <a:fld id="{B3D1565B-4E83-45B7-9B19-292BF6FE1A2E}" type="slidenum">
               <a:rPr lang="zh-CN" altLang="en-US" smtClean="0"/>
               <a:pPr/>
-              <a:t>10</a:t>
+              <a:t>11</a:t>
             </a:fld>
             <a:endParaRPr lang="zh-CN" altLang="en-US"/>
           </a:p>
@@ -4599,7 +5072,7 @@
 </p:sld>
 </file>
 
-<file path=ppt/slides/slide11.xml><?xml version="1.0" encoding="utf-8"?>
+<file path=ppt/slides/slide12.xml><?xml version="1.0" encoding="utf-8"?>
 <p:sld xmlns:a="http://schemas.openxmlformats.org/drawingml/2006/main" xmlns:r="http://schemas.openxmlformats.org/officeDocument/2006/relationships" xmlns:p="http://schemas.openxmlformats.org/presentationml/2006/main">
   <p:cSld>
     <p:spTree>
@@ -4827,7 +5300,7 @@
             <a:fld id="{4EE09118-F6C0-44B1-AEB0-E70B108D11CB}" type="datetime1">
               <a:rPr lang="zh-CN" altLang="en-US" smtClean="0"/>
               <a:pPr/>
-              <a:t>2016/8/11</a:t>
+              <a:t>2017/5/24</a:t>
             </a:fld>
             <a:endParaRPr lang="zh-CN" altLang="en-US"/>
           </a:p>
@@ -4851,7 +5324,7 @@
             <a:fld id="{B3D1565B-4E83-45B7-9B19-292BF6FE1A2E}" type="slidenum">
               <a:rPr lang="zh-CN" altLang="en-US" smtClean="0"/>
               <a:pPr/>
-              <a:t>11</a:t>
+              <a:t>12</a:t>
             </a:fld>
             <a:endParaRPr lang="zh-CN" altLang="en-US"/>
           </a:p>
@@ -4877,138 +5350,6 @@
 </p:sld>
 </file>
 
-<file path=ppt/slides/slide12.xml><?xml version="1.0" encoding="utf-8"?>
-<p:sld xmlns:a="http://schemas.openxmlformats.org/drawingml/2006/main" xmlns:r="http://schemas.openxmlformats.org/officeDocument/2006/relationships" xmlns:p="http://schemas.openxmlformats.org/presentationml/2006/main">
-  <p:cSld>
-    <p:spTree>
-      <p:nvGrpSpPr>
-        <p:cNvPr id="1" name=""/>
-        <p:cNvGrpSpPr/>
-        <p:nvPr/>
-      </p:nvGrpSpPr>
-      <p:grpSpPr>
-        <a:xfrm>
-          <a:off x="0" y="0"/>
-          <a:ext cx="0" cy="0"/>
-          <a:chOff x="0" y="0"/>
-          <a:chExt cx="0" cy="0"/>
-        </a:xfrm>
-      </p:grpSpPr>
-      <p:sp>
-        <p:nvSpPr>
-          <p:cNvPr id="2" name="Title 1"/>
-          <p:cNvSpPr>
-            <a:spLocks noGrp="1"/>
-          </p:cNvSpPr>
-          <p:nvPr>
-            <p:ph type="title"/>
-          </p:nvPr>
-        </p:nvSpPr>
-        <p:spPr/>
-        <p:txBody>
-          <a:bodyPr/>
-          <a:lstStyle/>
-          <a:p>
-            <a:r>
-              <a:rPr lang="en-US" dirty="0" err="1" smtClean="0"/>
-              <a:t>Mockito</a:t>
-            </a:r>
-            <a:r>
-              <a:rPr lang="en-US" dirty="0" smtClean="0"/>
-              <a:t> – Limitation</a:t>
-            </a:r>
-            <a:endParaRPr lang="en-US" dirty="0"/>
-          </a:p>
-        </p:txBody>
-      </p:sp>
-      <p:sp>
-        <p:nvSpPr>
-          <p:cNvPr id="3" name="Content Placeholder 2"/>
-          <p:cNvSpPr>
-            <a:spLocks noGrp="1"/>
-          </p:cNvSpPr>
-          <p:nvPr>
-            <p:ph idx="1"/>
-          </p:nvPr>
-        </p:nvSpPr>
-        <p:spPr/>
-        <p:txBody>
-          <a:bodyPr/>
-          <a:lstStyle/>
-          <a:p>
-            <a:r>
-              <a:rPr lang="en-US" dirty="0" err="1" smtClean="0"/>
-              <a:t>Mockito</a:t>
-            </a:r>
-            <a:r>
-              <a:rPr lang="en-US" dirty="0" smtClean="0"/>
-              <a:t> cannot mock Static, Final, Private method</a:t>
-            </a:r>
-            <a:endParaRPr lang="en-US" dirty="0"/>
-          </a:p>
-        </p:txBody>
-      </p:sp>
-      <p:sp>
-        <p:nvSpPr>
-          <p:cNvPr id="4" name="Date Placeholder 3"/>
-          <p:cNvSpPr>
-            <a:spLocks noGrp="1"/>
-          </p:cNvSpPr>
-          <p:nvPr>
-            <p:ph type="dt" sz="half" idx="10"/>
-          </p:nvPr>
-        </p:nvSpPr>
-        <p:spPr/>
-        <p:txBody>
-          <a:bodyPr/>
-          <a:lstStyle/>
-          <a:p>
-            <a:fld id="{4EE09118-F6C0-44B1-AEB0-E70B108D11CB}" type="datetime1">
-              <a:rPr lang="zh-CN" altLang="en-US" smtClean="0"/>
-              <a:pPr/>
-              <a:t>2016/8/11</a:t>
-            </a:fld>
-            <a:endParaRPr lang="zh-CN" altLang="en-US"/>
-          </a:p>
-        </p:txBody>
-      </p:sp>
-      <p:sp>
-        <p:nvSpPr>
-          <p:cNvPr id="5" name="Slide Number Placeholder 4"/>
-          <p:cNvSpPr>
-            <a:spLocks noGrp="1"/>
-          </p:cNvSpPr>
-          <p:nvPr>
-            <p:ph type="sldNum" sz="quarter" idx="12"/>
-          </p:nvPr>
-        </p:nvSpPr>
-        <p:spPr/>
-        <p:txBody>
-          <a:bodyPr/>
-          <a:lstStyle/>
-          <a:p>
-            <a:fld id="{B3D1565B-4E83-45B7-9B19-292BF6FE1A2E}" type="slidenum">
-              <a:rPr lang="zh-CN" altLang="en-US" smtClean="0"/>
-              <a:pPr/>
-              <a:t>12</a:t>
-            </a:fld>
-            <a:endParaRPr lang="zh-CN" altLang="en-US"/>
-          </a:p>
-        </p:txBody>
-      </p:sp>
-    </p:spTree>
-    <p:extLst>
-      <p:ext uri="{BB962C8B-B14F-4D97-AF65-F5344CB8AC3E}">
-        <p14:creationId xmlns:p14="http://schemas.microsoft.com/office/powerpoint/2010/main" val="3661565971"/>
-      </p:ext>
-    </p:extLst>
-  </p:cSld>
-  <p:clrMapOvr>
-    <a:masterClrMapping/>
-  </p:clrMapOvr>
-</p:sld>
-</file>
-
 <file path=ppt/slides/slide13.xml><?xml version="1.0" encoding="utf-8"?>
 <p:sld xmlns:a="http://schemas.openxmlformats.org/drawingml/2006/main" xmlns:r="http://schemas.openxmlformats.org/officeDocument/2006/relationships" xmlns:p="http://schemas.openxmlformats.org/presentationml/2006/main">
   <p:cSld>
@@ -5038,6 +5379,263 @@
         </p:nvSpPr>
         <p:spPr/>
         <p:txBody>
+          <a:bodyPr>
+            <a:normAutofit/>
+          </a:bodyPr>
+          <a:lstStyle/>
+          <a:p>
+            <a:r>
+              <a:rPr lang="en-US" dirty="0" err="1" smtClean="0"/>
+              <a:t>ArgumentCaptor</a:t>
+            </a:r>
+            <a:endParaRPr lang="en-US" dirty="0"/>
+          </a:p>
+        </p:txBody>
+      </p:sp>
+      <p:sp>
+        <p:nvSpPr>
+          <p:cNvPr id="3" name="Content Placeholder 2"/>
+          <p:cNvSpPr>
+            <a:spLocks noGrp="1"/>
+          </p:cNvSpPr>
+          <p:nvPr>
+            <p:ph idx="1"/>
+          </p:nvPr>
+        </p:nvSpPr>
+        <p:spPr>
+          <a:xfrm>
+            <a:off x="457200" y="1124745"/>
+            <a:ext cx="8229600" cy="864096"/>
+          </a:xfrm>
+        </p:spPr>
+        <p:txBody>
+          <a:bodyPr>
+            <a:normAutofit lnSpcReduction="10000"/>
+          </a:bodyPr>
+          <a:lstStyle/>
+          <a:p>
+            <a:r>
+              <a:rPr lang="en-US" dirty="0"/>
+              <a:t>Capture arguments passed to an </a:t>
+            </a:r>
+            <a:r>
+              <a:rPr lang="en-US" dirty="0" smtClean="0"/>
+              <a:t>injected mock object’s methods</a:t>
+            </a:r>
+            <a:endParaRPr lang="en-US" dirty="0"/>
+          </a:p>
+        </p:txBody>
+      </p:sp>
+      <p:sp>
+        <p:nvSpPr>
+          <p:cNvPr id="4" name="Date Placeholder 3"/>
+          <p:cNvSpPr>
+            <a:spLocks noGrp="1"/>
+          </p:cNvSpPr>
+          <p:nvPr>
+            <p:ph type="dt" sz="half" idx="10"/>
+          </p:nvPr>
+        </p:nvSpPr>
+        <p:spPr/>
+        <p:txBody>
+          <a:bodyPr/>
+          <a:lstStyle/>
+          <a:p>
+            <a:fld id="{4EE09118-F6C0-44B1-AEB0-E70B108D11CB}" type="datetime1">
+              <a:rPr lang="zh-CN" altLang="en-US" smtClean="0"/>
+              <a:pPr/>
+              <a:t>2017/5/25</a:t>
+            </a:fld>
+            <a:endParaRPr lang="zh-CN" altLang="en-US"/>
+          </a:p>
+        </p:txBody>
+      </p:sp>
+      <p:sp>
+        <p:nvSpPr>
+          <p:cNvPr id="5" name="Slide Number Placeholder 4"/>
+          <p:cNvSpPr>
+            <a:spLocks noGrp="1"/>
+          </p:cNvSpPr>
+          <p:nvPr>
+            <p:ph type="sldNum" sz="quarter" idx="12"/>
+          </p:nvPr>
+        </p:nvSpPr>
+        <p:spPr/>
+        <p:txBody>
+          <a:bodyPr/>
+          <a:lstStyle/>
+          <a:p>
+            <a:fld id="{B3D1565B-4E83-45B7-9B19-292BF6FE1A2E}" type="slidenum">
+              <a:rPr lang="zh-CN" altLang="en-US" smtClean="0"/>
+              <a:pPr/>
+              <a:t>13</a:t>
+            </a:fld>
+            <a:endParaRPr lang="zh-CN" altLang="en-US"/>
+          </a:p>
+        </p:txBody>
+      </p:sp>
+      <p:sp>
+        <p:nvSpPr>
+          <p:cNvPr id="8" name="TextBox 7"/>
+          <p:cNvSpPr txBox="1"/>
+          <p:nvPr/>
+        </p:nvSpPr>
+        <p:spPr>
+          <a:xfrm>
+            <a:off x="539552" y="2204866"/>
+            <a:ext cx="8604448" cy="1015663"/>
+          </a:xfrm>
+          <a:prstGeom prst="rect">
+            <a:avLst/>
+          </a:prstGeom>
+          <a:noFill/>
+          <a:ln>
+            <a:solidFill>
+              <a:schemeClr val="tx1"/>
+            </a:solidFill>
+          </a:ln>
+        </p:spPr>
+        <p:txBody>
+          <a:bodyPr wrap="square" rtlCol="0">
+            <a:spAutoFit/>
+          </a:bodyPr>
+          <a:lstStyle/>
+          <a:p>
+            <a:r>
+              <a:rPr lang="en-US" sz="1200" dirty="0" err="1" smtClean="0"/>
+              <a:t>tobeTestedClass.doSomthing</a:t>
+            </a:r>
+            <a:r>
+              <a:rPr lang="en-US" sz="1200" dirty="0" smtClean="0"/>
+              <a:t>();</a:t>
+            </a:r>
+          </a:p>
+          <a:p>
+            <a:endParaRPr lang="en-US" sz="1200" dirty="0" smtClean="0"/>
+          </a:p>
+          <a:p>
+            <a:r>
+              <a:rPr lang="en-US" sz="1200" dirty="0" err="1"/>
+              <a:t>ArgumentCaptor</a:t>
+            </a:r>
+            <a:r>
+              <a:rPr lang="en-US" sz="1200" dirty="0"/>
+              <a:t>&lt;Person&gt; argument = </a:t>
+            </a:r>
+            <a:r>
+              <a:rPr lang="en-US" sz="1200" dirty="0" err="1"/>
+              <a:t>ArgumentCaptor.forClass</a:t>
+            </a:r>
+            <a:r>
+              <a:rPr lang="en-US" sz="1200" dirty="0"/>
+              <a:t>(</a:t>
+            </a:r>
+            <a:r>
+              <a:rPr lang="en-US" sz="1200" dirty="0" err="1"/>
+              <a:t>Person.class</a:t>
+            </a:r>
+            <a:r>
+              <a:rPr lang="en-US" sz="1200" dirty="0"/>
+              <a:t>);</a:t>
+            </a:r>
+          </a:p>
+          <a:p>
+            <a:r>
+              <a:rPr lang="en-US" sz="1200" dirty="0"/>
+              <a:t>verify(mock).</a:t>
+            </a:r>
+            <a:r>
+              <a:rPr lang="en-US" sz="1200" dirty="0" err="1"/>
+              <a:t>doSomething</a:t>
+            </a:r>
+            <a:r>
+              <a:rPr lang="en-US" sz="1200" dirty="0"/>
+              <a:t>(</a:t>
+            </a:r>
+            <a:r>
+              <a:rPr lang="en-US" sz="1200" dirty="0" err="1"/>
+              <a:t>argument.capture</a:t>
+            </a:r>
+            <a:r>
+              <a:rPr lang="en-US" sz="1200" dirty="0"/>
+              <a:t>());</a:t>
+            </a:r>
+          </a:p>
+          <a:p>
+            <a:r>
+              <a:rPr lang="en-US" sz="1200" dirty="0" err="1"/>
+              <a:t>assertEquals</a:t>
+            </a:r>
+            <a:r>
+              <a:rPr lang="en-US" sz="1200" dirty="0"/>
+              <a:t>("John", </a:t>
+            </a:r>
+            <a:r>
+              <a:rPr lang="en-US" sz="1200" dirty="0" err="1"/>
+              <a:t>argument.getValue</a:t>
+            </a:r>
+            <a:r>
+              <a:rPr lang="en-US" sz="1200" dirty="0"/>
+              <a:t>().</a:t>
+            </a:r>
+            <a:r>
+              <a:rPr lang="en-US" sz="1200" dirty="0" err="1"/>
+              <a:t>getName</a:t>
+            </a:r>
+            <a:r>
+              <a:rPr lang="en-US" sz="1200"/>
+              <a:t>());</a:t>
+            </a:r>
+            <a:endParaRPr lang="en-US" sz="1100" dirty="0">
+              <a:latin typeface="Arial" panose="020B0604020202020204" pitchFamily="34" charset="0"/>
+              <a:ea typeface="Arial Unicode MS" panose="020B0604020202020204" pitchFamily="34" charset="-122"/>
+              <a:cs typeface="Arial" panose="020B0604020202020204" pitchFamily="34" charset="0"/>
+            </a:endParaRPr>
+          </a:p>
+        </p:txBody>
+      </p:sp>
+    </p:spTree>
+    <p:extLst>
+      <p:ext uri="{BB962C8B-B14F-4D97-AF65-F5344CB8AC3E}">
+        <p14:creationId xmlns:p14="http://schemas.microsoft.com/office/powerpoint/2010/main" val="642048612"/>
+      </p:ext>
+    </p:extLst>
+  </p:cSld>
+  <p:clrMapOvr>
+    <a:masterClrMapping/>
+  </p:clrMapOvr>
+</p:sld>
+</file>
+
+<file path=ppt/slides/slide14.xml><?xml version="1.0" encoding="utf-8"?>
+<p:sld xmlns:a="http://schemas.openxmlformats.org/drawingml/2006/main" xmlns:r="http://schemas.openxmlformats.org/officeDocument/2006/relationships" xmlns:p="http://schemas.openxmlformats.org/presentationml/2006/main">
+  <p:cSld>
+    <p:spTree>
+      <p:nvGrpSpPr>
+        <p:cNvPr id="1" name=""/>
+        <p:cNvGrpSpPr/>
+        <p:nvPr/>
+      </p:nvGrpSpPr>
+      <p:grpSpPr>
+        <a:xfrm>
+          <a:off x="0" y="0"/>
+          <a:ext cx="0" cy="0"/>
+          <a:chOff x="0" y="0"/>
+          <a:chExt cx="0" cy="0"/>
+        </a:xfrm>
+      </p:grpSpPr>
+      <p:sp>
+        <p:nvSpPr>
+          <p:cNvPr id="2" name="Title 1"/>
+          <p:cNvSpPr>
+            <a:spLocks noGrp="1"/>
+          </p:cNvSpPr>
+          <p:nvPr>
+            <p:ph type="title"/>
+          </p:nvPr>
+        </p:nvSpPr>
+        <p:spPr/>
+        <p:txBody>
           <a:bodyPr/>
           <a:lstStyle/>
           <a:p>
@@ -5169,7 +5767,7 @@
             <a:fld id="{4EE09118-F6C0-44B1-AEB0-E70B108D11CB}" type="datetime1">
               <a:rPr lang="zh-CN" altLang="en-US" smtClean="0"/>
               <a:pPr/>
-              <a:t>2016/8/11</a:t>
+              <a:t>2017/5/24</a:t>
             </a:fld>
             <a:endParaRPr lang="zh-CN" altLang="en-US"/>
           </a:p>
@@ -5193,7 +5791,7 @@
             <a:fld id="{B3D1565B-4E83-45B7-9B19-292BF6FE1A2E}" type="slidenum">
               <a:rPr lang="zh-CN" altLang="en-US" smtClean="0"/>
               <a:pPr/>
-              <a:t>13</a:t>
+              <a:t>14</a:t>
             </a:fld>
             <a:endParaRPr lang="zh-CN" altLang="en-US"/>
           </a:p>
@@ -5219,466 +5817,6 @@
 </p:sld>
 </file>
 
-<file path=ppt/slides/slide14.xml><?xml version="1.0" encoding="utf-8"?>
-<p:sld xmlns:a="http://schemas.openxmlformats.org/drawingml/2006/main" xmlns:r="http://schemas.openxmlformats.org/officeDocument/2006/relationships" xmlns:p="http://schemas.openxmlformats.org/presentationml/2006/main">
-  <p:cSld>
-    <p:spTree>
-      <p:nvGrpSpPr>
-        <p:cNvPr id="1" name=""/>
-        <p:cNvGrpSpPr/>
-        <p:nvPr/>
-      </p:nvGrpSpPr>
-      <p:grpSpPr>
-        <a:xfrm>
-          <a:off x="0" y="0"/>
-          <a:ext cx="0" cy="0"/>
-          <a:chOff x="0" y="0"/>
-          <a:chExt cx="0" cy="0"/>
-        </a:xfrm>
-      </p:grpSpPr>
-      <p:sp>
-        <p:nvSpPr>
-          <p:cNvPr id="2" name="Title 1"/>
-          <p:cNvSpPr>
-            <a:spLocks noGrp="1"/>
-          </p:cNvSpPr>
-          <p:nvPr>
-            <p:ph type="title"/>
-          </p:nvPr>
-        </p:nvSpPr>
-        <p:spPr/>
-        <p:txBody>
-          <a:bodyPr/>
-          <a:lstStyle/>
-          <a:p>
-            <a:r>
-              <a:rPr lang="en-US" dirty="0" err="1" smtClean="0"/>
-              <a:t>PowerMockito</a:t>
-            </a:r>
-            <a:r>
-              <a:rPr lang="en-US" dirty="0" smtClean="0"/>
-              <a:t> – Mock static method</a:t>
-            </a:r>
-            <a:endParaRPr lang="en-US" dirty="0"/>
-          </a:p>
-        </p:txBody>
-      </p:sp>
-      <p:sp>
-        <p:nvSpPr>
-          <p:cNvPr id="4" name="Date Placeholder 3"/>
-          <p:cNvSpPr>
-            <a:spLocks noGrp="1"/>
-          </p:cNvSpPr>
-          <p:nvPr>
-            <p:ph type="dt" sz="half" idx="10"/>
-          </p:nvPr>
-        </p:nvSpPr>
-        <p:spPr/>
-        <p:txBody>
-          <a:bodyPr/>
-          <a:lstStyle/>
-          <a:p>
-            <a:fld id="{4EE09118-F6C0-44B1-AEB0-E70B108D11CB}" type="datetime1">
-              <a:rPr lang="zh-CN" altLang="en-US" smtClean="0"/>
-              <a:pPr/>
-              <a:t>2016/8/11</a:t>
-            </a:fld>
-            <a:endParaRPr lang="zh-CN" altLang="en-US"/>
-          </a:p>
-        </p:txBody>
-      </p:sp>
-      <p:sp>
-        <p:nvSpPr>
-          <p:cNvPr id="5" name="Slide Number Placeholder 4"/>
-          <p:cNvSpPr>
-            <a:spLocks noGrp="1"/>
-          </p:cNvSpPr>
-          <p:nvPr>
-            <p:ph type="sldNum" sz="quarter" idx="12"/>
-          </p:nvPr>
-        </p:nvSpPr>
-        <p:spPr/>
-        <p:txBody>
-          <a:bodyPr/>
-          <a:lstStyle/>
-          <a:p>
-            <a:fld id="{B3D1565B-4E83-45B7-9B19-292BF6FE1A2E}" type="slidenum">
-              <a:rPr lang="zh-CN" altLang="en-US" smtClean="0"/>
-              <a:pPr/>
-              <a:t>14</a:t>
-            </a:fld>
-            <a:endParaRPr lang="zh-CN" altLang="en-US"/>
-          </a:p>
-        </p:txBody>
-      </p:sp>
-      <p:sp>
-        <p:nvSpPr>
-          <p:cNvPr id="6" name="TextBox 5"/>
-          <p:cNvSpPr txBox="1"/>
-          <p:nvPr/>
-        </p:nvSpPr>
-        <p:spPr>
-          <a:xfrm>
-            <a:off x="539552" y="908720"/>
-            <a:ext cx="7704856" cy="5109091"/>
-          </a:xfrm>
-          <a:prstGeom prst="rect">
-            <a:avLst/>
-          </a:prstGeom>
-          <a:noFill/>
-        </p:spPr>
-        <p:txBody>
-          <a:bodyPr wrap="square" rtlCol="0">
-            <a:spAutoFit/>
-          </a:bodyPr>
-          <a:lstStyle/>
-          <a:p>
-            <a:r>
-              <a:rPr lang="en-US" sz="1400" dirty="0"/>
-              <a:t>public class </a:t>
-            </a:r>
-            <a:r>
-              <a:rPr lang="en-US" sz="1400" dirty="0" err="1"/>
-              <a:t>StringUitl</a:t>
-            </a:r>
-            <a:r>
-              <a:rPr lang="en-US" sz="1400" dirty="0"/>
-              <a:t> {</a:t>
-            </a:r>
-          </a:p>
-          <a:p>
-            <a:r>
-              <a:rPr lang="en-US" sz="1400" dirty="0"/>
-              <a:t> </a:t>
-            </a:r>
-            <a:r>
-              <a:rPr lang="en-US" sz="1400" dirty="0" smtClean="0"/>
-              <a:t>   public </a:t>
-            </a:r>
-            <a:r>
-              <a:rPr lang="en-US" sz="1400" dirty="0"/>
-              <a:t>String convert(String </a:t>
-            </a:r>
-            <a:r>
-              <a:rPr lang="en-US" sz="1400" dirty="0" err="1"/>
-              <a:t>str</a:t>
-            </a:r>
-            <a:r>
-              <a:rPr lang="en-US" sz="1400" dirty="0"/>
-              <a:t>) {</a:t>
-            </a:r>
-          </a:p>
-          <a:p>
-            <a:r>
-              <a:rPr lang="en-US" sz="1400" dirty="0" smtClean="0"/>
-              <a:t>        return </a:t>
-            </a:r>
-            <a:r>
-              <a:rPr lang="en-US" sz="1400" b="1" dirty="0" err="1"/>
-              <a:t>AnotherObject.convert</a:t>
-            </a:r>
-            <a:r>
-              <a:rPr lang="en-US" sz="1400" b="1" dirty="0"/>
-              <a:t>(</a:t>
-            </a:r>
-            <a:r>
-              <a:rPr lang="en-US" sz="1400" b="1" dirty="0" err="1"/>
-              <a:t>str</a:t>
-            </a:r>
-            <a:r>
-              <a:rPr lang="en-US" sz="1400" b="1" dirty="0"/>
-              <a:t>)</a:t>
-            </a:r>
-            <a:r>
-              <a:rPr lang="en-US" sz="1400" dirty="0"/>
-              <a:t>;</a:t>
-            </a:r>
-          </a:p>
-          <a:p>
-            <a:r>
-              <a:rPr lang="en-US" sz="1400" dirty="0" smtClean="0"/>
-              <a:t>    }</a:t>
-            </a:r>
-            <a:endParaRPr lang="en-US" sz="1400" dirty="0"/>
-          </a:p>
-          <a:p>
-            <a:r>
-              <a:rPr lang="en-US" sz="1400" dirty="0" smtClean="0"/>
-              <a:t>}</a:t>
-            </a:r>
-          </a:p>
-          <a:p>
-            <a:endParaRPr lang="en-US" sz="1400" dirty="0"/>
-          </a:p>
-          <a:p>
-            <a:r>
-              <a:rPr lang="en-US" sz="1400" b="1" dirty="0"/>
-              <a:t>@</a:t>
-            </a:r>
-            <a:r>
-              <a:rPr lang="en-US" sz="1400" b="1" dirty="0" err="1"/>
-              <a:t>RunWith</a:t>
-            </a:r>
-            <a:r>
-              <a:rPr lang="en-US" sz="1400" b="1" dirty="0"/>
-              <a:t>(</a:t>
-            </a:r>
-            <a:r>
-              <a:rPr lang="en-US" sz="1400" b="1" dirty="0" err="1"/>
-              <a:t>PowerMockRunner.class</a:t>
-            </a:r>
-            <a:r>
-              <a:rPr lang="en-US" sz="1400" b="1" dirty="0"/>
-              <a:t>)</a:t>
-            </a:r>
-          </a:p>
-          <a:p>
-            <a:r>
-              <a:rPr lang="en-US" sz="1400" b="1" dirty="0"/>
-              <a:t>@</a:t>
-            </a:r>
-            <a:r>
-              <a:rPr lang="en-US" sz="1400" b="1" dirty="0" err="1"/>
-              <a:t>PrepareForTest</a:t>
-            </a:r>
-            <a:r>
-              <a:rPr lang="en-US" sz="1400" b="1" dirty="0"/>
-              <a:t>(</a:t>
-            </a:r>
-            <a:r>
-              <a:rPr lang="en-US" sz="1400" b="1" dirty="0" err="1"/>
-              <a:t>AnotherObject.class</a:t>
-            </a:r>
-            <a:r>
-              <a:rPr lang="en-US" sz="1400" b="1" dirty="0"/>
-              <a:t>)</a:t>
-            </a:r>
-          </a:p>
-          <a:p>
-            <a:r>
-              <a:rPr lang="en-US" sz="1400" dirty="0"/>
-              <a:t>public class </a:t>
-            </a:r>
-            <a:r>
-              <a:rPr lang="en-US" sz="1400" dirty="0" err="1"/>
-              <a:t>StringUitlTest</a:t>
-            </a:r>
-            <a:r>
-              <a:rPr lang="en-US" sz="1400" dirty="0"/>
-              <a:t> {</a:t>
-            </a:r>
-          </a:p>
-          <a:p>
-            <a:r>
-              <a:rPr lang="en-US" sz="1400" dirty="0"/>
-              <a:t>    @Test</a:t>
-            </a:r>
-          </a:p>
-          <a:p>
-            <a:r>
-              <a:rPr lang="en-US" sz="1400" dirty="0"/>
-              <a:t>    public void test() {</a:t>
-            </a:r>
-          </a:p>
-          <a:p>
-            <a:r>
-              <a:rPr lang="en-US" sz="1400" dirty="0"/>
-              <a:t>        </a:t>
-            </a:r>
-            <a:r>
-              <a:rPr lang="en-US" sz="1400" b="1" dirty="0" err="1"/>
-              <a:t>PowerMockito.spy</a:t>
-            </a:r>
-            <a:r>
-              <a:rPr lang="en-US" sz="1400" b="1" dirty="0"/>
-              <a:t>(</a:t>
-            </a:r>
-            <a:r>
-              <a:rPr lang="en-US" sz="1400" b="1" dirty="0" err="1"/>
-              <a:t>AnotherObject.class</a:t>
-            </a:r>
-            <a:r>
-              <a:rPr lang="en-US" sz="1400" b="1" dirty="0" smtClean="0"/>
-              <a:t>);</a:t>
-            </a:r>
-            <a:r>
-              <a:rPr lang="en-US" sz="1400" dirty="0" smtClean="0"/>
-              <a:t>// or</a:t>
-            </a:r>
-            <a:r>
-              <a:rPr lang="en-US" sz="1400" b="1" dirty="0" smtClean="0"/>
-              <a:t> </a:t>
-            </a:r>
-            <a:r>
-              <a:rPr lang="en-US" sz="1400" i="1" dirty="0" err="1" smtClean="0"/>
-              <a:t>PowerMockito.mockStatic</a:t>
-            </a:r>
-            <a:r>
-              <a:rPr lang="en-US" sz="1400" i="1" dirty="0" smtClean="0"/>
-              <a:t>(</a:t>
-            </a:r>
-            <a:r>
-              <a:rPr lang="en-US" sz="1400" i="1" dirty="0" err="1" smtClean="0"/>
-              <a:t>AnotherObject.class</a:t>
-            </a:r>
-            <a:r>
-              <a:rPr lang="en-US" sz="1400" i="1" dirty="0" smtClean="0"/>
-              <a:t>)</a:t>
-            </a:r>
-            <a:endParaRPr lang="en-US" sz="1400" i="1" dirty="0"/>
-          </a:p>
-          <a:p>
-            <a:r>
-              <a:rPr lang="en-US" sz="1400" dirty="0"/>
-              <a:t>        </a:t>
-            </a:r>
-            <a:r>
-              <a:rPr lang="en-US" sz="1400" dirty="0" err="1"/>
-              <a:t>BDDMockito.when</a:t>
-            </a:r>
-            <a:r>
-              <a:rPr lang="en-US" sz="1400" dirty="0"/>
-              <a:t>(</a:t>
-            </a:r>
-            <a:r>
-              <a:rPr lang="en-US" sz="1400" dirty="0" err="1"/>
-              <a:t>AnotherObject.convert</a:t>
-            </a:r>
-            <a:r>
-              <a:rPr lang="en-US" sz="1400" dirty="0"/>
-              <a:t>("aa")).</a:t>
-            </a:r>
-            <a:r>
-              <a:rPr lang="en-US" sz="1400" dirty="0" err="1"/>
-              <a:t>thenReturn</a:t>
-            </a:r>
-            <a:r>
-              <a:rPr lang="en-US" sz="1400" dirty="0"/>
-              <a:t>("bb");</a:t>
-            </a:r>
-          </a:p>
-          <a:p>
-            <a:endParaRPr lang="en-US" sz="1400" dirty="0"/>
-          </a:p>
-          <a:p>
-            <a:r>
-              <a:rPr lang="en-US" sz="1400" dirty="0"/>
-              <a:t>        </a:t>
-            </a:r>
-            <a:r>
-              <a:rPr lang="en-US" sz="1400" dirty="0" err="1"/>
-              <a:t>StringUitl</a:t>
-            </a:r>
-            <a:r>
-              <a:rPr lang="en-US" sz="1400" dirty="0"/>
-              <a:t> </a:t>
-            </a:r>
-            <a:r>
-              <a:rPr lang="en-US" sz="1400" dirty="0" err="1"/>
-              <a:t>util</a:t>
-            </a:r>
-            <a:r>
-              <a:rPr lang="en-US" sz="1400" dirty="0"/>
-              <a:t> = new </a:t>
-            </a:r>
-            <a:r>
-              <a:rPr lang="en-US" sz="1400" dirty="0" err="1"/>
-              <a:t>StringUitl</a:t>
-            </a:r>
-            <a:r>
-              <a:rPr lang="en-US" sz="1400" dirty="0"/>
-              <a:t>();</a:t>
-            </a:r>
-          </a:p>
-          <a:p>
-            <a:endParaRPr lang="en-US" sz="1400" dirty="0"/>
-          </a:p>
-          <a:p>
-            <a:r>
-              <a:rPr lang="en-US" sz="1400" dirty="0"/>
-              <a:t>        String result = </a:t>
-            </a:r>
-            <a:r>
-              <a:rPr lang="en-US" sz="1400" dirty="0" err="1"/>
-              <a:t>util.convert</a:t>
-            </a:r>
-            <a:r>
-              <a:rPr lang="en-US" sz="1400" dirty="0"/>
-              <a:t>("aa");</a:t>
-            </a:r>
-          </a:p>
-          <a:p>
-            <a:r>
-              <a:rPr lang="en-US" sz="1400" dirty="0"/>
-              <a:t>        </a:t>
-            </a:r>
-            <a:r>
-              <a:rPr lang="en-US" sz="1400" dirty="0" err="1"/>
-              <a:t>assertEquals</a:t>
-            </a:r>
-            <a:r>
-              <a:rPr lang="en-US" sz="1400" dirty="0"/>
-              <a:t> ("bb", result);</a:t>
-            </a:r>
-          </a:p>
-          <a:p>
-            <a:endParaRPr lang="en-US" sz="1400" dirty="0"/>
-          </a:p>
-          <a:p>
-            <a:r>
-              <a:rPr lang="en-US" sz="1400" dirty="0"/>
-              <a:t>        result = </a:t>
-            </a:r>
-            <a:r>
-              <a:rPr lang="en-US" sz="1400" dirty="0" err="1"/>
-              <a:t>util.convert</a:t>
-            </a:r>
-            <a:r>
-              <a:rPr lang="en-US" sz="1400" dirty="0"/>
-              <a:t>("cc");</a:t>
-            </a:r>
-          </a:p>
-          <a:p>
-            <a:r>
-              <a:rPr lang="en-US" sz="1400" dirty="0"/>
-              <a:t>        </a:t>
-            </a:r>
-            <a:r>
-              <a:rPr lang="en-US" sz="1400" dirty="0" err="1"/>
-              <a:t>assertEquals</a:t>
-            </a:r>
-            <a:r>
-              <a:rPr lang="en-US" sz="1400" dirty="0"/>
-              <a:t> ("cc", result);</a:t>
-            </a:r>
-          </a:p>
-          <a:p>
-            <a:r>
-              <a:rPr lang="en-US" sz="1400" dirty="0"/>
-              <a:t>    }</a:t>
-            </a:r>
-          </a:p>
-          <a:p>
-            <a:r>
-              <a:rPr lang="en-US" sz="1400" dirty="0"/>
-              <a:t>}</a:t>
-            </a:r>
-          </a:p>
-        </p:txBody>
-      </p:sp>
-    </p:spTree>
-    <p:extLst>
-      <p:ext uri="{BB962C8B-B14F-4D97-AF65-F5344CB8AC3E}">
-        <p14:creationId xmlns:p14="http://schemas.microsoft.com/office/powerpoint/2010/main" val="3529914657"/>
-      </p:ext>
-    </p:extLst>
-  </p:cSld>
-  <p:clrMapOvr>
-    <a:masterClrMapping/>
-  </p:clrMapOvr>
-</p:sld>
-</file>
-
 <file path=ppt/slides/slide15.xml><?xml version="1.0" encoding="utf-8"?>
 <p:sld xmlns:a="http://schemas.openxmlformats.org/drawingml/2006/main" xmlns:r="http://schemas.openxmlformats.org/officeDocument/2006/relationships" xmlns:p="http://schemas.openxmlformats.org/presentationml/2006/main">
   <p:cSld>
@@ -5698,6 +5836,466 @@
       </p:grpSpPr>
       <p:sp>
         <p:nvSpPr>
+          <p:cNvPr id="2" name="Title 1"/>
+          <p:cNvSpPr>
+            <a:spLocks noGrp="1"/>
+          </p:cNvSpPr>
+          <p:nvPr>
+            <p:ph type="title"/>
+          </p:nvPr>
+        </p:nvSpPr>
+        <p:spPr/>
+        <p:txBody>
+          <a:bodyPr/>
+          <a:lstStyle/>
+          <a:p>
+            <a:r>
+              <a:rPr lang="en-US" dirty="0" err="1" smtClean="0"/>
+              <a:t>PowerMockito</a:t>
+            </a:r>
+            <a:r>
+              <a:rPr lang="en-US" dirty="0" smtClean="0"/>
+              <a:t> – Mock static method</a:t>
+            </a:r>
+            <a:endParaRPr lang="en-US" dirty="0"/>
+          </a:p>
+        </p:txBody>
+      </p:sp>
+      <p:sp>
+        <p:nvSpPr>
+          <p:cNvPr id="4" name="Date Placeholder 3"/>
+          <p:cNvSpPr>
+            <a:spLocks noGrp="1"/>
+          </p:cNvSpPr>
+          <p:nvPr>
+            <p:ph type="dt" sz="half" idx="10"/>
+          </p:nvPr>
+        </p:nvSpPr>
+        <p:spPr/>
+        <p:txBody>
+          <a:bodyPr/>
+          <a:lstStyle/>
+          <a:p>
+            <a:fld id="{4EE09118-F6C0-44B1-AEB0-E70B108D11CB}" type="datetime1">
+              <a:rPr lang="zh-CN" altLang="en-US" smtClean="0"/>
+              <a:pPr/>
+              <a:t>2017/5/24</a:t>
+            </a:fld>
+            <a:endParaRPr lang="zh-CN" altLang="en-US"/>
+          </a:p>
+        </p:txBody>
+      </p:sp>
+      <p:sp>
+        <p:nvSpPr>
+          <p:cNvPr id="5" name="Slide Number Placeholder 4"/>
+          <p:cNvSpPr>
+            <a:spLocks noGrp="1"/>
+          </p:cNvSpPr>
+          <p:nvPr>
+            <p:ph type="sldNum" sz="quarter" idx="12"/>
+          </p:nvPr>
+        </p:nvSpPr>
+        <p:spPr/>
+        <p:txBody>
+          <a:bodyPr/>
+          <a:lstStyle/>
+          <a:p>
+            <a:fld id="{B3D1565B-4E83-45B7-9B19-292BF6FE1A2E}" type="slidenum">
+              <a:rPr lang="zh-CN" altLang="en-US" smtClean="0"/>
+              <a:pPr/>
+              <a:t>15</a:t>
+            </a:fld>
+            <a:endParaRPr lang="zh-CN" altLang="en-US"/>
+          </a:p>
+        </p:txBody>
+      </p:sp>
+      <p:sp>
+        <p:nvSpPr>
+          <p:cNvPr id="6" name="TextBox 5"/>
+          <p:cNvSpPr txBox="1"/>
+          <p:nvPr/>
+        </p:nvSpPr>
+        <p:spPr>
+          <a:xfrm>
+            <a:off x="539552" y="908720"/>
+            <a:ext cx="7704856" cy="5109091"/>
+          </a:xfrm>
+          <a:prstGeom prst="rect">
+            <a:avLst/>
+          </a:prstGeom>
+          <a:noFill/>
+        </p:spPr>
+        <p:txBody>
+          <a:bodyPr wrap="square" rtlCol="0">
+            <a:spAutoFit/>
+          </a:bodyPr>
+          <a:lstStyle/>
+          <a:p>
+            <a:r>
+              <a:rPr lang="en-US" sz="1400" dirty="0"/>
+              <a:t>public class </a:t>
+            </a:r>
+            <a:r>
+              <a:rPr lang="en-US" sz="1400" dirty="0" err="1"/>
+              <a:t>StringUitl</a:t>
+            </a:r>
+            <a:r>
+              <a:rPr lang="en-US" sz="1400" dirty="0"/>
+              <a:t> {</a:t>
+            </a:r>
+          </a:p>
+          <a:p>
+            <a:r>
+              <a:rPr lang="en-US" sz="1400" dirty="0"/>
+              <a:t> </a:t>
+            </a:r>
+            <a:r>
+              <a:rPr lang="en-US" sz="1400" dirty="0" smtClean="0"/>
+              <a:t>   public </a:t>
+            </a:r>
+            <a:r>
+              <a:rPr lang="en-US" sz="1400" dirty="0"/>
+              <a:t>String convert(String </a:t>
+            </a:r>
+            <a:r>
+              <a:rPr lang="en-US" sz="1400" dirty="0" err="1"/>
+              <a:t>str</a:t>
+            </a:r>
+            <a:r>
+              <a:rPr lang="en-US" sz="1400" dirty="0"/>
+              <a:t>) {</a:t>
+            </a:r>
+          </a:p>
+          <a:p>
+            <a:r>
+              <a:rPr lang="en-US" sz="1400" dirty="0" smtClean="0"/>
+              <a:t>        return </a:t>
+            </a:r>
+            <a:r>
+              <a:rPr lang="en-US" sz="1400" b="1" dirty="0" err="1"/>
+              <a:t>AnotherObject.convert</a:t>
+            </a:r>
+            <a:r>
+              <a:rPr lang="en-US" sz="1400" b="1" dirty="0"/>
+              <a:t>(</a:t>
+            </a:r>
+            <a:r>
+              <a:rPr lang="en-US" sz="1400" b="1" dirty="0" err="1"/>
+              <a:t>str</a:t>
+            </a:r>
+            <a:r>
+              <a:rPr lang="en-US" sz="1400" b="1" dirty="0"/>
+              <a:t>)</a:t>
+            </a:r>
+            <a:r>
+              <a:rPr lang="en-US" sz="1400" dirty="0"/>
+              <a:t>;</a:t>
+            </a:r>
+          </a:p>
+          <a:p>
+            <a:r>
+              <a:rPr lang="en-US" sz="1400" dirty="0" smtClean="0"/>
+              <a:t>    }</a:t>
+            </a:r>
+            <a:endParaRPr lang="en-US" sz="1400" dirty="0"/>
+          </a:p>
+          <a:p>
+            <a:r>
+              <a:rPr lang="en-US" sz="1400" dirty="0" smtClean="0"/>
+              <a:t>}</a:t>
+            </a:r>
+          </a:p>
+          <a:p>
+            <a:endParaRPr lang="en-US" sz="1400" dirty="0"/>
+          </a:p>
+          <a:p>
+            <a:r>
+              <a:rPr lang="en-US" sz="1400" b="1" dirty="0"/>
+              <a:t>@</a:t>
+            </a:r>
+            <a:r>
+              <a:rPr lang="en-US" sz="1400" b="1" dirty="0" err="1"/>
+              <a:t>RunWith</a:t>
+            </a:r>
+            <a:r>
+              <a:rPr lang="en-US" sz="1400" b="1" dirty="0"/>
+              <a:t>(</a:t>
+            </a:r>
+            <a:r>
+              <a:rPr lang="en-US" sz="1400" b="1" dirty="0" err="1"/>
+              <a:t>PowerMockRunner.class</a:t>
+            </a:r>
+            <a:r>
+              <a:rPr lang="en-US" sz="1400" b="1" dirty="0"/>
+              <a:t>)</a:t>
+            </a:r>
+          </a:p>
+          <a:p>
+            <a:r>
+              <a:rPr lang="en-US" sz="1400" b="1" dirty="0"/>
+              <a:t>@</a:t>
+            </a:r>
+            <a:r>
+              <a:rPr lang="en-US" sz="1400" b="1" dirty="0" err="1"/>
+              <a:t>PrepareForTest</a:t>
+            </a:r>
+            <a:r>
+              <a:rPr lang="en-US" sz="1400" b="1" dirty="0"/>
+              <a:t>(</a:t>
+            </a:r>
+            <a:r>
+              <a:rPr lang="en-US" sz="1400" b="1" dirty="0" err="1"/>
+              <a:t>AnotherObject.class</a:t>
+            </a:r>
+            <a:r>
+              <a:rPr lang="en-US" sz="1400" b="1" dirty="0"/>
+              <a:t>)</a:t>
+            </a:r>
+          </a:p>
+          <a:p>
+            <a:r>
+              <a:rPr lang="en-US" sz="1400" dirty="0"/>
+              <a:t>public class </a:t>
+            </a:r>
+            <a:r>
+              <a:rPr lang="en-US" sz="1400" dirty="0" err="1"/>
+              <a:t>StringUitlTest</a:t>
+            </a:r>
+            <a:r>
+              <a:rPr lang="en-US" sz="1400" dirty="0"/>
+              <a:t> {</a:t>
+            </a:r>
+          </a:p>
+          <a:p>
+            <a:r>
+              <a:rPr lang="en-US" sz="1400" dirty="0"/>
+              <a:t>    @Test</a:t>
+            </a:r>
+          </a:p>
+          <a:p>
+            <a:r>
+              <a:rPr lang="en-US" sz="1400" dirty="0"/>
+              <a:t>    public void test() {</a:t>
+            </a:r>
+          </a:p>
+          <a:p>
+            <a:r>
+              <a:rPr lang="en-US" sz="1400" dirty="0"/>
+              <a:t>        </a:t>
+            </a:r>
+            <a:r>
+              <a:rPr lang="en-US" sz="1400" b="1" dirty="0" err="1"/>
+              <a:t>PowerMockito.spy</a:t>
+            </a:r>
+            <a:r>
+              <a:rPr lang="en-US" sz="1400" b="1" dirty="0"/>
+              <a:t>(</a:t>
+            </a:r>
+            <a:r>
+              <a:rPr lang="en-US" sz="1400" b="1" dirty="0" err="1"/>
+              <a:t>AnotherObject.class</a:t>
+            </a:r>
+            <a:r>
+              <a:rPr lang="en-US" sz="1400" b="1" dirty="0" smtClean="0"/>
+              <a:t>);</a:t>
+            </a:r>
+            <a:r>
+              <a:rPr lang="en-US" sz="1400" dirty="0" smtClean="0"/>
+              <a:t>// or</a:t>
+            </a:r>
+            <a:r>
+              <a:rPr lang="en-US" sz="1400" b="1" dirty="0" smtClean="0"/>
+              <a:t> </a:t>
+            </a:r>
+            <a:r>
+              <a:rPr lang="en-US" sz="1400" i="1" dirty="0" err="1" smtClean="0"/>
+              <a:t>PowerMockito.mockStatic</a:t>
+            </a:r>
+            <a:r>
+              <a:rPr lang="en-US" sz="1400" i="1" dirty="0" smtClean="0"/>
+              <a:t>(</a:t>
+            </a:r>
+            <a:r>
+              <a:rPr lang="en-US" sz="1400" i="1" dirty="0" err="1" smtClean="0"/>
+              <a:t>AnotherObject.class</a:t>
+            </a:r>
+            <a:r>
+              <a:rPr lang="en-US" sz="1400" i="1" dirty="0" smtClean="0"/>
+              <a:t>)</a:t>
+            </a:r>
+            <a:endParaRPr lang="en-US" sz="1400" i="1" dirty="0"/>
+          </a:p>
+          <a:p>
+            <a:r>
+              <a:rPr lang="en-US" sz="1400" dirty="0"/>
+              <a:t>        </a:t>
+            </a:r>
+            <a:r>
+              <a:rPr lang="en-US" sz="1400" dirty="0" err="1"/>
+              <a:t>BDDMockito.when</a:t>
+            </a:r>
+            <a:r>
+              <a:rPr lang="en-US" sz="1400" dirty="0"/>
+              <a:t>(</a:t>
+            </a:r>
+            <a:r>
+              <a:rPr lang="en-US" sz="1400" dirty="0" err="1"/>
+              <a:t>AnotherObject.convert</a:t>
+            </a:r>
+            <a:r>
+              <a:rPr lang="en-US" sz="1400" dirty="0"/>
+              <a:t>("aa")).</a:t>
+            </a:r>
+            <a:r>
+              <a:rPr lang="en-US" sz="1400" dirty="0" err="1"/>
+              <a:t>thenReturn</a:t>
+            </a:r>
+            <a:r>
+              <a:rPr lang="en-US" sz="1400" dirty="0"/>
+              <a:t>("bb");</a:t>
+            </a:r>
+          </a:p>
+          <a:p>
+            <a:endParaRPr lang="en-US" sz="1400" dirty="0"/>
+          </a:p>
+          <a:p>
+            <a:r>
+              <a:rPr lang="en-US" sz="1400" dirty="0"/>
+              <a:t>        </a:t>
+            </a:r>
+            <a:r>
+              <a:rPr lang="en-US" sz="1400" dirty="0" err="1"/>
+              <a:t>StringUitl</a:t>
+            </a:r>
+            <a:r>
+              <a:rPr lang="en-US" sz="1400" dirty="0"/>
+              <a:t> </a:t>
+            </a:r>
+            <a:r>
+              <a:rPr lang="en-US" sz="1400" dirty="0" err="1"/>
+              <a:t>util</a:t>
+            </a:r>
+            <a:r>
+              <a:rPr lang="en-US" sz="1400" dirty="0"/>
+              <a:t> = new </a:t>
+            </a:r>
+            <a:r>
+              <a:rPr lang="en-US" sz="1400" dirty="0" err="1"/>
+              <a:t>StringUitl</a:t>
+            </a:r>
+            <a:r>
+              <a:rPr lang="en-US" sz="1400" dirty="0"/>
+              <a:t>();</a:t>
+            </a:r>
+          </a:p>
+          <a:p>
+            <a:endParaRPr lang="en-US" sz="1400" dirty="0"/>
+          </a:p>
+          <a:p>
+            <a:r>
+              <a:rPr lang="en-US" sz="1400" dirty="0"/>
+              <a:t>        String result = </a:t>
+            </a:r>
+            <a:r>
+              <a:rPr lang="en-US" sz="1400" dirty="0" err="1"/>
+              <a:t>util.convert</a:t>
+            </a:r>
+            <a:r>
+              <a:rPr lang="en-US" sz="1400" dirty="0"/>
+              <a:t>("aa");</a:t>
+            </a:r>
+          </a:p>
+          <a:p>
+            <a:r>
+              <a:rPr lang="en-US" sz="1400" dirty="0"/>
+              <a:t>        </a:t>
+            </a:r>
+            <a:r>
+              <a:rPr lang="en-US" sz="1400" dirty="0" err="1"/>
+              <a:t>assertEquals</a:t>
+            </a:r>
+            <a:r>
+              <a:rPr lang="en-US" sz="1400" dirty="0"/>
+              <a:t> ("bb", result);</a:t>
+            </a:r>
+          </a:p>
+          <a:p>
+            <a:endParaRPr lang="en-US" sz="1400" dirty="0"/>
+          </a:p>
+          <a:p>
+            <a:r>
+              <a:rPr lang="en-US" sz="1400" dirty="0"/>
+              <a:t>        result = </a:t>
+            </a:r>
+            <a:r>
+              <a:rPr lang="en-US" sz="1400" dirty="0" err="1"/>
+              <a:t>util.convert</a:t>
+            </a:r>
+            <a:r>
+              <a:rPr lang="en-US" sz="1400" dirty="0"/>
+              <a:t>("cc");</a:t>
+            </a:r>
+          </a:p>
+          <a:p>
+            <a:r>
+              <a:rPr lang="en-US" sz="1400" dirty="0"/>
+              <a:t>        </a:t>
+            </a:r>
+            <a:r>
+              <a:rPr lang="en-US" sz="1400" dirty="0" err="1"/>
+              <a:t>assertEquals</a:t>
+            </a:r>
+            <a:r>
+              <a:rPr lang="en-US" sz="1400" dirty="0"/>
+              <a:t> ("cc", result);</a:t>
+            </a:r>
+          </a:p>
+          <a:p>
+            <a:r>
+              <a:rPr lang="en-US" sz="1400" dirty="0"/>
+              <a:t>    }</a:t>
+            </a:r>
+          </a:p>
+          <a:p>
+            <a:r>
+              <a:rPr lang="en-US" sz="1400" dirty="0"/>
+              <a:t>}</a:t>
+            </a:r>
+          </a:p>
+        </p:txBody>
+      </p:sp>
+    </p:spTree>
+    <p:extLst>
+      <p:ext uri="{BB962C8B-B14F-4D97-AF65-F5344CB8AC3E}">
+        <p14:creationId xmlns:p14="http://schemas.microsoft.com/office/powerpoint/2010/main" val="3529914657"/>
+      </p:ext>
+    </p:extLst>
+  </p:cSld>
+  <p:clrMapOvr>
+    <a:masterClrMapping/>
+  </p:clrMapOvr>
+</p:sld>
+</file>
+
+<file path=ppt/slides/slide16.xml><?xml version="1.0" encoding="utf-8"?>
+<p:sld xmlns:a="http://schemas.openxmlformats.org/drawingml/2006/main" xmlns:r="http://schemas.openxmlformats.org/officeDocument/2006/relationships" xmlns:p="http://schemas.openxmlformats.org/presentationml/2006/main">
+  <p:cSld>
+    <p:spTree>
+      <p:nvGrpSpPr>
+        <p:cNvPr id="1" name=""/>
+        <p:cNvGrpSpPr/>
+        <p:nvPr/>
+      </p:nvGrpSpPr>
+      <p:grpSpPr>
+        <a:xfrm>
+          <a:off x="0" y="0"/>
+          <a:ext cx="0" cy="0"/>
+          <a:chOff x="0" y="0"/>
+          <a:chExt cx="0" cy="0"/>
+        </a:xfrm>
+      </p:grpSpPr>
+      <p:sp>
+        <p:nvSpPr>
           <p:cNvPr id="2" name="标题 1"/>
           <p:cNvSpPr>
             <a:spLocks noGrp="1"/>
@@ -5769,7 +6367,7 @@
             <a:fld id="{C747BEE7-1600-4E86-851F-873E5728A0D8}" type="datetime1">
               <a:rPr lang="zh-CN" altLang="en-US" smtClean="0"/>
               <a:pPr/>
-              <a:t>2016/8/11</a:t>
+              <a:t>2017/5/24</a:t>
             </a:fld>
             <a:endParaRPr lang="zh-CN" altLang="en-US" dirty="0"/>
           </a:p>
@@ -5793,7 +6391,7 @@
             <a:fld id="{B3D1565B-4E83-45B7-9B19-292BF6FE1A2E}" type="slidenum">
               <a:rPr lang="zh-CN" altLang="en-US" smtClean="0"/>
               <a:pPr/>
-              <a:t>15</a:t>
+              <a:t>16</a:t>
             </a:fld>
             <a:endParaRPr lang="zh-CN" altLang="en-US" dirty="0"/>
           </a:p>
@@ -5819,185 +6417,6 @@
 </p:sld>
 </file>
 
-<file path=ppt/slides/slide16.xml><?xml version="1.0" encoding="utf-8"?>
-<p:sld xmlns:a="http://schemas.openxmlformats.org/drawingml/2006/main" xmlns:r="http://schemas.openxmlformats.org/officeDocument/2006/relationships" xmlns:p="http://schemas.openxmlformats.org/presentationml/2006/main">
-  <p:cSld>
-    <p:spTree>
-      <p:nvGrpSpPr>
-        <p:cNvPr id="1" name=""/>
-        <p:cNvGrpSpPr/>
-        <p:nvPr/>
-      </p:nvGrpSpPr>
-      <p:grpSpPr>
-        <a:xfrm>
-          <a:off x="0" y="0"/>
-          <a:ext cx="0" cy="0"/>
-          <a:chOff x="0" y="0"/>
-          <a:chExt cx="0" cy="0"/>
-        </a:xfrm>
-      </p:grpSpPr>
-      <p:sp>
-        <p:nvSpPr>
-          <p:cNvPr id="2" name="标题 1"/>
-          <p:cNvSpPr>
-            <a:spLocks noGrp="1"/>
-          </p:cNvSpPr>
-          <p:nvPr>
-            <p:ph type="title"/>
-          </p:nvPr>
-        </p:nvSpPr>
-        <p:spPr/>
-        <p:txBody>
-          <a:bodyPr/>
-          <a:lstStyle/>
-          <a:p>
-            <a:r>
-              <a:rPr lang="en-US" altLang="zh-CN" dirty="0"/>
-              <a:t>Installation</a:t>
-            </a:r>
-            <a:endParaRPr lang="zh-CN" altLang="en-US" dirty="0"/>
-          </a:p>
-        </p:txBody>
-      </p:sp>
-      <p:sp>
-        <p:nvSpPr>
-          <p:cNvPr id="3" name="内容占位符 2"/>
-          <p:cNvSpPr>
-            <a:spLocks noGrp="1"/>
-          </p:cNvSpPr>
-          <p:nvPr>
-            <p:ph idx="1"/>
-          </p:nvPr>
-        </p:nvSpPr>
-        <p:spPr/>
-        <p:txBody>
-          <a:bodyPr/>
-          <a:lstStyle/>
-          <a:p>
-            <a:r>
-              <a:rPr lang="en-US" altLang="zh-CN" dirty="0">
-                <a:hlinkClick r:id="rId2"/>
-              </a:rPr>
-              <a:t>http://www.eclemma.org/installation.html</a:t>
-            </a:r>
-            <a:endParaRPr lang="en-US" altLang="zh-CN" dirty="0"/>
-          </a:p>
-          <a:p>
-            <a:r>
-              <a:rPr lang="en-US" altLang="zh-CN" b="1" dirty="0"/>
-              <a:t>Option 1: Install from Eclipse Marketplace Client</a:t>
-            </a:r>
-          </a:p>
-          <a:p>
-            <a:pPr lvl="1"/>
-            <a:r>
-              <a:rPr lang="en-US" altLang="zh-CN" dirty="0"/>
-              <a:t>From your Eclipse menu select Help → Eclipse Marketplace.</a:t>
-            </a:r>
-          </a:p>
-          <a:p>
-            <a:pPr lvl="1"/>
-            <a:r>
-              <a:rPr lang="en-US" altLang="zh-CN" dirty="0"/>
-              <a:t>Search for "</a:t>
-            </a:r>
-            <a:r>
-              <a:rPr lang="en-US" altLang="zh-CN" dirty="0" err="1"/>
-              <a:t>EclEmma</a:t>
-            </a:r>
-            <a:r>
-              <a:rPr lang="en-US" altLang="zh-CN" dirty="0"/>
-              <a:t>".</a:t>
-            </a:r>
-          </a:p>
-          <a:p>
-            <a:pPr lvl="1"/>
-            <a:r>
-              <a:rPr lang="en-US" altLang="zh-CN" dirty="0"/>
-              <a:t>Hit Install for the entry "</a:t>
-            </a:r>
-            <a:r>
-              <a:rPr lang="en-US" altLang="zh-CN" dirty="0" err="1"/>
-              <a:t>EclEmma</a:t>
-            </a:r>
-            <a:r>
-              <a:rPr lang="en-US" altLang="zh-CN" dirty="0"/>
-              <a:t> Java Code Coverage".</a:t>
-            </a:r>
-          </a:p>
-          <a:p>
-            <a:pPr lvl="1"/>
-            <a:r>
-              <a:rPr lang="en-US" altLang="zh-CN" dirty="0"/>
-              <a:t>Follow the steps in the installation wizard. </a:t>
-            </a:r>
-          </a:p>
-          <a:p>
-            <a:endParaRPr lang="zh-CN" altLang="en-US" dirty="0"/>
-          </a:p>
-        </p:txBody>
-      </p:sp>
-      <p:sp>
-        <p:nvSpPr>
-          <p:cNvPr id="4" name="日期占位符 3"/>
-          <p:cNvSpPr>
-            <a:spLocks noGrp="1"/>
-          </p:cNvSpPr>
-          <p:nvPr>
-            <p:ph type="dt" sz="half" idx="10"/>
-          </p:nvPr>
-        </p:nvSpPr>
-        <p:spPr/>
-        <p:txBody>
-          <a:bodyPr/>
-          <a:lstStyle/>
-          <a:p>
-            <a:fld id="{4EE09118-F6C0-44B1-AEB0-E70B108D11CB}" type="datetime1">
-              <a:rPr lang="zh-CN" altLang="en-US" smtClean="0"/>
-              <a:pPr/>
-              <a:t>2016/8/11</a:t>
-            </a:fld>
-            <a:endParaRPr lang="zh-CN" altLang="en-US"/>
-          </a:p>
-        </p:txBody>
-      </p:sp>
-      <p:sp>
-        <p:nvSpPr>
-          <p:cNvPr id="5" name="灯片编号占位符 4"/>
-          <p:cNvSpPr>
-            <a:spLocks noGrp="1"/>
-          </p:cNvSpPr>
-          <p:nvPr>
-            <p:ph type="sldNum" sz="quarter" idx="12"/>
-          </p:nvPr>
-        </p:nvSpPr>
-        <p:spPr/>
-        <p:txBody>
-          <a:bodyPr/>
-          <a:lstStyle/>
-          <a:p>
-            <a:fld id="{B3D1565B-4E83-45B7-9B19-292BF6FE1A2E}" type="slidenum">
-              <a:rPr lang="zh-CN" altLang="en-US" smtClean="0"/>
-              <a:pPr/>
-              <a:t>16</a:t>
-            </a:fld>
-            <a:endParaRPr lang="zh-CN" altLang="en-US"/>
-          </a:p>
-        </p:txBody>
-      </p:sp>
-    </p:spTree>
-    <p:extLst>
-      <p:ext uri="{BB962C8B-B14F-4D97-AF65-F5344CB8AC3E}">
-        <p14:creationId xmlns:p14="http://schemas.microsoft.com/office/powerpoint/2010/main" val="1922614820"/>
-      </p:ext>
-    </p:extLst>
-  </p:cSld>
-  <p:clrMapOvr>
-    <a:masterClrMapping/>
-  </p:clrMapOvr>
-</p:sld>
-</file>
-
 <file path=ppt/slides/slide17.xml><?xml version="1.0" encoding="utf-8"?>
 <p:sld xmlns:a="http://schemas.openxmlformats.org/drawingml/2006/main" xmlns:r="http://schemas.openxmlformats.org/officeDocument/2006/relationships" xmlns:p="http://schemas.openxmlformats.org/presentationml/2006/main">
   <p:cSld>
@@ -6032,7 +6451,7 @@
           <a:p>
             <a:r>
               <a:rPr lang="en-US" altLang="zh-CN" dirty="0"/>
-              <a:t>Launching in Coverage Mode</a:t>
+              <a:t>Installation</a:t>
             </a:r>
             <a:endParaRPr lang="zh-CN" altLang="en-US" dirty="0"/>
           </a:p>
@@ -6040,6 +6459,84 @@
       </p:sp>
       <p:sp>
         <p:nvSpPr>
+          <p:cNvPr id="3" name="内容占位符 2"/>
+          <p:cNvSpPr>
+            <a:spLocks noGrp="1"/>
+          </p:cNvSpPr>
+          <p:nvPr>
+            <p:ph idx="1"/>
+          </p:nvPr>
+        </p:nvSpPr>
+        <p:spPr/>
+        <p:txBody>
+          <a:bodyPr/>
+          <a:lstStyle/>
+          <a:p>
+            <a:r>
+              <a:rPr lang="en-US" altLang="zh-CN" dirty="0">
+                <a:hlinkClick r:id="rId2"/>
+              </a:rPr>
+              <a:t>http://www.eclemma.org/installation.html</a:t>
+            </a:r>
+            <a:endParaRPr lang="en-US" altLang="zh-CN" dirty="0"/>
+          </a:p>
+          <a:p>
+            <a:r>
+              <a:rPr lang="en-US" altLang="zh-CN" b="1" dirty="0"/>
+              <a:t>Option 1: Install from Eclipse Marketplace Client</a:t>
+            </a:r>
+          </a:p>
+          <a:p>
+            <a:pPr lvl="1"/>
+            <a:r>
+              <a:rPr lang="en-US" altLang="zh-CN" dirty="0"/>
+              <a:t>From your Eclipse menu select Help → Eclipse Marketplace.</a:t>
+            </a:r>
+          </a:p>
+          <a:p>
+            <a:pPr lvl="1"/>
+            <a:r>
+              <a:rPr lang="en-US" altLang="zh-CN" dirty="0"/>
+              <a:t>Search for "</a:t>
+            </a:r>
+            <a:r>
+              <a:rPr lang="en-US" altLang="zh-CN" dirty="0" err="1"/>
+              <a:t>EclEmma</a:t>
+            </a:r>
+            <a:r>
+              <a:rPr lang="en-US" altLang="zh-CN" dirty="0"/>
+              <a:t>".</a:t>
+            </a:r>
+          </a:p>
+          <a:p>
+            <a:pPr lvl="1"/>
+            <a:r>
+              <a:rPr lang="en-US" altLang="zh-CN" dirty="0"/>
+              <a:t>Hit Install for the entry "</a:t>
+            </a:r>
+            <a:r>
+              <a:rPr lang="en-US" altLang="zh-CN" dirty="0" err="1"/>
+              <a:t>EclEmma</a:t>
+            </a:r>
+            <a:r>
+              <a:rPr lang="en-US" altLang="zh-CN" dirty="0"/>
+              <a:t> Java Code Coverage".</a:t>
+            </a:r>
+          </a:p>
+          <a:p>
+            <a:pPr lvl="1"/>
+            <a:r>
+              <a:rPr lang="en-US" altLang="zh-CN" dirty="0"/>
+              <a:t>Follow the steps in the installation wizard. </a:t>
+            </a:r>
+          </a:p>
+          <a:p>
+            <a:endParaRPr lang="zh-CN" altLang="en-US" dirty="0"/>
+          </a:p>
+        </p:txBody>
+      </p:sp>
+      <p:sp>
+        <p:nvSpPr>
           <p:cNvPr id="4" name="日期占位符 3"/>
           <p:cNvSpPr>
             <a:spLocks noGrp="1"/>
@@ -6056,7 +6553,7 @@
             <a:fld id="{4EE09118-F6C0-44B1-AEB0-E70B108D11CB}" type="datetime1">
               <a:rPr lang="zh-CN" altLang="en-US" smtClean="0"/>
               <a:pPr/>
-              <a:t>2016/8/11</a:t>
+              <a:t>2017/5/24</a:t>
             </a:fld>
             <a:endParaRPr lang="zh-CN" altLang="en-US"/>
           </a:p>
@@ -6081,6 +6578,107 @@
               <a:rPr lang="zh-CN" altLang="en-US" smtClean="0"/>
               <a:pPr/>
               <a:t>17</a:t>
+            </a:fld>
+            <a:endParaRPr lang="zh-CN" altLang="en-US"/>
+          </a:p>
+        </p:txBody>
+      </p:sp>
+    </p:spTree>
+    <p:extLst>
+      <p:ext uri="{BB962C8B-B14F-4D97-AF65-F5344CB8AC3E}">
+        <p14:creationId xmlns:p14="http://schemas.microsoft.com/office/powerpoint/2010/main" val="1922614820"/>
+      </p:ext>
+    </p:extLst>
+  </p:cSld>
+  <p:clrMapOvr>
+    <a:masterClrMapping/>
+  </p:clrMapOvr>
+</p:sld>
+</file>
+
+<file path=ppt/slides/slide18.xml><?xml version="1.0" encoding="utf-8"?>
+<p:sld xmlns:a="http://schemas.openxmlformats.org/drawingml/2006/main" xmlns:r="http://schemas.openxmlformats.org/officeDocument/2006/relationships" xmlns:p="http://schemas.openxmlformats.org/presentationml/2006/main">
+  <p:cSld>
+    <p:spTree>
+      <p:nvGrpSpPr>
+        <p:cNvPr id="1" name=""/>
+        <p:cNvGrpSpPr/>
+        <p:nvPr/>
+      </p:nvGrpSpPr>
+      <p:grpSpPr>
+        <a:xfrm>
+          <a:off x="0" y="0"/>
+          <a:ext cx="0" cy="0"/>
+          <a:chOff x="0" y="0"/>
+          <a:chExt cx="0" cy="0"/>
+        </a:xfrm>
+      </p:grpSpPr>
+      <p:sp>
+        <p:nvSpPr>
+          <p:cNvPr id="2" name="标题 1"/>
+          <p:cNvSpPr>
+            <a:spLocks noGrp="1"/>
+          </p:cNvSpPr>
+          <p:nvPr>
+            <p:ph type="title"/>
+          </p:nvPr>
+        </p:nvSpPr>
+        <p:spPr/>
+        <p:txBody>
+          <a:bodyPr/>
+          <a:lstStyle/>
+          <a:p>
+            <a:r>
+              <a:rPr lang="en-US" altLang="zh-CN" dirty="0"/>
+              <a:t>Launching in Coverage Mode</a:t>
+            </a:r>
+            <a:endParaRPr lang="zh-CN" altLang="en-US" dirty="0"/>
+          </a:p>
+        </p:txBody>
+      </p:sp>
+      <p:sp>
+        <p:nvSpPr>
+          <p:cNvPr id="4" name="日期占位符 3"/>
+          <p:cNvSpPr>
+            <a:spLocks noGrp="1"/>
+          </p:cNvSpPr>
+          <p:nvPr>
+            <p:ph type="dt" sz="half" idx="10"/>
+          </p:nvPr>
+        </p:nvSpPr>
+        <p:spPr/>
+        <p:txBody>
+          <a:bodyPr/>
+          <a:lstStyle/>
+          <a:p>
+            <a:fld id="{4EE09118-F6C0-44B1-AEB0-E70B108D11CB}" type="datetime1">
+              <a:rPr lang="zh-CN" altLang="en-US" smtClean="0"/>
+              <a:pPr/>
+              <a:t>2017/5/24</a:t>
+            </a:fld>
+            <a:endParaRPr lang="zh-CN" altLang="en-US"/>
+          </a:p>
+        </p:txBody>
+      </p:sp>
+      <p:sp>
+        <p:nvSpPr>
+          <p:cNvPr id="5" name="灯片编号占位符 4"/>
+          <p:cNvSpPr>
+            <a:spLocks noGrp="1"/>
+          </p:cNvSpPr>
+          <p:nvPr>
+            <p:ph type="sldNum" sz="quarter" idx="12"/>
+          </p:nvPr>
+        </p:nvSpPr>
+        <p:spPr/>
+        <p:txBody>
+          <a:bodyPr/>
+          <a:lstStyle/>
+          <a:p>
+            <a:fld id="{B3D1565B-4E83-45B7-9B19-292BF6FE1A2E}" type="slidenum">
+              <a:rPr lang="zh-CN" altLang="en-US" smtClean="0"/>
+              <a:pPr/>
+              <a:t>18</a:t>
             </a:fld>
             <a:endParaRPr lang="zh-CN" altLang="en-US"/>
           </a:p>
@@ -6147,7 +6745,7 @@
 </p:sld>
 </file>
 
-<file path=ppt/slides/slide18.xml><?xml version="1.0" encoding="utf-8"?>
+<file path=ppt/slides/slide19.xml><?xml version="1.0" encoding="utf-8"?>
 <p:sld xmlns:a="http://schemas.openxmlformats.org/drawingml/2006/main" xmlns:r="http://schemas.openxmlformats.org/officeDocument/2006/relationships" xmlns:p="http://schemas.openxmlformats.org/presentationml/2006/main">
   <p:cSld>
     <p:spTree>
@@ -6205,7 +6803,7 @@
             <a:fld id="{4EE09118-F6C0-44B1-AEB0-E70B108D11CB}" type="datetime1">
               <a:rPr lang="zh-CN" altLang="en-US" smtClean="0"/>
               <a:pPr/>
-              <a:t>2016/8/11</a:t>
+              <a:t>2017/5/24</a:t>
             </a:fld>
             <a:endParaRPr lang="zh-CN" altLang="en-US"/>
           </a:p>
@@ -6229,7 +6827,7 @@
             <a:fld id="{B3D1565B-4E83-45B7-9B19-292BF6FE1A2E}" type="slidenum">
               <a:rPr lang="zh-CN" altLang="en-US" smtClean="0"/>
               <a:pPr/>
-              <a:t>18</a:t>
+              <a:t>19</a:t>
             </a:fld>
             <a:endParaRPr lang="zh-CN" altLang="en-US"/>
           </a:p>
@@ -6330,7 +6928,7 @@
 </p:sld>
 </file>
 
-<file path=ppt/slides/slide19.xml><?xml version="1.0" encoding="utf-8"?>
+<file path=ppt/slides/slide2.xml><?xml version="1.0" encoding="utf-8"?>
 <p:sld xmlns:a="http://schemas.openxmlformats.org/drawingml/2006/main" xmlns:r="http://schemas.openxmlformats.org/officeDocument/2006/relationships" xmlns:p="http://schemas.openxmlformats.org/presentationml/2006/main">
   <p:cSld>
     <p:spTree>
@@ -6359,12 +6957,57 @@
         </p:nvSpPr>
         <p:spPr/>
         <p:txBody>
-          <a:bodyPr/>
-          <a:lstStyle/>
-          <a:p>
-            <a:r>
-              <a:rPr lang="en-US" altLang="zh-CN" dirty="0"/>
-              <a:t>Source Code Annotation</a:t>
+          <a:bodyPr>
+            <a:normAutofit/>
+          </a:bodyPr>
+          <a:lstStyle/>
+          <a:p>
+            <a:r>
+              <a:rPr lang="en-US" altLang="zh-CN" b="1" dirty="0" smtClean="0">
+                <a:latin typeface="Arial" pitchFamily="34" charset="0"/>
+                <a:cs typeface="Arial" pitchFamily="34" charset="0"/>
+              </a:rPr>
+              <a:t>Unit Test</a:t>
+            </a:r>
+            <a:endParaRPr lang="zh-CN" altLang="en-US" b="1" dirty="0">
+              <a:latin typeface="Arial" pitchFamily="34" charset="0"/>
+              <a:cs typeface="Arial" pitchFamily="34" charset="0"/>
+            </a:endParaRPr>
+          </a:p>
+        </p:txBody>
+      </p:sp>
+      <p:sp>
+        <p:nvSpPr>
+          <p:cNvPr id="3" name="内容占位符 2"/>
+          <p:cNvSpPr>
+            <a:spLocks noGrp="1"/>
+          </p:cNvSpPr>
+          <p:nvPr>
+            <p:ph idx="1"/>
+          </p:nvPr>
+        </p:nvSpPr>
+        <p:spPr/>
+        <p:txBody>
+          <a:bodyPr/>
+          <a:lstStyle/>
+          <a:p>
+            <a:r>
+              <a:rPr lang="en-US" altLang="zh-CN" dirty="0"/>
+              <a:t>A unit test should test a class in isolation. </a:t>
+            </a:r>
+            <a:endParaRPr lang="en-US" altLang="zh-CN" dirty="0" smtClean="0"/>
+          </a:p>
+          <a:p>
+            <a:endParaRPr lang="en-US" altLang="zh-CN" dirty="0"/>
+          </a:p>
+          <a:p>
+            <a:r>
+              <a:rPr lang="en-US" altLang="zh-CN" dirty="0" smtClean="0"/>
+              <a:t>Side </a:t>
+            </a:r>
+            <a:r>
+              <a:rPr lang="en-US" altLang="zh-CN" dirty="0"/>
+              <a:t>effects from other classes or the system should be eliminated if possible. </a:t>
             </a:r>
             <a:endParaRPr lang="zh-CN" altLang="en-US" dirty="0"/>
           </a:p>
@@ -6388,7 +7031,7 @@
             <a:fld id="{4EE09118-F6C0-44B1-AEB0-E70B108D11CB}" type="datetime1">
               <a:rPr lang="zh-CN" altLang="en-US" smtClean="0"/>
               <a:pPr/>
-              <a:t>2016/8/11</a:t>
+              <a:t>2017/5/24</a:t>
             </a:fld>
             <a:endParaRPr lang="zh-CN" altLang="en-US"/>
           </a:p>
@@ -6412,7 +7055,110 @@
             <a:fld id="{B3D1565B-4E83-45B7-9B19-292BF6FE1A2E}" type="slidenum">
               <a:rPr lang="zh-CN" altLang="en-US" smtClean="0"/>
               <a:pPr/>
-              <a:t>19</a:t>
+              <a:t>2</a:t>
+            </a:fld>
+            <a:endParaRPr lang="zh-CN" altLang="en-US"/>
+          </a:p>
+        </p:txBody>
+      </p:sp>
+    </p:spTree>
+  </p:cSld>
+  <p:clrMapOvr>
+    <a:masterClrMapping/>
+  </p:clrMapOvr>
+  <p:timing>
+    <p:tnLst>
+      <p:par>
+        <p:cTn id="1" dur="indefinite" restart="never" nodeType="tmRoot"/>
+      </p:par>
+    </p:tnLst>
+  </p:timing>
+</p:sld>
+</file>
+
+<file path=ppt/slides/slide20.xml><?xml version="1.0" encoding="utf-8"?>
+<p:sld xmlns:a="http://schemas.openxmlformats.org/drawingml/2006/main" xmlns:r="http://schemas.openxmlformats.org/officeDocument/2006/relationships" xmlns:p="http://schemas.openxmlformats.org/presentationml/2006/main">
+  <p:cSld>
+    <p:spTree>
+      <p:nvGrpSpPr>
+        <p:cNvPr id="1" name=""/>
+        <p:cNvGrpSpPr/>
+        <p:nvPr/>
+      </p:nvGrpSpPr>
+      <p:grpSpPr>
+        <a:xfrm>
+          <a:off x="0" y="0"/>
+          <a:ext cx="0" cy="0"/>
+          <a:chOff x="0" y="0"/>
+          <a:chExt cx="0" cy="0"/>
+        </a:xfrm>
+      </p:grpSpPr>
+      <p:sp>
+        <p:nvSpPr>
+          <p:cNvPr id="2" name="标题 1"/>
+          <p:cNvSpPr>
+            <a:spLocks noGrp="1"/>
+          </p:cNvSpPr>
+          <p:nvPr>
+            <p:ph type="title"/>
+          </p:nvPr>
+        </p:nvSpPr>
+        <p:spPr/>
+        <p:txBody>
+          <a:bodyPr/>
+          <a:lstStyle/>
+          <a:p>
+            <a:r>
+              <a:rPr lang="en-US" altLang="zh-CN" dirty="0"/>
+              <a:t>Source Code Annotation</a:t>
+            </a:r>
+            <a:endParaRPr lang="zh-CN" altLang="en-US" dirty="0"/>
+          </a:p>
+        </p:txBody>
+      </p:sp>
+      <p:sp>
+        <p:nvSpPr>
+          <p:cNvPr id="4" name="日期占位符 3"/>
+          <p:cNvSpPr>
+            <a:spLocks noGrp="1"/>
+          </p:cNvSpPr>
+          <p:nvPr>
+            <p:ph type="dt" sz="half" idx="10"/>
+          </p:nvPr>
+        </p:nvSpPr>
+        <p:spPr/>
+        <p:txBody>
+          <a:bodyPr/>
+          <a:lstStyle/>
+          <a:p>
+            <a:fld id="{4EE09118-F6C0-44B1-AEB0-E70B108D11CB}" type="datetime1">
+              <a:rPr lang="zh-CN" altLang="en-US" smtClean="0"/>
+              <a:pPr/>
+              <a:t>2017/5/24</a:t>
+            </a:fld>
+            <a:endParaRPr lang="zh-CN" altLang="en-US"/>
+          </a:p>
+        </p:txBody>
+      </p:sp>
+      <p:sp>
+        <p:nvSpPr>
+          <p:cNvPr id="5" name="灯片编号占位符 4"/>
+          <p:cNvSpPr>
+            <a:spLocks noGrp="1"/>
+          </p:cNvSpPr>
+          <p:nvPr>
+            <p:ph type="sldNum" sz="quarter" idx="12"/>
+          </p:nvPr>
+        </p:nvSpPr>
+        <p:spPr/>
+        <p:txBody>
+          <a:bodyPr/>
+          <a:lstStyle/>
+          <a:p>
+            <a:fld id="{B3D1565B-4E83-45B7-9B19-292BF6FE1A2E}" type="slidenum">
+              <a:rPr lang="zh-CN" altLang="en-US" smtClean="0"/>
+              <a:pPr/>
+              <a:t>20</a:t>
             </a:fld>
             <a:endParaRPr lang="zh-CN" altLang="en-US"/>
           </a:p>
@@ -6472,154 +7218,6 @@
 </p:sld>
 </file>
 
-<file path=ppt/slides/slide2.xml><?xml version="1.0" encoding="utf-8"?>
-<p:sld xmlns:a="http://schemas.openxmlformats.org/drawingml/2006/main" xmlns:r="http://schemas.openxmlformats.org/officeDocument/2006/relationships" xmlns:p="http://schemas.openxmlformats.org/presentationml/2006/main">
-  <p:cSld>
-    <p:spTree>
-      <p:nvGrpSpPr>
-        <p:cNvPr id="1" name=""/>
-        <p:cNvGrpSpPr/>
-        <p:nvPr/>
-      </p:nvGrpSpPr>
-      <p:grpSpPr>
-        <a:xfrm>
-          <a:off x="0" y="0"/>
-          <a:ext cx="0" cy="0"/>
-          <a:chOff x="0" y="0"/>
-          <a:chExt cx="0" cy="0"/>
-        </a:xfrm>
-      </p:grpSpPr>
-      <p:sp>
-        <p:nvSpPr>
-          <p:cNvPr id="2" name="标题 1"/>
-          <p:cNvSpPr>
-            <a:spLocks noGrp="1"/>
-          </p:cNvSpPr>
-          <p:nvPr>
-            <p:ph type="title"/>
-          </p:nvPr>
-        </p:nvSpPr>
-        <p:spPr/>
-        <p:txBody>
-          <a:bodyPr>
-            <a:normAutofit/>
-          </a:bodyPr>
-          <a:lstStyle/>
-          <a:p>
-            <a:r>
-              <a:rPr lang="en-US" altLang="zh-CN" b="1" dirty="0" smtClean="0">
-                <a:latin typeface="Arial" pitchFamily="34" charset="0"/>
-                <a:cs typeface="Arial" pitchFamily="34" charset="0"/>
-              </a:rPr>
-              <a:t>Unit Test</a:t>
-            </a:r>
-            <a:endParaRPr lang="zh-CN" altLang="en-US" b="1" dirty="0">
-              <a:latin typeface="Arial" pitchFamily="34" charset="0"/>
-              <a:cs typeface="Arial" pitchFamily="34" charset="0"/>
-            </a:endParaRPr>
-          </a:p>
-        </p:txBody>
-      </p:sp>
-      <p:sp>
-        <p:nvSpPr>
-          <p:cNvPr id="3" name="内容占位符 2"/>
-          <p:cNvSpPr>
-            <a:spLocks noGrp="1"/>
-          </p:cNvSpPr>
-          <p:nvPr>
-            <p:ph idx="1"/>
-          </p:nvPr>
-        </p:nvSpPr>
-        <p:spPr/>
-        <p:txBody>
-          <a:bodyPr/>
-          <a:lstStyle/>
-          <a:p>
-            <a:r>
-              <a:rPr lang="en-US" altLang="zh-CN" dirty="0"/>
-              <a:t>A unit test should test a class in isolation. </a:t>
-            </a:r>
-            <a:endParaRPr lang="en-US" altLang="zh-CN" dirty="0" smtClean="0"/>
-          </a:p>
-          <a:p>
-            <a:endParaRPr lang="en-US" altLang="zh-CN" dirty="0"/>
-          </a:p>
-          <a:p>
-            <a:r>
-              <a:rPr lang="en-US" altLang="zh-CN" dirty="0" smtClean="0"/>
-              <a:t>Side </a:t>
-            </a:r>
-            <a:r>
-              <a:rPr lang="en-US" altLang="zh-CN" dirty="0"/>
-              <a:t>effects from other classes or the system should be eliminated if possible. </a:t>
-            </a:r>
-            <a:endParaRPr lang="zh-CN" altLang="en-US" dirty="0"/>
-          </a:p>
-        </p:txBody>
-      </p:sp>
-      <p:sp>
-        <p:nvSpPr>
-          <p:cNvPr id="4" name="日期占位符 3"/>
-          <p:cNvSpPr>
-            <a:spLocks noGrp="1"/>
-          </p:cNvSpPr>
-          <p:nvPr>
-            <p:ph type="dt" sz="half" idx="10"/>
-          </p:nvPr>
-        </p:nvSpPr>
-        <p:spPr/>
-        <p:txBody>
-          <a:bodyPr/>
-          <a:lstStyle/>
-          <a:p>
-            <a:fld id="{4EE09118-F6C0-44B1-AEB0-E70B108D11CB}" type="datetime1">
-              <a:rPr lang="zh-CN" altLang="en-US" smtClean="0"/>
-              <a:pPr/>
-              <a:t>2016/8/11</a:t>
-            </a:fld>
-            <a:endParaRPr lang="zh-CN" altLang="en-US"/>
-          </a:p>
-        </p:txBody>
-      </p:sp>
-      <p:sp>
-        <p:nvSpPr>
-          <p:cNvPr id="5" name="灯片编号占位符 4"/>
-          <p:cNvSpPr>
-            <a:spLocks noGrp="1"/>
-          </p:cNvSpPr>
-          <p:nvPr>
-            <p:ph type="sldNum" sz="quarter" idx="12"/>
-          </p:nvPr>
-        </p:nvSpPr>
-        <p:spPr/>
-        <p:txBody>
-          <a:bodyPr/>
-          <a:lstStyle/>
-          <a:p>
-            <a:fld id="{B3D1565B-4E83-45B7-9B19-292BF6FE1A2E}" type="slidenum">
-              <a:rPr lang="zh-CN" altLang="en-US" smtClean="0"/>
-              <a:pPr/>
-              <a:t>2</a:t>
-            </a:fld>
-            <a:endParaRPr lang="zh-CN" altLang="en-US"/>
-          </a:p>
-        </p:txBody>
-      </p:sp>
-    </p:spTree>
-  </p:cSld>
-  <p:clrMapOvr>
-    <a:masterClrMapping/>
-  </p:clrMapOvr>
-  <p:timing>
-    <p:tnLst>
-      <p:par>
-        <p:cTn id="1" dur="indefinite" restart="never" nodeType="tmRoot"/>
-      </p:par>
-    </p:tnLst>
-  </p:timing>
-</p:sld>
-</file>
-
 <file path=ppt/slides/slide3.xml><?xml version="1.0" encoding="utf-8"?>
 <p:sld xmlns:a="http://schemas.openxmlformats.org/drawingml/2006/main" xmlns:r="http://schemas.openxmlformats.org/officeDocument/2006/relationships" xmlns:p="http://schemas.openxmlformats.org/presentationml/2006/main">
   <p:cSld>
@@ -6678,7 +7276,7 @@
             <a:fld id="{4EE09118-F6C0-44B1-AEB0-E70B108D11CB}" type="datetime1">
               <a:rPr lang="zh-CN" altLang="en-US" smtClean="0"/>
               <a:pPr/>
-              <a:t>2016/8/11</a:t>
+              <a:t>2017/5/24</a:t>
             </a:fld>
             <a:endParaRPr lang="zh-CN" altLang="en-US"/>
           </a:p>
@@ -6789,26 +7387,18 @@
           <a:p>
             <a:r>
               <a:rPr lang="en-US" altLang="zh-CN" dirty="0"/>
-              <a:t>    </a:t>
-            </a:r>
-            <a:r>
-              <a:rPr lang="en-US" altLang="zh-CN"/>
-              <a:t>@</a:t>
-            </a:r>
-            <a:r>
-              <a:rPr lang="en-US" altLang="zh-CN" smtClean="0"/>
-              <a:t>Before</a:t>
+              <a:t>    @</a:t>
+            </a:r>
+            <a:r>
+              <a:rPr lang="en-US" altLang="zh-CN" dirty="0" err="1"/>
+              <a:t>BeforeClass</a:t>
             </a:r>
             <a:endParaRPr lang="en-US" altLang="zh-CN" dirty="0"/>
           </a:p>
           <a:p>
             <a:r>
               <a:rPr lang="en-US" altLang="zh-CN" dirty="0"/>
-              <a:t>    public </a:t>
-            </a:r>
-            <a:r>
-              <a:rPr lang="en-US" altLang="zh-CN" dirty="0" smtClean="0"/>
-              <a:t>void </a:t>
+              <a:t>    public static void </a:t>
             </a:r>
             <a:r>
               <a:rPr lang="en-US" altLang="zh-CN" dirty="0" err="1"/>
@@ -7173,7 +7763,7 @@
             <a:fld id="{4EE09118-F6C0-44B1-AEB0-E70B108D11CB}" type="datetime1">
               <a:rPr lang="zh-CN" altLang="en-US" smtClean="0"/>
               <a:pPr/>
-              <a:t>2016/8/11</a:t>
+              <a:t>2017/5/24</a:t>
             </a:fld>
             <a:endParaRPr lang="zh-CN" altLang="en-US"/>
           </a:p>
@@ -7342,7 +7932,7 @@
       </p:grpSpPr>
       <p:sp>
         <p:nvSpPr>
-          <p:cNvPr id="2" name="标题 1"/>
+          <p:cNvPr id="2" name="Title 1"/>
           <p:cNvSpPr>
             <a:spLocks noGrp="1"/>
           </p:cNvSpPr>
@@ -7356,64 +7946,16 @@
           <a:lstStyle/>
           <a:p>
             <a:r>
-              <a:rPr lang="en-US" altLang="zh-CN" dirty="0"/>
-              <a:t>Configuring </a:t>
-            </a:r>
-            <a:r>
-              <a:rPr lang="en-US" altLang="zh-CN" dirty="0" smtClean="0"/>
-              <a:t>return</a:t>
-            </a:r>
-            <a:endParaRPr lang="zh-CN" altLang="en-US" dirty="0"/>
-          </a:p>
-        </p:txBody>
-      </p:sp>
-      <p:sp>
-        <p:nvSpPr>
-          <p:cNvPr id="3" name="内容占位符 2"/>
-          <p:cNvSpPr>
-            <a:spLocks noGrp="1"/>
-          </p:cNvSpPr>
-          <p:nvPr>
-            <p:ph idx="1"/>
-          </p:nvPr>
-        </p:nvSpPr>
-        <p:spPr>
-          <a:xfrm>
-            <a:off x="457200" y="1124745"/>
-            <a:ext cx="8229600" cy="648072"/>
-          </a:xfrm>
-        </p:spPr>
-        <p:txBody>
-          <a:bodyPr/>
-          <a:lstStyle/>
-          <a:p>
-            <a:r>
-              <a:rPr lang="en-US" altLang="zh-CN" dirty="0"/>
-              <a:t>when(…​).</a:t>
-            </a:r>
-            <a:r>
-              <a:rPr lang="en-US" altLang="zh-CN" dirty="0" err="1"/>
-              <a:t>thenReturn</a:t>
-            </a:r>
-            <a:r>
-              <a:rPr lang="en-US" altLang="zh-CN" dirty="0"/>
-              <a:t>(…​) &amp; </a:t>
-            </a:r>
-            <a:r>
-              <a:rPr lang="en-US" altLang="zh-CN" dirty="0" err="1"/>
-              <a:t>doReturn</a:t>
-            </a:r>
-            <a:r>
-              <a:rPr lang="en-US" altLang="zh-CN" dirty="0"/>
-              <a:t>(…​).when(…​)</a:t>
-            </a:r>
-            <a:endParaRPr lang="zh-CN" altLang="en-US" dirty="0"/>
-          </a:p>
-        </p:txBody>
-      </p:sp>
-      <p:sp>
-        <p:nvSpPr>
-          <p:cNvPr id="4" name="日期占位符 3"/>
+              <a:rPr lang="en-US" dirty="0" smtClean="0"/>
+              <a:t>Inject mocks</a:t>
+            </a:r>
+            <a:endParaRPr lang="en-US" dirty="0"/>
+          </a:p>
+        </p:txBody>
+      </p:sp>
+      <p:sp>
+        <p:nvSpPr>
+          <p:cNvPr id="4" name="Date Placeholder 3"/>
           <p:cNvSpPr>
             <a:spLocks noGrp="1"/>
           </p:cNvSpPr>
@@ -7429,7 +7971,7 @@
             <a:fld id="{4EE09118-F6C0-44B1-AEB0-E70B108D11CB}" type="datetime1">
               <a:rPr lang="zh-CN" altLang="en-US" smtClean="0"/>
               <a:pPr/>
-              <a:t>2016/8/11</a:t>
+              <a:t>2017/5/24</a:t>
             </a:fld>
             <a:endParaRPr lang="zh-CN" altLang="en-US"/>
           </a:p>
@@ -7437,7 +7979,7 @@
       </p:sp>
       <p:sp>
         <p:nvSpPr>
-          <p:cNvPr id="5" name="灯片编号占位符 4"/>
+          <p:cNvPr id="5" name="Slide Number Placeholder 4"/>
           <p:cNvSpPr>
             <a:spLocks noGrp="1"/>
           </p:cNvSpPr>
@@ -7459,16 +8001,770 @@
           </a:p>
         </p:txBody>
       </p:sp>
-      <p:sp>
-        <p:nvSpPr>
-          <p:cNvPr id="6" name="文本框 5"/>
+      <p:graphicFrame>
+        <p:nvGraphicFramePr>
+          <p:cNvPr id="6" name="Table 5"/>
+          <p:cNvGraphicFramePr>
+            <a:graphicFrameLocks noGrp="1"/>
+          </p:cNvGraphicFramePr>
+          <p:nvPr>
+            <p:extLst>
+              <p:ext uri="{D42A27DB-BD31-4B8C-83A1-F6EECF244321}">
+                <p14:modId xmlns:p14="http://schemas.microsoft.com/office/powerpoint/2010/main" val="3417906126"/>
+              </p:ext>
+            </p:extLst>
+          </p:nvPr>
+        </p:nvGraphicFramePr>
+        <p:xfrm>
+          <a:off x="457201" y="1268760"/>
+          <a:ext cx="8229599" cy="2194560"/>
+        </p:xfrm>
+        <a:graphic>
+          <a:graphicData uri="http://schemas.openxmlformats.org/drawingml/2006/table">
+            <a:tbl>
+              <a:tblPr firstRow="1" firstCol="1" bandRow="1">
+                <a:tableStyleId>{5C22544A-7EE6-4342-B048-85BDC9FD1C3A}</a:tableStyleId>
+              </a:tblPr>
+              <a:tblGrid>
+                <a:gridCol w="1240638"/>
+                <a:gridCol w="6988961"/>
+              </a:tblGrid>
+              <a:tr h="801027">
+                <a:tc>
+                  <a:txBody>
+                    <a:bodyPr/>
+                    <a:lstStyle/>
+                    <a:p>
+                      <a:pPr marL="0" marR="0">
+                        <a:spcBef>
+                          <a:spcPts val="0"/>
+                        </a:spcBef>
+                        <a:spcAft>
+                          <a:spcPts val="0"/>
+                        </a:spcAft>
+                      </a:pPr>
+                      <a:r>
+                        <a:rPr lang="en-US" sz="800" dirty="0">
+                          <a:effectLst/>
+                        </a:rPr>
+                        <a:t>Source code</a:t>
+                      </a:r>
+                      <a:endParaRPr lang="en-US" sz="800" dirty="0">
+                        <a:effectLst/>
+                        <a:latin typeface="Calibri" panose="020F0502020204030204" pitchFamily="34" charset="0"/>
+                        <a:ea typeface="宋体" panose="02010600030101010101" pitchFamily="2" charset="-122"/>
+                        <a:cs typeface="Times New Roman" panose="02020603050405020304" pitchFamily="18" charset="0"/>
+                      </a:endParaRPr>
+                    </a:p>
+                  </a:txBody>
+                  <a:tcPr marL="51495" marR="51495" marT="0" marB="0">
+                    <a:lnR w="12700" cap="flat" cmpd="sng" algn="ctr">
+                      <a:solidFill>
+                        <a:schemeClr val="tx1"/>
+                      </a:solidFill>
+                      <a:prstDash val="solid"/>
+                      <a:round/>
+                      <a:headEnd type="none" w="med" len="med"/>
+                      <a:tailEnd type="none" w="med" len="med"/>
+                    </a:lnR>
+                  </a:tcPr>
+                </a:tc>
+                <a:tc>
+                  <a:txBody>
+                    <a:bodyPr/>
+                    <a:lstStyle/>
+                    <a:p>
+                      <a:pPr marL="0" marR="0">
+                        <a:spcBef>
+                          <a:spcPts val="0"/>
+                        </a:spcBef>
+                        <a:spcAft>
+                          <a:spcPts val="0"/>
+                        </a:spcAft>
+                      </a:pPr>
+                      <a:r>
+                        <a:rPr lang="en-US" sz="800" b="0" dirty="0">
+                          <a:solidFill>
+                            <a:schemeClr val="tx1"/>
+                          </a:solidFill>
+                          <a:effectLst/>
+                        </a:rPr>
+                        <a:t>...</a:t>
+                      </a:r>
+                    </a:p>
+                    <a:p>
+                      <a:pPr marL="0" marR="0">
+                        <a:spcBef>
+                          <a:spcPts val="0"/>
+                        </a:spcBef>
+                        <a:spcAft>
+                          <a:spcPts val="0"/>
+                        </a:spcAft>
+                      </a:pPr>
+                      <a:r>
+                        <a:rPr lang="en-US" sz="800" b="0" dirty="0">
+                          <a:solidFill>
+                            <a:schemeClr val="tx1"/>
+                          </a:solidFill>
+                          <a:effectLst/>
+                        </a:rPr>
+                        <a:t>public class </a:t>
+                      </a:r>
+                      <a:r>
+                        <a:rPr lang="en-US" sz="800" b="0" dirty="0" err="1">
+                          <a:solidFill>
+                            <a:schemeClr val="tx1"/>
+                          </a:solidFill>
+                          <a:effectLst/>
+                        </a:rPr>
+                        <a:t>ProcessControllerBean</a:t>
+                      </a:r>
+                      <a:r>
+                        <a:rPr lang="en-US" sz="800" b="0" dirty="0">
+                          <a:solidFill>
+                            <a:schemeClr val="tx1"/>
+                          </a:solidFill>
+                          <a:effectLst/>
+                        </a:rPr>
+                        <a:t> ... {</a:t>
+                      </a:r>
+                    </a:p>
+                    <a:p>
+                      <a:pPr marL="0" marR="0">
+                        <a:spcBef>
+                          <a:spcPts val="0"/>
+                        </a:spcBef>
+                        <a:spcAft>
+                          <a:spcPts val="0"/>
+                        </a:spcAft>
+                      </a:pPr>
+                      <a:r>
+                        <a:rPr lang="en-US" sz="800" b="0" dirty="0">
+                          <a:solidFill>
+                            <a:schemeClr val="tx1"/>
+                          </a:solidFill>
+                          <a:effectLst/>
+                        </a:rPr>
+                        <a:t>       @EJB</a:t>
+                      </a:r>
+                    </a:p>
+                    <a:p>
+                      <a:pPr marL="0" marR="0">
+                        <a:spcBef>
+                          <a:spcPts val="0"/>
+                        </a:spcBef>
+                        <a:spcAft>
+                          <a:spcPts val="0"/>
+                        </a:spcAft>
+                      </a:pPr>
+                      <a:r>
+                        <a:rPr lang="en-US" sz="800" b="0" dirty="0">
+                          <a:solidFill>
+                            <a:schemeClr val="tx1"/>
+                          </a:solidFill>
+                          <a:effectLst/>
+                        </a:rPr>
+                        <a:t>       private </a:t>
+                      </a:r>
+                      <a:r>
+                        <a:rPr lang="en-US" sz="800" b="0" dirty="0" err="1">
+                          <a:solidFill>
+                            <a:schemeClr val="tx1"/>
+                          </a:solidFill>
+                          <a:effectLst/>
+                        </a:rPr>
+                        <a:t>ITrigramServiceLocal</a:t>
+                      </a:r>
+                      <a:r>
+                        <a:rPr lang="en-US" sz="800" b="0" dirty="0">
+                          <a:solidFill>
+                            <a:schemeClr val="tx1"/>
+                          </a:solidFill>
+                          <a:effectLst/>
+                        </a:rPr>
+                        <a:t> </a:t>
+                      </a:r>
+                      <a:r>
+                        <a:rPr lang="en-US" sz="800" b="0" dirty="0" err="1">
+                          <a:solidFill>
+                            <a:schemeClr val="tx1"/>
+                          </a:solidFill>
+                          <a:effectLst/>
+                        </a:rPr>
+                        <a:t>trigramService</a:t>
+                      </a:r>
+                      <a:r>
+                        <a:rPr lang="en-US" sz="800" b="0" dirty="0">
+                          <a:solidFill>
+                            <a:schemeClr val="tx1"/>
+                          </a:solidFill>
+                          <a:effectLst/>
+                        </a:rPr>
+                        <a:t>;</a:t>
+                      </a:r>
+                    </a:p>
+                    <a:p>
+                      <a:pPr marL="0" marR="0">
+                        <a:spcBef>
+                          <a:spcPts val="0"/>
+                        </a:spcBef>
+                        <a:spcAft>
+                          <a:spcPts val="0"/>
+                        </a:spcAft>
+                      </a:pPr>
+                      <a:r>
+                        <a:rPr lang="en-US" sz="800" b="0" dirty="0">
+                          <a:solidFill>
+                            <a:schemeClr val="tx1"/>
+                          </a:solidFill>
+                          <a:effectLst/>
+                        </a:rPr>
+                        <a:t>       </a:t>
+                      </a:r>
+                    </a:p>
+                    <a:p>
+                      <a:pPr marL="0" marR="0">
+                        <a:spcBef>
+                          <a:spcPts val="0"/>
+                        </a:spcBef>
+                        <a:spcAft>
+                          <a:spcPts val="0"/>
+                        </a:spcAft>
+                      </a:pPr>
+                      <a:r>
+                        <a:rPr lang="en-US" sz="800" b="0" dirty="0">
+                          <a:solidFill>
+                            <a:schemeClr val="tx1"/>
+                          </a:solidFill>
+                          <a:effectLst/>
+                        </a:rPr>
+                        <a:t>       ...</a:t>
+                      </a:r>
+                    </a:p>
+                    <a:p>
+                      <a:pPr marL="0" marR="0">
+                        <a:spcBef>
+                          <a:spcPts val="0"/>
+                        </a:spcBef>
+                        <a:spcAft>
+                          <a:spcPts val="0"/>
+                        </a:spcAft>
+                      </a:pPr>
+                      <a:r>
+                        <a:rPr lang="en-US" sz="800" b="0" dirty="0">
+                          <a:solidFill>
+                            <a:schemeClr val="tx1"/>
+                          </a:solidFill>
+                          <a:effectLst/>
+                        </a:rPr>
+                        <a:t>}</a:t>
+                      </a:r>
+                      <a:endParaRPr lang="en-US" sz="800" b="0" dirty="0">
+                        <a:solidFill>
+                          <a:schemeClr val="tx1"/>
+                        </a:solidFill>
+                        <a:effectLst/>
+                        <a:latin typeface="Calibri" panose="020F0502020204030204" pitchFamily="34" charset="0"/>
+                        <a:ea typeface="宋体" panose="02010600030101010101" pitchFamily="2" charset="-122"/>
+                        <a:cs typeface="Times New Roman" panose="02020603050405020304" pitchFamily="18" charset="0"/>
+                      </a:endParaRPr>
+                    </a:p>
+                  </a:txBody>
+                  <a:tcPr marL="51495" marR="51495" marT="0" marB="0">
+                    <a:lnL w="12700" cap="flat" cmpd="sng" algn="ctr">
+                      <a:solidFill>
+                        <a:schemeClr val="tx1"/>
+                      </a:solidFill>
+                      <a:prstDash val="solid"/>
+                      <a:round/>
+                      <a:headEnd type="none" w="med" len="med"/>
+                      <a:tailEnd type="none" w="med" len="med"/>
+                    </a:lnL>
+                    <a:lnR w="12700" cap="flat" cmpd="sng" algn="ctr">
+                      <a:solidFill>
+                        <a:schemeClr val="tx1"/>
+                      </a:solidFill>
+                      <a:prstDash val="solid"/>
+                      <a:round/>
+                      <a:headEnd type="none" w="med" len="med"/>
+                      <a:tailEnd type="none" w="med" len="med"/>
+                    </a:lnR>
+                    <a:lnT w="12700" cap="flat" cmpd="sng" algn="ctr">
+                      <a:solidFill>
+                        <a:schemeClr val="tx1"/>
+                      </a:solidFill>
+                      <a:prstDash val="solid"/>
+                      <a:round/>
+                      <a:headEnd type="none" w="med" len="med"/>
+                      <a:tailEnd type="none" w="med" len="med"/>
+                    </a:lnT>
+                    <a:lnB w="12700" cap="flat" cmpd="sng" algn="ctr">
+                      <a:solidFill>
+                        <a:schemeClr val="tx1"/>
+                      </a:solidFill>
+                      <a:prstDash val="solid"/>
+                      <a:round/>
+                      <a:headEnd type="none" w="med" len="med"/>
+                      <a:tailEnd type="none" w="med" len="med"/>
+                    </a:lnB>
+                    <a:solidFill>
+                      <a:schemeClr val="bg1">
+                        <a:lumMod val="95000"/>
+                      </a:schemeClr>
+                    </a:solidFill>
+                  </a:tcPr>
+                </a:tc>
+              </a:tr>
+              <a:tr h="1304530">
+                <a:tc>
+                  <a:txBody>
+                    <a:bodyPr/>
+                    <a:lstStyle/>
+                    <a:p>
+                      <a:pPr marL="0" marR="0">
+                        <a:spcBef>
+                          <a:spcPts val="0"/>
+                        </a:spcBef>
+                        <a:spcAft>
+                          <a:spcPts val="0"/>
+                        </a:spcAft>
+                      </a:pPr>
+                      <a:r>
+                        <a:rPr lang="en-US" sz="800" dirty="0">
+                          <a:effectLst/>
+                        </a:rPr>
+                        <a:t>Test code</a:t>
+                      </a:r>
+                      <a:endParaRPr lang="en-US" sz="800" dirty="0">
+                        <a:effectLst/>
+                        <a:latin typeface="Calibri" panose="020F0502020204030204" pitchFamily="34" charset="0"/>
+                        <a:ea typeface="宋体" panose="02010600030101010101" pitchFamily="2" charset="-122"/>
+                        <a:cs typeface="Times New Roman" panose="02020603050405020304" pitchFamily="18" charset="0"/>
+                      </a:endParaRPr>
+                    </a:p>
+                  </a:txBody>
+                  <a:tcPr marL="51495" marR="51495" marT="0" marB="0"/>
+                </a:tc>
+                <a:tc>
+                  <a:txBody>
+                    <a:bodyPr/>
+                    <a:lstStyle/>
+                    <a:p>
+                      <a:pPr marL="0" marR="0">
+                        <a:spcBef>
+                          <a:spcPts val="0"/>
+                        </a:spcBef>
+                        <a:spcAft>
+                          <a:spcPts val="0"/>
+                        </a:spcAft>
+                      </a:pPr>
+                      <a:r>
+                        <a:rPr lang="en-US" sz="800" dirty="0">
+                          <a:effectLst/>
+                        </a:rPr>
+                        <a:t>@Mock (name = "</a:t>
+                      </a:r>
+                      <a:r>
+                        <a:rPr lang="en-US" sz="800" dirty="0" err="1">
+                          <a:effectLst/>
+                        </a:rPr>
+                        <a:t>trigramService</a:t>
+                      </a:r>
+                      <a:r>
+                        <a:rPr lang="en-US" sz="800" dirty="0">
+                          <a:effectLst/>
+                        </a:rPr>
+                        <a:t>")             </a:t>
+                      </a:r>
+                      <a:r>
+                        <a:rPr lang="en-US" sz="800" dirty="0" smtClean="0">
+                          <a:effectLst/>
+                        </a:rPr>
+                        <a:t>       </a:t>
+                      </a:r>
+                      <a:r>
+                        <a:rPr lang="en-US" sz="800" dirty="0">
+                          <a:effectLst/>
+                        </a:rPr>
+                        <a:t> // same as the field name</a:t>
+                      </a:r>
+                    </a:p>
+                    <a:p>
+                      <a:pPr marL="0" marR="0">
+                        <a:spcBef>
+                          <a:spcPts val="0"/>
+                        </a:spcBef>
+                        <a:spcAft>
+                          <a:spcPts val="0"/>
+                        </a:spcAft>
+                      </a:pPr>
+                      <a:r>
+                        <a:rPr lang="en-US" sz="800" dirty="0">
+                          <a:effectLst/>
+                        </a:rPr>
+                        <a:t>private </a:t>
+                      </a:r>
+                      <a:r>
+                        <a:rPr lang="en-US" sz="800" dirty="0" err="1">
+                          <a:effectLst/>
+                        </a:rPr>
+                        <a:t>ITrigramServiceLocal</a:t>
+                      </a:r>
+                      <a:r>
+                        <a:rPr lang="en-US" sz="800" dirty="0">
+                          <a:effectLst/>
+                        </a:rPr>
+                        <a:t> </a:t>
+                      </a:r>
+                      <a:r>
+                        <a:rPr lang="en-US" sz="800" dirty="0" err="1">
+                          <a:effectLst/>
+                        </a:rPr>
+                        <a:t>trigramService</a:t>
+                      </a:r>
+                      <a:r>
+                        <a:rPr lang="en-US" sz="800" dirty="0">
+                          <a:effectLst/>
+                        </a:rPr>
+                        <a:t>; </a:t>
+                      </a:r>
+                      <a:r>
+                        <a:rPr lang="en-US" sz="800" dirty="0" smtClean="0">
+                          <a:effectLst/>
+                        </a:rPr>
+                        <a:t>  // </a:t>
+                      </a:r>
+                      <a:r>
+                        <a:rPr lang="en-US" sz="800" dirty="0">
+                          <a:effectLst/>
+                        </a:rPr>
+                        <a:t>If </a:t>
+                      </a:r>
+                      <a:r>
+                        <a:rPr lang="en-US" sz="800" dirty="0" err="1">
+                          <a:effectLst/>
+                        </a:rPr>
+                        <a:t>ProcessControllerBean</a:t>
+                      </a:r>
+                      <a:r>
+                        <a:rPr lang="en-US" sz="800" dirty="0">
+                          <a:effectLst/>
+                        </a:rPr>
+                        <a:t> have one </a:t>
+                      </a:r>
+                      <a:r>
+                        <a:rPr lang="en-US" sz="800" dirty="0" err="1">
+                          <a:effectLst/>
+                        </a:rPr>
+                        <a:t>ITrigramServiceLocal</a:t>
+                      </a:r>
+                      <a:r>
+                        <a:rPr lang="en-US" sz="800" dirty="0">
+                          <a:effectLst/>
+                        </a:rPr>
+                        <a:t> type only, </a:t>
+                      </a:r>
+                    </a:p>
+                    <a:p>
+                      <a:pPr marL="0" marR="0">
+                        <a:spcBef>
+                          <a:spcPts val="0"/>
+                        </a:spcBef>
+                        <a:spcAft>
+                          <a:spcPts val="0"/>
+                        </a:spcAft>
+                      </a:pPr>
+                      <a:r>
+                        <a:rPr lang="en-US" sz="800" dirty="0">
+                          <a:effectLst/>
+                        </a:rPr>
+                        <a:t>                                             </a:t>
+                      </a:r>
+                      <a:r>
+                        <a:rPr lang="en-US" sz="800" dirty="0" smtClean="0">
+                          <a:effectLst/>
+                        </a:rPr>
+                        <a:t>                                        // </a:t>
+                      </a:r>
+                      <a:r>
+                        <a:rPr lang="en-US" sz="800" dirty="0" err="1">
+                          <a:effectLst/>
+                        </a:rPr>
+                        <a:t>Mockito</a:t>
+                      </a:r>
+                      <a:r>
+                        <a:rPr lang="en-US" sz="800" dirty="0">
+                          <a:effectLst/>
+                        </a:rPr>
+                        <a:t> will inject this mock into </a:t>
+                      </a:r>
+                      <a:r>
+                        <a:rPr lang="en-US" sz="800" dirty="0" err="1">
+                          <a:effectLst/>
+                        </a:rPr>
+                        <a:t>ProcessControllerBean</a:t>
+                      </a:r>
+                      <a:r>
+                        <a:rPr lang="en-US" sz="800" dirty="0">
+                          <a:effectLst/>
+                        </a:rPr>
+                        <a:t>.</a:t>
+                      </a:r>
+                    </a:p>
+                    <a:p>
+                      <a:pPr marL="0" marR="0">
+                        <a:spcBef>
+                          <a:spcPts val="0"/>
+                        </a:spcBef>
+                        <a:spcAft>
+                          <a:spcPts val="0"/>
+                        </a:spcAft>
+                      </a:pPr>
+                      <a:r>
+                        <a:rPr lang="en-US" sz="800" dirty="0">
+                          <a:effectLst/>
+                        </a:rPr>
+                        <a:t>                                             </a:t>
+                      </a:r>
+                      <a:r>
+                        <a:rPr lang="en-US" sz="800" dirty="0" smtClean="0">
+                          <a:effectLst/>
+                        </a:rPr>
+                        <a:t>                                        // </a:t>
+                      </a:r>
+                      <a:r>
+                        <a:rPr lang="en-US" sz="800" dirty="0">
+                          <a:effectLst/>
+                        </a:rPr>
+                        <a:t>Regardless the name match or not</a:t>
+                      </a:r>
+                      <a:r>
+                        <a:rPr lang="en-US" sz="800" dirty="0" smtClean="0">
+                          <a:effectLst/>
+                        </a:rPr>
+                        <a:t>.</a:t>
+                      </a:r>
+                      <a:endParaRPr lang="en-US" sz="800" dirty="0">
+                        <a:effectLst/>
+                      </a:endParaRPr>
+                    </a:p>
+                    <a:p>
+                      <a:pPr marL="0" marR="0">
+                        <a:spcBef>
+                          <a:spcPts val="0"/>
+                        </a:spcBef>
+                        <a:spcAft>
+                          <a:spcPts val="0"/>
+                        </a:spcAft>
+                      </a:pPr>
+                      <a:r>
+                        <a:rPr lang="en-US" sz="800" b="1" dirty="0">
+                          <a:effectLst/>
+                        </a:rPr>
+                        <a:t>@</a:t>
+                      </a:r>
+                      <a:r>
+                        <a:rPr lang="en-US" sz="800" b="1" dirty="0" err="1">
+                          <a:effectLst/>
+                        </a:rPr>
+                        <a:t>InjectMocks</a:t>
+                      </a:r>
+                      <a:r>
+                        <a:rPr lang="en-US" sz="800" dirty="0">
+                          <a:effectLst/>
+                        </a:rPr>
+                        <a:t> </a:t>
+                      </a:r>
+                      <a:endParaRPr lang="en-US" sz="800" dirty="0" smtClean="0">
+                        <a:effectLst/>
+                      </a:endParaRPr>
+                    </a:p>
+                    <a:p>
+                      <a:pPr marL="0" marR="0">
+                        <a:spcBef>
+                          <a:spcPts val="0"/>
+                        </a:spcBef>
+                        <a:spcAft>
+                          <a:spcPts val="0"/>
+                        </a:spcAft>
+                      </a:pPr>
+                      <a:r>
+                        <a:rPr lang="en-US" sz="800" dirty="0" smtClean="0">
+                          <a:effectLst/>
+                        </a:rPr>
+                        <a:t>private </a:t>
+                      </a:r>
+                      <a:r>
+                        <a:rPr lang="en-US" sz="800" dirty="0" err="1">
+                          <a:effectLst/>
+                          <a:highlight>
+                            <a:srgbClr val="C0C0C0"/>
+                          </a:highlight>
+                        </a:rPr>
+                        <a:t>ProcessControllerBean</a:t>
+                      </a:r>
+                      <a:r>
+                        <a:rPr lang="en-US" sz="800" dirty="0">
+                          <a:effectLst/>
+                        </a:rPr>
+                        <a:t> controller;</a:t>
+                      </a:r>
+                    </a:p>
+                    <a:p>
+                      <a:pPr marL="0" marR="0">
+                        <a:spcBef>
+                          <a:spcPts val="0"/>
+                        </a:spcBef>
+                        <a:spcAft>
+                          <a:spcPts val="0"/>
+                        </a:spcAft>
+                      </a:pPr>
+                      <a:r>
+                        <a:rPr lang="en-US" sz="800" dirty="0">
+                          <a:effectLst/>
+                        </a:rPr>
+                        <a:t> </a:t>
+                      </a:r>
+                    </a:p>
+                    <a:p>
+                      <a:pPr marL="0" marR="0">
+                        <a:spcBef>
+                          <a:spcPts val="0"/>
+                        </a:spcBef>
+                        <a:spcAft>
+                          <a:spcPts val="0"/>
+                        </a:spcAft>
+                      </a:pPr>
+                      <a:r>
+                        <a:rPr lang="en-US" sz="800" dirty="0">
+                          <a:effectLst/>
+                        </a:rPr>
+                        <a:t>@Before</a:t>
+                      </a:r>
+                    </a:p>
+                    <a:p>
+                      <a:pPr marL="0" marR="0">
+                        <a:spcBef>
+                          <a:spcPts val="0"/>
+                        </a:spcBef>
+                        <a:spcAft>
+                          <a:spcPts val="0"/>
+                        </a:spcAft>
+                      </a:pPr>
+                      <a:r>
+                        <a:rPr lang="en-US" sz="800" dirty="0">
+                          <a:effectLst/>
+                        </a:rPr>
+                        <a:t>public void </a:t>
+                      </a:r>
+                      <a:r>
+                        <a:rPr lang="en-US" sz="800" dirty="0" err="1">
+                          <a:effectLst/>
+                        </a:rPr>
+                        <a:t>setUp</a:t>
+                      </a:r>
+                      <a:r>
+                        <a:rPr lang="en-US" sz="800" dirty="0">
+                          <a:effectLst/>
+                        </a:rPr>
+                        <a:t>() throws Exception {</a:t>
+                      </a:r>
+                    </a:p>
+                    <a:p>
+                      <a:pPr marL="0" marR="0">
+                        <a:spcBef>
+                          <a:spcPts val="0"/>
+                        </a:spcBef>
+                        <a:spcAft>
+                          <a:spcPts val="0"/>
+                        </a:spcAft>
+                      </a:pPr>
+                      <a:r>
+                        <a:rPr lang="en-US" sz="800" dirty="0">
+                          <a:effectLst/>
+                        </a:rPr>
+                        <a:t>                </a:t>
+                      </a:r>
+                      <a:r>
+                        <a:rPr lang="en-US" sz="800" dirty="0" err="1">
+                          <a:effectLst/>
+                        </a:rPr>
+                        <a:t>MockitoAnnotations.initMocks</a:t>
+                      </a:r>
+                      <a:r>
+                        <a:rPr lang="en-US" sz="800" dirty="0">
+                          <a:effectLst/>
+                        </a:rPr>
+                        <a:t>(this); </a:t>
+                      </a:r>
+                      <a:r>
+                        <a:rPr lang="en-US" sz="800" dirty="0" smtClean="0">
+                          <a:effectLst/>
+                        </a:rPr>
+                        <a:t> // </a:t>
+                      </a:r>
+                      <a:r>
+                        <a:rPr lang="en-US" sz="800" dirty="0">
+                          <a:effectLst/>
+                        </a:rPr>
+                        <a:t>initialization</a:t>
+                      </a:r>
+                    </a:p>
+                    <a:p>
+                      <a:pPr marL="0" marR="0">
+                        <a:spcBef>
+                          <a:spcPts val="0"/>
+                        </a:spcBef>
+                        <a:spcAft>
+                          <a:spcPts val="0"/>
+                        </a:spcAft>
+                      </a:pPr>
+                      <a:r>
+                        <a:rPr lang="en-US" sz="800" dirty="0">
+                          <a:effectLst/>
+                        </a:rPr>
+                        <a:t>}</a:t>
+                      </a:r>
+                      <a:endParaRPr lang="en-US" sz="800" dirty="0">
+                        <a:effectLst/>
+                        <a:latin typeface="Calibri" panose="020F0502020204030204" pitchFamily="34" charset="0"/>
+                        <a:ea typeface="宋体" panose="02010600030101010101" pitchFamily="2" charset="-122"/>
+                        <a:cs typeface="Times New Roman" panose="02020603050405020304" pitchFamily="18" charset="0"/>
+                      </a:endParaRPr>
+                    </a:p>
+                  </a:txBody>
+                  <a:tcPr marL="51495" marR="51495" marT="0" marB="0">
+                    <a:lnT w="12700" cap="flat" cmpd="sng" algn="ctr">
+                      <a:solidFill>
+                        <a:schemeClr val="tx1"/>
+                      </a:solidFill>
+                      <a:prstDash val="solid"/>
+                      <a:round/>
+                      <a:headEnd type="none" w="med" len="med"/>
+                      <a:tailEnd type="none" w="med" len="med"/>
+                    </a:lnT>
+                    <a:solidFill>
+                      <a:schemeClr val="bg1">
+                        <a:lumMod val="95000"/>
+                      </a:schemeClr>
+                    </a:solidFill>
+                  </a:tcPr>
+                </a:tc>
+              </a:tr>
+            </a:tbl>
+          </a:graphicData>
+        </a:graphic>
+      </p:graphicFrame>
+      <p:sp>
+        <p:nvSpPr>
+          <p:cNvPr id="7" name="TextBox 6"/>
           <p:cNvSpPr txBox="1"/>
           <p:nvPr/>
         </p:nvSpPr>
         <p:spPr>
           <a:xfrm>
-            <a:off x="481064" y="1772817"/>
-            <a:ext cx="8507288" cy="3970318"/>
+            <a:off x="395536" y="4077072"/>
+            <a:ext cx="8291263" cy="1477328"/>
           </a:xfrm>
           <a:prstGeom prst="rect">
             <a:avLst/>
@@ -7481,254 +8777,83 @@
           </a:bodyPr>
           <a:lstStyle/>
           <a:p>
-            <a:r>
-              <a:rPr lang="en-US" altLang="zh-CN" dirty="0"/>
-              <a:t>@Test</a:t>
-            </a:r>
-          </a:p>
-          <a:p>
-            <a:r>
-              <a:rPr lang="en-US" altLang="zh-CN" dirty="0"/>
-              <a:t>public void test1()  {</a:t>
-            </a:r>
-          </a:p>
-          <a:p>
-            <a:r>
-              <a:rPr lang="en-US" altLang="zh-CN" dirty="0"/>
-              <a:t>    //  create mock</a:t>
-            </a:r>
-          </a:p>
-          <a:p>
-            <a:r>
-              <a:rPr lang="en-US" altLang="zh-CN" dirty="0"/>
-              <a:t>    </a:t>
-            </a:r>
-            <a:r>
-              <a:rPr lang="en-US" altLang="zh-CN" dirty="0" err="1"/>
-              <a:t>MyClass</a:t>
-            </a:r>
-            <a:r>
-              <a:rPr lang="en-US" altLang="zh-CN" dirty="0"/>
-              <a:t> test = </a:t>
-            </a:r>
-            <a:r>
-              <a:rPr lang="en-US" altLang="zh-CN" dirty="0" err="1"/>
-              <a:t>Mockito.mock</a:t>
-            </a:r>
-            <a:r>
-              <a:rPr lang="en-US" altLang="zh-CN" dirty="0"/>
-              <a:t>(</a:t>
-            </a:r>
-            <a:r>
-              <a:rPr lang="en-US" altLang="zh-CN" dirty="0" err="1"/>
-              <a:t>MyClass.class</a:t>
-            </a:r>
-            <a:r>
-              <a:rPr lang="en-US" altLang="zh-CN" dirty="0"/>
-              <a:t>);</a:t>
-            </a:r>
-          </a:p>
-          <a:p>
-            <a:r>
-              <a:rPr lang="en-US" altLang="zh-CN" dirty="0" smtClean="0"/>
-              <a:t>    Iterator </a:t>
-            </a:r>
-            <a:r>
-              <a:rPr lang="en-US" altLang="zh-CN" dirty="0" err="1"/>
-              <a:t>i</a:t>
-            </a:r>
-            <a:r>
-              <a:rPr lang="en-US" altLang="zh-CN" dirty="0"/>
-              <a:t>= mock(</a:t>
-            </a:r>
-            <a:r>
-              <a:rPr lang="en-US" altLang="zh-CN" dirty="0" err="1"/>
-              <a:t>Iterator.class</a:t>
-            </a:r>
-            <a:r>
-              <a:rPr lang="en-US" altLang="zh-CN" dirty="0"/>
-              <a:t>);</a:t>
-            </a:r>
-          </a:p>
-          <a:p>
-            <a:endParaRPr lang="en-US" altLang="zh-CN" dirty="0"/>
-          </a:p>
-          <a:p>
-            <a:r>
-              <a:rPr lang="en-US" altLang="zh-CN" dirty="0"/>
-              <a:t>    // define return value for method </a:t>
-            </a:r>
-            <a:r>
-              <a:rPr lang="en-US" altLang="zh-CN" dirty="0" err="1"/>
-              <a:t>getUniqueId</a:t>
-            </a:r>
-            <a:r>
-              <a:rPr lang="en-US" altLang="zh-CN" dirty="0"/>
-              <a:t>()</a:t>
-            </a:r>
-          </a:p>
-          <a:p>
-            <a:r>
-              <a:rPr lang="en-US" altLang="zh-CN" dirty="0"/>
-              <a:t>    </a:t>
-            </a:r>
-            <a:r>
-              <a:rPr lang="en-US" altLang="zh-CN" b="1" dirty="0"/>
-              <a:t>when(</a:t>
-            </a:r>
-            <a:r>
-              <a:rPr lang="en-US" altLang="zh-CN" b="1" dirty="0" err="1"/>
-              <a:t>test.getUniqueId</a:t>
-            </a:r>
-            <a:r>
-              <a:rPr lang="en-US" altLang="zh-CN" b="1" dirty="0"/>
-              <a:t>()).</a:t>
-            </a:r>
-            <a:r>
-              <a:rPr lang="en-US" altLang="zh-CN" b="1" dirty="0" err="1"/>
-              <a:t>thenReturn</a:t>
-            </a:r>
-            <a:r>
-              <a:rPr lang="en-US" altLang="zh-CN" b="1" dirty="0"/>
-              <a:t>(43);</a:t>
-            </a:r>
-          </a:p>
-          <a:p>
-            <a:r>
-              <a:rPr lang="en-US" altLang="zh-CN" dirty="0"/>
-              <a:t>    </a:t>
-            </a:r>
-            <a:r>
-              <a:rPr lang="en-US" altLang="zh-CN" dirty="0" err="1"/>
-              <a:t>assertEquals</a:t>
-            </a:r>
-            <a:r>
-              <a:rPr lang="en-US" altLang="zh-CN" dirty="0"/>
-              <a:t>(</a:t>
-            </a:r>
-            <a:r>
-              <a:rPr lang="en-US" altLang="zh-CN" dirty="0" err="1"/>
-              <a:t>test.getUniqueId</a:t>
-            </a:r>
-            <a:r>
-              <a:rPr lang="en-US" altLang="zh-CN" dirty="0"/>
-              <a:t>(), 43);</a:t>
-            </a:r>
-          </a:p>
-          <a:p>
-            <a:r>
-              <a:rPr lang="en-US" altLang="zh-CN" dirty="0"/>
-              <a:t>    </a:t>
-            </a:r>
-          </a:p>
-          <a:p>
-            <a:r>
-              <a:rPr lang="en-US" altLang="zh-CN" b="1" dirty="0" smtClean="0"/>
-              <a:t>    when(</a:t>
-            </a:r>
-            <a:r>
-              <a:rPr lang="en-US" altLang="zh-CN" b="1" dirty="0" err="1" smtClean="0"/>
-              <a:t>i.next</a:t>
-            </a:r>
-            <a:r>
-              <a:rPr lang="en-US" altLang="zh-CN" b="1" dirty="0"/>
-              <a:t>()).</a:t>
-            </a:r>
-            <a:r>
-              <a:rPr lang="en-US" altLang="zh-CN" b="1" dirty="0" err="1"/>
-              <a:t>thenReturn</a:t>
-            </a:r>
-            <a:r>
-              <a:rPr lang="en-US" altLang="zh-CN" b="1" dirty="0"/>
-              <a:t>("</a:t>
-            </a:r>
-            <a:r>
-              <a:rPr lang="en-US" altLang="zh-CN" b="1" dirty="0" err="1"/>
-              <a:t>Mockito</a:t>
-            </a:r>
-            <a:r>
-              <a:rPr lang="en-US" altLang="zh-CN" b="1" dirty="0"/>
-              <a:t>").</a:t>
-            </a:r>
-            <a:r>
-              <a:rPr lang="en-US" altLang="zh-CN" b="1" dirty="0" err="1"/>
-              <a:t>thenReturn</a:t>
-            </a:r>
-            <a:r>
-              <a:rPr lang="en-US" altLang="zh-CN" b="1" dirty="0"/>
-              <a:t>("rocks");</a:t>
-            </a:r>
-          </a:p>
-          <a:p>
-            <a:r>
-              <a:rPr lang="en-US" altLang="zh-CN" dirty="0"/>
-              <a:t>    String result=</a:t>
-            </a:r>
-            <a:r>
-              <a:rPr lang="en-US" altLang="zh-CN" dirty="0" err="1"/>
-              <a:t>i.next</a:t>
-            </a:r>
-            <a:r>
-              <a:rPr lang="en-US" altLang="zh-CN" dirty="0"/>
-              <a:t>()+" "+</a:t>
-            </a:r>
-            <a:r>
-              <a:rPr lang="en-US" altLang="zh-CN" dirty="0" err="1"/>
-              <a:t>i.next</a:t>
-            </a:r>
-            <a:r>
-              <a:rPr lang="en-US" altLang="zh-CN" dirty="0"/>
-              <a:t>();</a:t>
-            </a:r>
-          </a:p>
-          <a:p>
-            <a:r>
-              <a:rPr lang="en-US" altLang="zh-CN" dirty="0"/>
-              <a:t>    </a:t>
-            </a:r>
-            <a:r>
-              <a:rPr lang="en-US" altLang="zh-CN" dirty="0" err="1"/>
-              <a:t>assertEquals</a:t>
-            </a:r>
-            <a:r>
-              <a:rPr lang="en-US" altLang="zh-CN" dirty="0"/>
-              <a:t>("</a:t>
-            </a:r>
-            <a:r>
-              <a:rPr lang="en-US" altLang="zh-CN" dirty="0" err="1"/>
-              <a:t>Mockito</a:t>
-            </a:r>
-            <a:r>
-              <a:rPr lang="en-US" altLang="zh-CN" dirty="0"/>
-              <a:t> rocks", result);</a:t>
-            </a:r>
-          </a:p>
-          <a:p>
-            <a:r>
-              <a:rPr lang="en-US" altLang="zh-CN" dirty="0"/>
-              <a:t>}</a:t>
-            </a:r>
-            <a:endParaRPr lang="zh-CN" altLang="en-US" dirty="0"/>
+            <a:pPr marL="285750" indent="-285750">
+              <a:buFont typeface="Wingdings" panose="05000000000000000000" pitchFamily="2" charset="2"/>
+              <a:buChar char="Ø"/>
+            </a:pPr>
+            <a:r>
+              <a:rPr lang="en-US" dirty="0">
+                <a:solidFill>
+                  <a:srgbClr val="002060"/>
+                </a:solidFill>
+              </a:rPr>
+              <a:t>Mocks will first be resolved by type, then, if there is several property of the same type, by the match of the field name and the mock name.</a:t>
+            </a:r>
+          </a:p>
+          <a:p>
+            <a:endParaRPr lang="en-US" dirty="0">
+              <a:solidFill>
+                <a:srgbClr val="002060"/>
+              </a:solidFill>
+            </a:endParaRPr>
+          </a:p>
+          <a:p>
+            <a:pPr marL="285750" indent="-285750">
+              <a:buFont typeface="Wingdings" panose="05000000000000000000" pitchFamily="2" charset="2"/>
+              <a:buChar char="Ø"/>
+            </a:pPr>
+            <a:r>
+              <a:rPr lang="en-US" dirty="0">
+                <a:solidFill>
+                  <a:srgbClr val="002060"/>
+                </a:solidFill>
+              </a:rPr>
+              <a:t>For more information: </a:t>
+            </a:r>
+            <a:r>
+              <a:rPr lang="en-US" dirty="0">
+                <a:solidFill>
+                  <a:srgbClr val="002060"/>
+                </a:solidFill>
+                <a:hlinkClick r:id="rId2"/>
+              </a:rPr>
+              <a:t>http://</a:t>
+            </a:r>
+            <a:r>
+              <a:rPr lang="en-US" dirty="0" smtClean="0">
+                <a:solidFill>
+                  <a:srgbClr val="002060"/>
+                </a:solidFill>
+                <a:hlinkClick r:id="rId2"/>
+              </a:rPr>
+              <a:t>static.javadoc.io/org.mockito/mockito-core/2.7.22/org/mockito/InjectMocks.html</a:t>
+            </a:r>
+            <a:r>
+              <a:rPr lang="en-US" dirty="0" smtClean="0">
+                <a:solidFill>
+                  <a:srgbClr val="002060"/>
+                </a:solidFill>
+              </a:rPr>
+              <a:t> </a:t>
+            </a:r>
+            <a:endParaRPr lang="en-US" dirty="0">
+              <a:solidFill>
+                <a:srgbClr val="002060"/>
+              </a:solidFill>
+            </a:endParaRPr>
           </a:p>
         </p:txBody>
       </p:sp>
     </p:spTree>
     <p:extLst>
       <p:ext uri="{BB962C8B-B14F-4D97-AF65-F5344CB8AC3E}">
-        <p14:creationId xmlns:p14="http://schemas.microsoft.com/office/powerpoint/2010/main" val="4186324611"/>
+        <p14:creationId xmlns:p14="http://schemas.microsoft.com/office/powerpoint/2010/main" val="1575060915"/>
       </p:ext>
     </p:extLst>
   </p:cSld>
   <p:clrMapOvr>
     <a:masterClrMapping/>
   </p:clrMapOvr>
-  <p:timing>
-    <p:tnLst>
-      <p:par>
-        <p:cTn id="1" dur="indefinite" restart="never" nodeType="tmRoot"/>
-      </p:par>
-    </p:tnLst>
-  </p:timing>
 </p:sld>
 </file>
 
@@ -7770,7 +8895,7 @@
             </a:r>
             <a:r>
               <a:rPr lang="en-US" altLang="zh-CN" dirty="0" smtClean="0"/>
-              <a:t>exception</a:t>
+              <a:t>return</a:t>
             </a:r>
             <a:endParaRPr lang="zh-CN" altLang="en-US" dirty="0"/>
           </a:p>
@@ -7778,7 +8903,7 @@
       </p:sp>
       <p:sp>
         <p:nvSpPr>
-          <p:cNvPr id="7" name="内容占位符 6"/>
+          <p:cNvPr id="3" name="内容占位符 2"/>
           <p:cNvSpPr>
             <a:spLocks noGrp="1"/>
           </p:cNvSpPr>
@@ -7789,7 +8914,7 @@
         <p:spPr>
           <a:xfrm>
             <a:off x="457200" y="1124745"/>
-            <a:ext cx="8229600" cy="576064"/>
+            <a:ext cx="8229600" cy="648072"/>
           </a:xfrm>
         </p:spPr>
         <p:txBody>
@@ -7797,28 +8922,24 @@
           <a:lstStyle/>
           <a:p>
             <a:r>
-              <a:rPr lang="en-US" altLang="zh-CN" dirty="0" smtClean="0"/>
-              <a:t>when(…).</a:t>
-            </a:r>
-            <a:r>
-              <a:rPr lang="en-US" altLang="zh-CN" dirty="0" err="1" smtClean="0"/>
-              <a:t>thenThrow</a:t>
-            </a:r>
-            <a:r>
-              <a:rPr lang="en-US" altLang="zh-CN" dirty="0" smtClean="0"/>
-              <a:t>(…) &amp; </a:t>
-            </a:r>
-            <a:r>
-              <a:rPr lang="en-US" altLang="zh-CN" dirty="0" err="1" smtClean="0"/>
-              <a:t>doThrow</a:t>
-            </a:r>
-            <a:r>
-              <a:rPr lang="en-US" altLang="zh-CN" dirty="0"/>
-              <a:t>(…​).when(…​</a:t>
-            </a:r>
-            <a:r>
-              <a:rPr lang="en-US" altLang="zh-CN" dirty="0" smtClean="0"/>
-              <a:t>)</a:t>
+              <a:rPr lang="en-US" altLang="zh-CN" dirty="0"/>
+              <a:t>when(…​).</a:t>
+            </a:r>
+            <a:r>
+              <a:rPr lang="en-US" altLang="zh-CN" dirty="0" err="1"/>
+              <a:t>thenReturn</a:t>
+            </a:r>
+            <a:r>
+              <a:rPr lang="en-US" altLang="zh-CN" dirty="0"/>
+              <a:t>(…​) &amp; </a:t>
+            </a:r>
+            <a:r>
+              <a:rPr lang="en-US" altLang="zh-CN" dirty="0" err="1"/>
+              <a:t>doReturn</a:t>
+            </a:r>
+            <a:r>
+              <a:rPr lang="en-US" altLang="zh-CN" dirty="0"/>
+              <a:t>(…​).when(…​)</a:t>
             </a:r>
             <a:endParaRPr lang="zh-CN" altLang="en-US" dirty="0"/>
           </a:p>
@@ -7842,7 +8963,7 @@
             <a:fld id="{4EE09118-F6C0-44B1-AEB0-E70B108D11CB}" type="datetime1">
               <a:rPr lang="zh-CN" altLang="en-US" smtClean="0"/>
               <a:pPr/>
-              <a:t>2016/8/11</a:t>
+              <a:t>2017/5/24</a:t>
             </a:fld>
             <a:endParaRPr lang="zh-CN" altLang="en-US"/>
           </a:p>
@@ -7874,14 +8995,14 @@
       </p:sp>
       <p:sp>
         <p:nvSpPr>
-          <p:cNvPr id="8" name="文本框 7"/>
+          <p:cNvPr id="6" name="文本框 5"/>
           <p:cNvSpPr txBox="1"/>
           <p:nvPr/>
         </p:nvSpPr>
         <p:spPr>
           <a:xfrm>
-            <a:off x="457200" y="1916834"/>
-            <a:ext cx="7643192" cy="2862322"/>
+            <a:off x="481064" y="1772817"/>
+            <a:ext cx="8507288" cy="3970318"/>
           </a:xfrm>
           <a:prstGeom prst="rect">
             <a:avLst/>
@@ -7896,35 +9017,88 @@
           <a:p>
             <a:r>
               <a:rPr lang="en-US" altLang="zh-CN" dirty="0"/>
-              <a:t>@Test(expected=</a:t>
+              <a:t>@Test</a:t>
+            </a:r>
+          </a:p>
+          <a:p>
+            <a:r>
+              <a:rPr lang="en-US" altLang="zh-CN" dirty="0"/>
+              <a:t>public void test1()  {</a:t>
+            </a:r>
+          </a:p>
+          <a:p>
+            <a:r>
+              <a:rPr lang="en-US" altLang="zh-CN" dirty="0"/>
+              <a:t>    //  create mock</a:t>
+            </a:r>
+          </a:p>
+          <a:p>
+            <a:r>
+              <a:rPr lang="en-US" altLang="zh-CN" dirty="0"/>
+              <a:t>    </a:t>
             </a:r>
             <a:r>
               <a:rPr lang="en-US" altLang="zh-CN" dirty="0" err="1"/>
-              <a:t>IOException.class</a:t>
-            </a:r>
-            <a:r>
-              <a:rPr lang="en-US" altLang="zh-CN" dirty="0"/>
-              <a:t>)</a:t>
-            </a:r>
-          </a:p>
-          <a:p>
-            <a:r>
-              <a:rPr lang="en-US" altLang="zh-CN" dirty="0"/>
-              <a:t>public void </a:t>
+              <a:t>MyClass</a:t>
+            </a:r>
+            <a:r>
+              <a:rPr lang="en-US" altLang="zh-CN" dirty="0"/>
+              <a:t> test = </a:t>
             </a:r>
             <a:r>
               <a:rPr lang="en-US" altLang="zh-CN" dirty="0" err="1"/>
-              <a:t>testForIOException</a:t>
-            </a:r>
-            <a:r>
-              <a:rPr lang="en-US" altLang="zh-CN" dirty="0"/>
-              <a:t>() {</a:t>
-            </a:r>
-          </a:p>
-          <a:p>
-            <a:r>
-              <a:rPr lang="en-US" altLang="zh-CN" dirty="0"/>
-              <a:t>    // create an configure mock</a:t>
+              <a:t>Mockito.mock</a:t>
+            </a:r>
+            <a:r>
+              <a:rPr lang="en-US" altLang="zh-CN" dirty="0"/>
+              <a:t>(</a:t>
+            </a:r>
+            <a:r>
+              <a:rPr lang="en-US" altLang="zh-CN" dirty="0" err="1"/>
+              <a:t>MyClass.class</a:t>
+            </a:r>
+            <a:r>
+              <a:rPr lang="en-US" altLang="zh-CN" dirty="0"/>
+              <a:t>);</a:t>
+            </a:r>
+          </a:p>
+          <a:p>
+            <a:r>
+              <a:rPr lang="en-US" altLang="zh-CN" dirty="0" smtClean="0"/>
+              <a:t>    Iterator </a:t>
+            </a:r>
+            <a:r>
+              <a:rPr lang="en-US" altLang="zh-CN" dirty="0" err="1"/>
+              <a:t>i</a:t>
+            </a:r>
+            <a:r>
+              <a:rPr lang="en-US" altLang="zh-CN" dirty="0"/>
+              <a:t>= mock(</a:t>
+            </a:r>
+            <a:r>
+              <a:rPr lang="en-US" altLang="zh-CN" dirty="0" err="1"/>
+              <a:t>Iterator.class</a:t>
+            </a:r>
+            <a:r>
+              <a:rPr lang="en-US" altLang="zh-CN" dirty="0"/>
+              <a:t>);</a:t>
+            </a:r>
+          </a:p>
+          <a:p>
+            <a:endParaRPr lang="en-US" altLang="zh-CN" dirty="0"/>
+          </a:p>
+          <a:p>
+            <a:r>
+              <a:rPr lang="en-US" altLang="zh-CN" dirty="0"/>
+              <a:t>    // define return value for method </a:t>
+            </a:r>
+            <a:r>
+              <a:rPr lang="en-US" altLang="zh-CN" dirty="0" err="1"/>
+              <a:t>getUniqueId</a:t>
+            </a:r>
+            <a:r>
+              <a:rPr lang="en-US" altLang="zh-CN" dirty="0"/>
+              <a:t>()</a:t>
             </a:r>
           </a:p>
           <a:p>
@@ -7933,28 +9107,112 @@
               <a:t>    </a:t>
             </a:r>
             <a:r>
+              <a:rPr lang="en-US" altLang="zh-CN" b="1" dirty="0"/>
+              <a:t>when(</a:t>
+            </a:r>
+            <a:r>
+              <a:rPr lang="en-US" altLang="zh-CN" b="1" dirty="0" err="1"/>
+              <a:t>test.getUniqueId</a:t>
+            </a:r>
+            <a:r>
+              <a:rPr lang="en-US" altLang="zh-CN" b="1" dirty="0"/>
+              <a:t>()).</a:t>
+            </a:r>
+            <a:r>
+              <a:rPr lang="en-US" altLang="zh-CN" b="1" dirty="0" err="1"/>
+              <a:t>thenReturn</a:t>
+            </a:r>
+            <a:r>
+              <a:rPr lang="en-US" altLang="zh-CN" b="1" dirty="0"/>
+              <a:t>(43);</a:t>
+            </a:r>
+          </a:p>
+          <a:p>
+            <a:r>
+              <a:rPr lang="en-US" altLang="zh-CN" dirty="0"/>
+              <a:t>    </a:t>
+            </a:r>
+            <a:r>
               <a:rPr lang="en-US" altLang="zh-CN" dirty="0" err="1"/>
-              <a:t>OutputStream</a:t>
-            </a:r>
-            <a:r>
-              <a:rPr lang="en-US" altLang="zh-CN" dirty="0"/>
-              <a:t> </a:t>
+              <a:t>assertEquals</a:t>
+            </a:r>
+            <a:r>
+              <a:rPr lang="en-US" altLang="zh-CN" dirty="0"/>
+              <a:t>(</a:t>
             </a:r>
             <a:r>
               <a:rPr lang="en-US" altLang="zh-CN" dirty="0" err="1"/>
-              <a:t>mockStream</a:t>
-            </a:r>
-            <a:r>
-              <a:rPr lang="en-US" altLang="zh-CN" dirty="0"/>
-              <a:t> = mock(</a:t>
+              <a:t>test.getUniqueId</a:t>
+            </a:r>
+            <a:r>
+              <a:rPr lang="en-US" altLang="zh-CN" dirty="0"/>
+              <a:t>(), 43);</a:t>
+            </a:r>
+          </a:p>
+          <a:p>
+            <a:r>
+              <a:rPr lang="en-US" altLang="zh-CN" dirty="0"/>
+              <a:t>    </a:t>
+            </a:r>
+          </a:p>
+          <a:p>
+            <a:r>
+              <a:rPr lang="en-US" altLang="zh-CN" b="1" dirty="0" smtClean="0"/>
+              <a:t>    when(</a:t>
+            </a:r>
+            <a:r>
+              <a:rPr lang="en-US" altLang="zh-CN" b="1" dirty="0" err="1" smtClean="0"/>
+              <a:t>i.next</a:t>
+            </a:r>
+            <a:r>
+              <a:rPr lang="en-US" altLang="zh-CN" b="1" dirty="0"/>
+              <a:t>()).</a:t>
+            </a:r>
+            <a:r>
+              <a:rPr lang="en-US" altLang="zh-CN" b="1" dirty="0" err="1"/>
+              <a:t>thenReturn</a:t>
+            </a:r>
+            <a:r>
+              <a:rPr lang="en-US" altLang="zh-CN" b="1" dirty="0"/>
+              <a:t>("</a:t>
+            </a:r>
+            <a:r>
+              <a:rPr lang="en-US" altLang="zh-CN" b="1" dirty="0" err="1"/>
+              <a:t>Mockito</a:t>
+            </a:r>
+            <a:r>
+              <a:rPr lang="en-US" altLang="zh-CN" b="1" dirty="0"/>
+              <a:t>").</a:t>
+            </a:r>
+            <a:r>
+              <a:rPr lang="en-US" altLang="zh-CN" b="1" dirty="0" err="1"/>
+              <a:t>thenReturn</a:t>
+            </a:r>
+            <a:r>
+              <a:rPr lang="en-US" altLang="zh-CN" b="1" dirty="0"/>
+              <a:t>("rocks");</a:t>
+            </a:r>
+          </a:p>
+          <a:p>
+            <a:r>
+              <a:rPr lang="en-US" altLang="zh-CN" dirty="0"/>
+              <a:t>    String result=</a:t>
             </a:r>
             <a:r>
               <a:rPr lang="en-US" altLang="zh-CN" dirty="0" err="1"/>
-              <a:t>OutputStream.class</a:t>
-            </a:r>
-            <a:r>
-              <a:rPr lang="en-US" altLang="zh-CN" dirty="0"/>
-              <a:t>);</a:t>
+              <a:t>i.next</a:t>
+            </a:r>
+            <a:r>
+              <a:rPr lang="en-US" altLang="zh-CN" dirty="0"/>
+              <a:t>()+" "+</a:t>
+            </a:r>
+            <a:r>
+              <a:rPr lang="en-US" altLang="zh-CN" dirty="0" err="1"/>
+              <a:t>i.next</a:t>
+            </a:r>
+            <a:r>
+              <a:rPr lang="en-US" altLang="zh-CN" dirty="0"/>
+              <a:t>();</a:t>
             </a:r>
           </a:p>
           <a:p>
@@ -7963,89 +9221,20 @@
               <a:t>    </a:t>
             </a:r>
             <a:r>
-              <a:rPr lang="en-US" altLang="zh-CN" b="1" dirty="0" err="1"/>
-              <a:t>doThrow</a:t>
-            </a:r>
-            <a:r>
-              <a:rPr lang="en-US" altLang="zh-CN" b="1" dirty="0"/>
-              <a:t>(new </a:t>
-            </a:r>
-            <a:r>
-              <a:rPr lang="en-US" altLang="zh-CN" b="1" dirty="0" err="1"/>
-              <a:t>IOException</a:t>
-            </a:r>
-            <a:r>
-              <a:rPr lang="en-US" altLang="zh-CN" b="1" dirty="0"/>
-              <a:t>()).when(</a:t>
-            </a:r>
-            <a:r>
-              <a:rPr lang="en-US" altLang="zh-CN" b="1" dirty="0" err="1"/>
-              <a:t>mockStream</a:t>
-            </a:r>
-            <a:r>
-              <a:rPr lang="en-US" altLang="zh-CN" b="1" dirty="0"/>
-              <a:t>).close();</a:t>
-            </a:r>
-          </a:p>
-          <a:p>
-            <a:endParaRPr lang="en-US" altLang="zh-CN" dirty="0"/>
-          </a:p>
-          <a:p>
-            <a:r>
-              <a:rPr lang="en-US" altLang="zh-CN" dirty="0"/>
-              <a:t>    // use mock</a:t>
-            </a:r>
-          </a:p>
-          <a:p>
-            <a:r>
-              <a:rPr lang="en-US" altLang="zh-CN" dirty="0"/>
-              <a:t>    </a:t>
-            </a:r>
-            <a:r>
               <a:rPr lang="en-US" altLang="zh-CN" dirty="0" err="1"/>
-              <a:t>OutputStreamWriter</a:t>
-            </a:r>
-            <a:r>
-              <a:rPr lang="en-US" altLang="zh-CN" dirty="0"/>
-              <a:t> </a:t>
+              <a:t>assertEquals</a:t>
+            </a:r>
+            <a:r>
+              <a:rPr lang="en-US" altLang="zh-CN" dirty="0"/>
+              <a:t>("</a:t>
             </a:r>
             <a:r>
               <a:rPr lang="en-US" altLang="zh-CN" dirty="0" err="1"/>
-              <a:t>streamWriter</a:t>
-            </a:r>
-            <a:r>
-              <a:rPr lang="en-US" altLang="zh-CN" dirty="0"/>
-              <a:t>= new </a:t>
-            </a:r>
-            <a:r>
-              <a:rPr lang="en-US" altLang="zh-CN" dirty="0" err="1"/>
-              <a:t>OutputStreamWriter</a:t>
-            </a:r>
-            <a:r>
-              <a:rPr lang="en-US" altLang="zh-CN" dirty="0"/>
-              <a:t>(</a:t>
-            </a:r>
-            <a:r>
-              <a:rPr lang="en-US" altLang="zh-CN" dirty="0" err="1"/>
-              <a:t>mockStream</a:t>
-            </a:r>
-            <a:r>
-              <a:rPr lang="en-US" altLang="zh-CN" dirty="0"/>
-              <a:t>);</a:t>
-            </a:r>
-          </a:p>
-          <a:p>
-            <a:r>
-              <a:rPr lang="en-US" altLang="zh-CN" dirty="0"/>
-              <a:t>    </a:t>
-            </a:r>
-            <a:r>
-              <a:rPr lang="en-US" altLang="zh-CN" dirty="0" err="1"/>
-              <a:t>streamWriter.close</a:t>
-            </a:r>
-            <a:r>
-              <a:rPr lang="en-US" altLang="zh-CN" dirty="0"/>
-              <a:t>();</a:t>
+              <a:t>Mockito</a:t>
+            </a:r>
+            <a:r>
+              <a:rPr lang="en-US" altLang="zh-CN" dirty="0"/>
+              <a:t> rocks", result);</a:t>
             </a:r>
           </a:p>
           <a:p>
@@ -8060,7 +9249,7 @@
     </p:spTree>
     <p:extLst>
       <p:ext uri="{BB962C8B-B14F-4D97-AF65-F5344CB8AC3E}">
-        <p14:creationId xmlns:p14="http://schemas.microsoft.com/office/powerpoint/2010/main" val="1178371713"/>
+        <p14:creationId xmlns:p14="http://schemas.microsoft.com/office/powerpoint/2010/main" val="4186324611"/>
       </p:ext>
     </p:extLst>
   </p:cSld>
@@ -8096,7 +9285,7 @@
       </p:grpSpPr>
       <p:sp>
         <p:nvSpPr>
-          <p:cNvPr id="2" name="Title 1"/>
+          <p:cNvPr id="2" name="标题 1"/>
           <p:cNvSpPr>
             <a:spLocks noGrp="1"/>
           </p:cNvSpPr>
@@ -8110,15 +9299,68 @@
           <a:lstStyle/>
           <a:p>
             <a:r>
-              <a:rPr lang="en-US" dirty="0"/>
-              <a:t>Verify()</a:t>
-            </a:r>
-          </a:p>
-        </p:txBody>
-      </p:sp>
-      <p:sp>
-        <p:nvSpPr>
-          <p:cNvPr id="4" name="Date Placeholder 3"/>
+              <a:rPr lang="en-US" altLang="zh-CN" dirty="0"/>
+              <a:t>Configuring </a:t>
+            </a:r>
+            <a:r>
+              <a:rPr lang="en-US" altLang="zh-CN" dirty="0" smtClean="0"/>
+              <a:t>exception</a:t>
+            </a:r>
+            <a:endParaRPr lang="zh-CN" altLang="en-US" dirty="0"/>
+          </a:p>
+        </p:txBody>
+      </p:sp>
+      <p:sp>
+        <p:nvSpPr>
+          <p:cNvPr id="7" name="内容占位符 6"/>
+          <p:cNvSpPr>
+            <a:spLocks noGrp="1"/>
+          </p:cNvSpPr>
+          <p:nvPr>
+            <p:ph idx="1"/>
+          </p:nvPr>
+        </p:nvSpPr>
+        <p:spPr>
+          <a:xfrm>
+            <a:off x="457200" y="1124745"/>
+            <a:ext cx="8229600" cy="576064"/>
+          </a:xfrm>
+        </p:spPr>
+        <p:txBody>
+          <a:bodyPr/>
+          <a:lstStyle/>
+          <a:p>
+            <a:r>
+              <a:rPr lang="en-US" altLang="zh-CN" dirty="0" smtClean="0"/>
+              <a:t>when(…).</a:t>
+            </a:r>
+            <a:r>
+              <a:rPr lang="en-US" altLang="zh-CN" dirty="0" err="1" smtClean="0"/>
+              <a:t>thenThrow</a:t>
+            </a:r>
+            <a:r>
+              <a:rPr lang="en-US" altLang="zh-CN" dirty="0" smtClean="0"/>
+              <a:t>(…) &amp; </a:t>
+            </a:r>
+            <a:r>
+              <a:rPr lang="en-US" altLang="zh-CN" dirty="0" err="1" smtClean="0"/>
+              <a:t>doThrow</a:t>
+            </a:r>
+            <a:r>
+              <a:rPr lang="en-US" altLang="zh-CN" dirty="0"/>
+              <a:t>(…​).when(…​</a:t>
+            </a:r>
+            <a:r>
+              <a:rPr lang="en-US" altLang="zh-CN" dirty="0" smtClean="0"/>
+              <a:t>)</a:t>
+            </a:r>
+            <a:endParaRPr lang="zh-CN" altLang="en-US" dirty="0"/>
+          </a:p>
+        </p:txBody>
+      </p:sp>
+      <p:sp>
+        <p:nvSpPr>
+          <p:cNvPr id="4" name="日期占位符 3"/>
           <p:cNvSpPr>
             <a:spLocks noGrp="1"/>
           </p:cNvSpPr>
@@ -8134,7 +9376,7 @@
             <a:fld id="{4EE09118-F6C0-44B1-AEB0-E70B108D11CB}" type="datetime1">
               <a:rPr lang="zh-CN" altLang="en-US" smtClean="0"/>
               <a:pPr/>
-              <a:t>2016/8/11</a:t>
+              <a:t>2017/5/24</a:t>
             </a:fld>
             <a:endParaRPr lang="zh-CN" altLang="en-US"/>
           </a:p>
@@ -8142,7 +9384,7 @@
       </p:sp>
       <p:sp>
         <p:nvSpPr>
-          <p:cNvPr id="5" name="Slide Number Placeholder 4"/>
+          <p:cNvPr id="5" name="灯片编号占位符 4"/>
           <p:cNvSpPr>
             <a:spLocks noGrp="1"/>
           </p:cNvSpPr>
@@ -8166,14 +9408,14 @@
       </p:sp>
       <p:sp>
         <p:nvSpPr>
-          <p:cNvPr id="6" name="TextBox 5"/>
+          <p:cNvPr id="8" name="文本框 7"/>
           <p:cNvSpPr txBox="1"/>
           <p:nvPr/>
         </p:nvSpPr>
         <p:spPr>
           <a:xfrm>
-            <a:off x="457200" y="1052736"/>
-            <a:ext cx="7787208" cy="3139321"/>
+            <a:off x="457200" y="1916834"/>
+            <a:ext cx="7643192" cy="2862322"/>
           </a:xfrm>
           <a:prstGeom prst="rect">
             <a:avLst/>
@@ -8187,174 +9429,172 @@
           <a:lstStyle/>
           <a:p>
             <a:r>
-              <a:rPr lang="en-US" i="1" dirty="0"/>
-              <a:t>verify (</a:t>
-            </a:r>
-            <a:r>
-              <a:rPr lang="en-US" i="1" dirty="0" err="1"/>
-              <a:t>osmRequestMgr</a:t>
-            </a:r>
-            <a:r>
-              <a:rPr lang="en-US" i="1" dirty="0"/>
-              <a:t>).</a:t>
-            </a:r>
-            <a:r>
-              <a:rPr lang="en-US" i="1" dirty="0" err="1"/>
-              <a:t>findAllOsmRequestIdByTimeOut</a:t>
-            </a:r>
-            <a:r>
-              <a:rPr lang="en-US" i="1" dirty="0"/>
-              <a:t> (period</a:t>
-            </a:r>
-            <a:r>
-              <a:rPr lang="en-US" i="1" dirty="0" smtClean="0"/>
+              <a:rPr lang="en-US" altLang="zh-CN" dirty="0"/>
+              <a:t>@Test(expected=</a:t>
+            </a:r>
+            <a:r>
+              <a:rPr lang="en-US" altLang="zh-CN" dirty="0" err="1"/>
+              <a:t>IOException.class</a:t>
+            </a:r>
+            <a:r>
+              <a:rPr lang="en-US" altLang="zh-CN" dirty="0"/>
+              <a:t>)</a:t>
+            </a:r>
+          </a:p>
+          <a:p>
+            <a:r>
+              <a:rPr lang="en-US" altLang="zh-CN" dirty="0"/>
+              <a:t>public void </a:t>
+            </a:r>
+            <a:r>
+              <a:rPr lang="en-US" altLang="zh-CN" dirty="0" err="1"/>
+              <a:t>testForIOException</a:t>
+            </a:r>
+            <a:r>
+              <a:rPr lang="en-US" altLang="zh-CN" dirty="0"/>
+              <a:t>() {</a:t>
+            </a:r>
+          </a:p>
+          <a:p>
+            <a:r>
+              <a:rPr lang="en-US" altLang="zh-CN" dirty="0"/>
+              <a:t>    // create an configure mock</a:t>
+            </a:r>
+          </a:p>
+          <a:p>
+            <a:r>
+              <a:rPr lang="en-US" altLang="zh-CN" dirty="0"/>
+              <a:t>    </a:t>
+            </a:r>
+            <a:r>
+              <a:rPr lang="en-US" altLang="zh-CN" dirty="0" err="1"/>
+              <a:t>OutputStream</a:t>
+            </a:r>
+            <a:r>
+              <a:rPr lang="en-US" altLang="zh-CN" dirty="0"/>
+              <a:t> </a:t>
+            </a:r>
+            <a:r>
+              <a:rPr lang="en-US" altLang="zh-CN" dirty="0" err="1"/>
+              <a:t>mockStream</a:t>
+            </a:r>
+            <a:r>
+              <a:rPr lang="en-US" altLang="zh-CN" dirty="0"/>
+              <a:t> = mock(</a:t>
+            </a:r>
+            <a:r>
+              <a:rPr lang="en-US" altLang="zh-CN" dirty="0" err="1"/>
+              <a:t>OutputStream.class</a:t>
+            </a:r>
+            <a:r>
+              <a:rPr lang="en-US" altLang="zh-CN" dirty="0"/>
               <a:t>);</a:t>
             </a:r>
           </a:p>
           <a:p>
-            <a:endParaRPr lang="en-US" i="1" dirty="0" smtClean="0"/>
-          </a:p>
-          <a:p>
-            <a:r>
-              <a:rPr lang="en-US" i="1" dirty="0"/>
-              <a:t>verify (</a:t>
-            </a:r>
-            <a:r>
-              <a:rPr lang="en-US" i="1" dirty="0" err="1"/>
-              <a:t>osmRequestMgr</a:t>
-            </a:r>
-            <a:r>
-              <a:rPr lang="en-US" i="1" dirty="0"/>
-              <a:t>, times (2)).</a:t>
-            </a:r>
-            <a:r>
-              <a:rPr lang="en-US" i="1" dirty="0" err="1"/>
-              <a:t>findAllOsmRequestIdByTimeOut</a:t>
-            </a:r>
-            <a:r>
-              <a:rPr lang="en-US" i="1" dirty="0"/>
-              <a:t> (period</a:t>
-            </a:r>
-            <a:r>
-              <a:rPr lang="en-US" i="1" dirty="0" smtClean="0"/>
+            <a:r>
+              <a:rPr lang="en-US" altLang="zh-CN" dirty="0"/>
+              <a:t>    </a:t>
+            </a:r>
+            <a:r>
+              <a:rPr lang="en-US" altLang="zh-CN" b="1" dirty="0" err="1"/>
+              <a:t>doThrow</a:t>
+            </a:r>
+            <a:r>
+              <a:rPr lang="en-US" altLang="zh-CN" b="1" dirty="0"/>
+              <a:t>(new </a:t>
+            </a:r>
+            <a:r>
+              <a:rPr lang="en-US" altLang="zh-CN" b="1" dirty="0" err="1"/>
+              <a:t>IOException</a:t>
+            </a:r>
+            <a:r>
+              <a:rPr lang="en-US" altLang="zh-CN" b="1" dirty="0"/>
+              <a:t>()).when(</a:t>
+            </a:r>
+            <a:r>
+              <a:rPr lang="en-US" altLang="zh-CN" b="1" dirty="0" err="1"/>
+              <a:t>mockStream</a:t>
+            </a:r>
+            <a:r>
+              <a:rPr lang="en-US" altLang="zh-CN" b="1" dirty="0"/>
+              <a:t>).close();</a:t>
+            </a:r>
+          </a:p>
+          <a:p>
+            <a:endParaRPr lang="en-US" altLang="zh-CN" dirty="0"/>
+          </a:p>
+          <a:p>
+            <a:r>
+              <a:rPr lang="en-US" altLang="zh-CN" dirty="0"/>
+              <a:t>    // use mock</a:t>
+            </a:r>
+          </a:p>
+          <a:p>
+            <a:r>
+              <a:rPr lang="en-US" altLang="zh-CN" dirty="0"/>
+              <a:t>    </a:t>
+            </a:r>
+            <a:r>
+              <a:rPr lang="en-US" altLang="zh-CN" dirty="0" err="1"/>
+              <a:t>OutputStreamWriter</a:t>
+            </a:r>
+            <a:r>
+              <a:rPr lang="en-US" altLang="zh-CN" dirty="0"/>
+              <a:t> </a:t>
+            </a:r>
+            <a:r>
+              <a:rPr lang="en-US" altLang="zh-CN" dirty="0" err="1"/>
+              <a:t>streamWriter</a:t>
+            </a:r>
+            <a:r>
+              <a:rPr lang="en-US" altLang="zh-CN" dirty="0"/>
+              <a:t>= new </a:t>
+            </a:r>
+            <a:r>
+              <a:rPr lang="en-US" altLang="zh-CN" dirty="0" err="1"/>
+              <a:t>OutputStreamWriter</a:t>
+            </a:r>
+            <a:r>
+              <a:rPr lang="en-US" altLang="zh-CN" dirty="0"/>
+              <a:t>(</a:t>
+            </a:r>
+            <a:r>
+              <a:rPr lang="en-US" altLang="zh-CN" dirty="0" err="1"/>
+              <a:t>mockStream</a:t>
+            </a:r>
+            <a:r>
+              <a:rPr lang="en-US" altLang="zh-CN" dirty="0"/>
               <a:t>);</a:t>
             </a:r>
           </a:p>
           <a:p>
-            <a:endParaRPr lang="en-US" i="1" dirty="0" smtClean="0"/>
-          </a:p>
-          <a:p>
-            <a:r>
-              <a:rPr lang="en-US" i="1" dirty="0"/>
-              <a:t>verify (</a:t>
-            </a:r>
-            <a:r>
-              <a:rPr lang="en-US" i="1" dirty="0" err="1"/>
-              <a:t>osmRequestMgr</a:t>
-            </a:r>
-            <a:r>
-              <a:rPr lang="en-US" i="1" dirty="0"/>
-              <a:t>, </a:t>
-            </a:r>
-            <a:r>
-              <a:rPr lang="en-US" i="1" dirty="0" smtClean="0"/>
-              <a:t>never ()).</a:t>
-            </a:r>
-            <a:r>
-              <a:rPr lang="en-US" i="1" dirty="0" err="1"/>
-              <a:t>findAllOsmRequestIdByTimeOut</a:t>
-            </a:r>
-            <a:r>
-              <a:rPr lang="en-US" i="1" dirty="0"/>
-              <a:t> (period</a:t>
-            </a:r>
-            <a:r>
-              <a:rPr lang="en-US" i="1" dirty="0" smtClean="0"/>
-              <a:t>);</a:t>
-            </a:r>
-          </a:p>
-          <a:p>
-            <a:endParaRPr lang="en-US" i="1" dirty="0" smtClean="0"/>
-          </a:p>
-          <a:p>
-            <a:r>
-              <a:rPr lang="en-US" dirty="0" smtClean="0"/>
-              <a:t>verify(</a:t>
-            </a:r>
-            <a:r>
-              <a:rPr lang="en-US" dirty="0" err="1" smtClean="0"/>
-              <a:t>calcService</a:t>
-            </a:r>
-            <a:r>
-              <a:rPr lang="en-US" dirty="0" smtClean="0"/>
-              <a:t>, </a:t>
-            </a:r>
-            <a:r>
-              <a:rPr lang="en-US" dirty="0" err="1" smtClean="0"/>
-              <a:t>atMost</a:t>
-            </a:r>
-            <a:r>
-              <a:rPr lang="en-US" dirty="0" smtClean="0"/>
-              <a:t>(3)).add(10.0,20.0);</a:t>
-            </a:r>
-          </a:p>
-          <a:p>
-            <a:endParaRPr lang="en-US" dirty="0" smtClean="0"/>
-          </a:p>
-          <a:p>
-            <a:r>
-              <a:rPr lang="en-US" dirty="0" smtClean="0"/>
-              <a:t>verify(</a:t>
-            </a:r>
-            <a:r>
-              <a:rPr lang="en-US" dirty="0" err="1" smtClean="0"/>
-              <a:t>calcService</a:t>
-            </a:r>
-            <a:r>
-              <a:rPr lang="en-US" dirty="0" smtClean="0"/>
-              <a:t>, </a:t>
-            </a:r>
-            <a:r>
-              <a:rPr lang="en-US" dirty="0" err="1" smtClean="0"/>
-              <a:t>atLeast</a:t>
-            </a:r>
-            <a:r>
-              <a:rPr lang="en-US" dirty="0" smtClean="0"/>
-              <a:t>(2)).add(10.0, 20.0);</a:t>
-            </a:r>
-          </a:p>
-          <a:p>
-            <a:endParaRPr lang="en-US" dirty="0" smtClean="0"/>
-          </a:p>
-          <a:p>
-            <a:r>
-              <a:rPr lang="en-US" dirty="0" smtClean="0"/>
-              <a:t>verify(</a:t>
-            </a:r>
-            <a:r>
-              <a:rPr lang="en-US" dirty="0" err="1" smtClean="0"/>
-              <a:t>calcService</a:t>
-            </a:r>
-            <a:r>
-              <a:rPr lang="en-US" dirty="0" smtClean="0"/>
-              <a:t>, </a:t>
-            </a:r>
-            <a:r>
-              <a:rPr lang="en-US" dirty="0" err="1" smtClean="0"/>
-              <a:t>atLeastOnce</a:t>
-            </a:r>
-            <a:r>
-              <a:rPr lang="en-US" dirty="0" smtClean="0"/>
-              <a:t>()).subtract(20.0, 10.0);</a:t>
-            </a:r>
-            <a:endParaRPr lang="en-US" dirty="0"/>
+            <a:r>
+              <a:rPr lang="en-US" altLang="zh-CN" dirty="0"/>
+              <a:t>    </a:t>
+            </a:r>
+            <a:r>
+              <a:rPr lang="en-US" altLang="zh-CN" dirty="0" err="1"/>
+              <a:t>streamWriter.close</a:t>
+            </a:r>
+            <a:r>
+              <a:rPr lang="en-US" altLang="zh-CN" dirty="0"/>
+              <a:t>();</a:t>
+            </a:r>
+          </a:p>
+          <a:p>
+            <a:r>
+              <a:rPr lang="en-US" altLang="zh-CN" dirty="0"/>
+              <a:t>}</a:t>
+            </a:r>
+            <a:endParaRPr lang="zh-CN" altLang="en-US" dirty="0"/>
           </a:p>
         </p:txBody>
       </p:sp>
     </p:spTree>
     <p:extLst>
       <p:ext uri="{BB962C8B-B14F-4D97-AF65-F5344CB8AC3E}">
-        <p14:creationId xmlns:p14="http://schemas.microsoft.com/office/powerpoint/2010/main" val="1323493260"/>
+        <p14:creationId xmlns:p14="http://schemas.microsoft.com/office/powerpoint/2010/main" val="1178371713"/>
       </p:ext>
     </p:extLst>
   </p:cSld>
@@ -8404,10 +9644,9 @@
           <a:lstStyle/>
           <a:p>
             <a:r>
-              <a:rPr lang="en-US" dirty="0" err="1"/>
-              <a:t>Inorder</a:t>
-            </a:r>
-            <a:endParaRPr lang="en-US" dirty="0"/>
+              <a:rPr lang="en-US" dirty="0"/>
+              <a:t>Verify()</a:t>
+            </a:r>
           </a:p>
         </p:txBody>
       </p:sp>
@@ -8429,7 +9668,7 @@
             <a:fld id="{4EE09118-F6C0-44B1-AEB0-E70B108D11CB}" type="datetime1">
               <a:rPr lang="zh-CN" altLang="en-US" smtClean="0"/>
               <a:pPr/>
-              <a:t>2016/8/11</a:t>
+              <a:t>2017/5/24</a:t>
             </a:fld>
             <a:endParaRPr lang="zh-CN" altLang="en-US"/>
           </a:p>
@@ -8467,8 +9706,8 @@
         </p:nvSpPr>
         <p:spPr>
           <a:xfrm>
-            <a:off x="457200" y="1124744"/>
-            <a:ext cx="7910264" cy="1754326"/>
+            <a:off x="457200" y="1052736"/>
+            <a:ext cx="7787208" cy="3139321"/>
           </a:xfrm>
           <a:prstGeom prst="rect">
             <a:avLst/>
@@ -8482,42 +9721,99 @@
           <a:lstStyle/>
           <a:p>
             <a:r>
+              <a:rPr lang="en-US" i="1" dirty="0"/>
+              <a:t>verify (</a:t>
+            </a:r>
+            <a:r>
+              <a:rPr lang="en-US" i="1" dirty="0" err="1"/>
+              <a:t>osmRequestMgr</a:t>
+            </a:r>
+            <a:r>
+              <a:rPr lang="en-US" i="1" dirty="0"/>
+              <a:t>).</a:t>
+            </a:r>
+            <a:r>
+              <a:rPr lang="en-US" i="1" dirty="0" err="1"/>
+              <a:t>findAllOsmRequestIdByTimeOut</a:t>
+            </a:r>
+            <a:r>
+              <a:rPr lang="en-US" i="1" dirty="0"/>
+              <a:t> (period</a:t>
+            </a:r>
+            <a:r>
+              <a:rPr lang="en-US" i="1" dirty="0" smtClean="0"/>
+              <a:t>);</a:t>
+            </a:r>
+          </a:p>
+          <a:p>
+            <a:endParaRPr lang="en-US" i="1" dirty="0" smtClean="0"/>
+          </a:p>
+          <a:p>
+            <a:r>
+              <a:rPr lang="en-US" i="1" dirty="0"/>
+              <a:t>verify (</a:t>
+            </a:r>
+            <a:r>
+              <a:rPr lang="en-US" i="1" dirty="0" err="1"/>
+              <a:t>osmRequestMgr</a:t>
+            </a:r>
+            <a:r>
+              <a:rPr lang="en-US" i="1" dirty="0"/>
+              <a:t>, times (2)).</a:t>
+            </a:r>
+            <a:r>
+              <a:rPr lang="en-US" i="1" dirty="0" err="1"/>
+              <a:t>findAllOsmRequestIdByTimeOut</a:t>
+            </a:r>
+            <a:r>
+              <a:rPr lang="en-US" i="1" dirty="0"/>
+              <a:t> (period</a:t>
+            </a:r>
+            <a:r>
+              <a:rPr lang="en-US" i="1" dirty="0" smtClean="0"/>
+              <a:t>);</a:t>
+            </a:r>
+          </a:p>
+          <a:p>
+            <a:endParaRPr lang="en-US" i="1" dirty="0" smtClean="0"/>
+          </a:p>
+          <a:p>
+            <a:r>
+              <a:rPr lang="en-US" i="1" dirty="0"/>
+              <a:t>verify (</a:t>
+            </a:r>
+            <a:r>
+              <a:rPr lang="en-US" i="1" dirty="0" err="1"/>
+              <a:t>osmRequestMgr</a:t>
+            </a:r>
+            <a:r>
+              <a:rPr lang="en-US" i="1" dirty="0"/>
+              <a:t>, </a:t>
+            </a:r>
+            <a:r>
+              <a:rPr lang="en-US" i="1" dirty="0" smtClean="0"/>
+              <a:t>never ()).</a:t>
+            </a:r>
+            <a:r>
+              <a:rPr lang="en-US" i="1" dirty="0" err="1"/>
+              <a:t>findAllOsmRequestIdByTimeOut</a:t>
+            </a:r>
+            <a:r>
+              <a:rPr lang="en-US" i="1" dirty="0"/>
+              <a:t> (period</a:t>
+            </a:r>
+            <a:r>
+              <a:rPr lang="en-US" i="1" dirty="0" smtClean="0"/>
+              <a:t>);</a:t>
+            </a:r>
+          </a:p>
+          <a:p>
+            <a:endParaRPr lang="en-US" i="1" dirty="0" smtClean="0"/>
+          </a:p>
+          <a:p>
+            <a:r>
               <a:rPr lang="en-US" dirty="0" smtClean="0"/>
-              <a:t>//create an </a:t>
-            </a:r>
-            <a:r>
-              <a:rPr lang="en-US" dirty="0" err="1" smtClean="0"/>
-              <a:t>inOrder</a:t>
-            </a:r>
-            <a:r>
-              <a:rPr lang="en-US" dirty="0" smtClean="0"/>
-              <a:t> verifier for a single mock</a:t>
-            </a:r>
-          </a:p>
-          <a:p>
-            <a:r>
-              <a:rPr lang="en-US" dirty="0" err="1" smtClean="0"/>
-              <a:t>InOrder</a:t>
-            </a:r>
-            <a:r>
-              <a:rPr lang="en-US" dirty="0" smtClean="0"/>
-              <a:t> </a:t>
-            </a:r>
-            <a:r>
-              <a:rPr lang="en-US" dirty="0" err="1" smtClean="0"/>
-              <a:t>inOrder</a:t>
-            </a:r>
-            <a:r>
-              <a:rPr lang="en-US" dirty="0" smtClean="0"/>
-              <a:t> = </a:t>
-            </a:r>
-            <a:r>
-              <a:rPr lang="en-US" dirty="0" err="1" smtClean="0"/>
-              <a:t>inOrder</a:t>
-            </a:r>
-            <a:r>
-              <a:rPr lang="en-US" dirty="0" smtClean="0"/>
-              <a:t>(</a:t>
+              <a:t>verify(</a:t>
             </a:r>
             <a:r>
               <a:rPr lang="en-US" dirty="0" err="1" smtClean="0"/>
@@ -8525,7 +9821,15 @@
             </a:r>
             <a:r>
               <a:rPr lang="en-US" dirty="0" smtClean="0"/>
-              <a:t>);</a:t>
+              <a:t>, </a:t>
+            </a:r>
+            <a:r>
+              <a:rPr lang="en-US" dirty="0" err="1" smtClean="0"/>
+              <a:t>atMost</a:t>
+            </a:r>
+            <a:r>
+              <a:rPr lang="en-US" dirty="0" smtClean="0"/>
+              <a:t>(3)).add(10.0,20.0);</a:t>
             </a:r>
           </a:p>
           <a:p>
@@ -8534,17 +9838,7 @@
           <a:p>
             <a:r>
               <a:rPr lang="en-US" dirty="0" smtClean="0"/>
-              <a:t>//following will make sure that add is first called then subtract is called.</a:t>
-            </a:r>
-          </a:p>
-          <a:p>
-            <a:r>
-              <a:rPr lang="en-US" dirty="0" err="1" smtClean="0"/>
-              <a:t>inOrder.verify</a:t>
-            </a:r>
-            <a:r>
-              <a:rPr lang="en-US" dirty="0" smtClean="0"/>
-              <a:t>(</a:t>
+              <a:t>verify(</a:t>
             </a:r>
             <a:r>
               <a:rPr lang="en-US" dirty="0" err="1" smtClean="0"/>
@@ -8552,17 +9846,24 @@
             </a:r>
             <a:r>
               <a:rPr lang="en-US" dirty="0" smtClean="0"/>
-              <a:t>).add(20.0,10.0);</a:t>
-            </a:r>
-          </a:p>
-          <a:p>
+              <a:t>, </a:t>
+            </a:r>
             <a:r>
               <a:rPr lang="en-US" dirty="0" err="1" smtClean="0"/>
-              <a:t>inOrder.verify</a:t>
+              <a:t>atLeast</a:t>
             </a:r>
             <a:r>
               <a:rPr lang="en-US" dirty="0" smtClean="0"/>
-              <a:t>(</a:t>
+              <a:t>(2)).add(10.0, 20.0);</a:t>
+            </a:r>
+          </a:p>
+          <a:p>
+            <a:endParaRPr lang="en-US" dirty="0" smtClean="0"/>
+          </a:p>
+          <a:p>
+            <a:r>
+              <a:rPr lang="en-US" dirty="0" smtClean="0"/>
+              <a:t>verify(</a:t>
             </a:r>
             <a:r>
               <a:rPr lang="en-US" dirty="0" err="1" smtClean="0"/>
@@ -8570,7 +9871,15 @@
             </a:r>
             <a:r>
               <a:rPr lang="en-US" dirty="0" smtClean="0"/>
-              <a:t>).subtract(20.0,10.0);</a:t>
+              <a:t>, </a:t>
+            </a:r>
+            <a:r>
+              <a:rPr lang="en-US" dirty="0" err="1" smtClean="0"/>
+              <a:t>atLeastOnce</a:t>
+            </a:r>
+            <a:r>
+              <a:rPr lang="en-US" dirty="0" smtClean="0"/>
+              <a:t>()).subtract(20.0, 10.0);</a:t>
             </a:r>
             <a:endParaRPr lang="en-US" dirty="0"/>
           </a:p>
@@ -8579,7 +9888,7 @@
     </p:spTree>
     <p:extLst>
       <p:ext uri="{BB962C8B-B14F-4D97-AF65-F5344CB8AC3E}">
-        <p14:creationId xmlns:p14="http://schemas.microsoft.com/office/powerpoint/2010/main" val="3036046301"/>
+        <p14:creationId xmlns:p14="http://schemas.microsoft.com/office/powerpoint/2010/main" val="1323493260"/>
       </p:ext>
     </p:extLst>
   </p:cSld>
@@ -8615,7 +9924,7 @@
       </p:grpSpPr>
       <p:sp>
         <p:nvSpPr>
-          <p:cNvPr id="2" name="标题 1"/>
+          <p:cNvPr id="2" name="Title 1"/>
           <p:cNvSpPr>
             <a:spLocks noGrp="1"/>
           </p:cNvSpPr>
@@ -8629,69 +9938,16 @@
           <a:lstStyle/>
           <a:p>
             <a:r>
-              <a:rPr lang="en-US" altLang="zh-CN" dirty="0" err="1"/>
-              <a:t>Mockito</a:t>
-            </a:r>
-            <a:r>
-              <a:rPr lang="en-US" altLang="zh-CN" dirty="0"/>
-              <a:t> - Callbacks</a:t>
-            </a:r>
-            <a:endParaRPr lang="zh-CN" altLang="en-US" dirty="0"/>
-          </a:p>
-        </p:txBody>
-      </p:sp>
-      <p:sp>
-        <p:nvSpPr>
-          <p:cNvPr id="3" name="内容占位符 2"/>
-          <p:cNvSpPr>
-            <a:spLocks noGrp="1"/>
-          </p:cNvSpPr>
-          <p:nvPr>
-            <p:ph idx="1"/>
-          </p:nvPr>
-        </p:nvSpPr>
-        <p:spPr>
-          <a:xfrm>
-            <a:off x="457200" y="1124745"/>
-            <a:ext cx="8229600" cy="576064"/>
-          </a:xfrm>
-        </p:spPr>
-        <p:txBody>
-          <a:bodyPr/>
-          <a:lstStyle/>
-          <a:p>
-            <a:r>
-              <a:rPr lang="en-US" altLang="zh-CN" dirty="0" smtClean="0"/>
-              <a:t>when(…).</a:t>
-            </a:r>
-            <a:r>
-              <a:rPr lang="en-US" altLang="zh-CN" dirty="0" err="1" smtClean="0"/>
-              <a:t>thenAnswer</a:t>
-            </a:r>
-            <a:r>
-              <a:rPr lang="en-US" altLang="zh-CN" dirty="0" smtClean="0"/>
-              <a:t>(</a:t>
-            </a:r>
-            <a:r>
-              <a:rPr lang="en-US" altLang="zh-CN" dirty="0" err="1" smtClean="0"/>
-              <a:t>newAnswer</a:t>
-            </a:r>
-            <a:r>
-              <a:rPr lang="en-US" altLang="zh-CN" dirty="0" smtClean="0"/>
-              <a:t>(){…})</a:t>
-            </a:r>
-          </a:p>
-          <a:p>
-            <a:endParaRPr lang="en-US" altLang="zh-CN" dirty="0" smtClean="0"/>
-          </a:p>
-          <a:p>
-            <a:endParaRPr lang="zh-CN" altLang="en-US" dirty="0"/>
-          </a:p>
-        </p:txBody>
-      </p:sp>
-      <p:sp>
-        <p:nvSpPr>
-          <p:cNvPr id="4" name="日期占位符 3"/>
+              <a:rPr lang="en-US" dirty="0" err="1"/>
+              <a:t>Inorder</a:t>
+            </a:r>
+            <a:endParaRPr lang="en-US" dirty="0"/>
+          </a:p>
+        </p:txBody>
+      </p:sp>
+      <p:sp>
+        <p:nvSpPr>
+          <p:cNvPr id="4" name="Date Placeholder 3"/>
           <p:cNvSpPr>
             <a:spLocks noGrp="1"/>
           </p:cNvSpPr>
@@ -8707,7 +9963,7 @@
             <a:fld id="{4EE09118-F6C0-44B1-AEB0-E70B108D11CB}" type="datetime1">
               <a:rPr lang="zh-CN" altLang="en-US" smtClean="0"/>
               <a:pPr/>
-              <a:t>2016/8/11</a:t>
+              <a:t>2017/5/24</a:t>
             </a:fld>
             <a:endParaRPr lang="zh-CN" altLang="en-US"/>
           </a:p>
@@ -8715,7 +9971,7 @@
       </p:sp>
       <p:sp>
         <p:nvSpPr>
-          <p:cNvPr id="5" name="灯片编号占位符 4"/>
+          <p:cNvPr id="5" name="Slide Number Placeholder 4"/>
           <p:cNvSpPr>
             <a:spLocks noGrp="1"/>
           </p:cNvSpPr>
@@ -8739,14 +9995,14 @@
       </p:sp>
       <p:sp>
         <p:nvSpPr>
-          <p:cNvPr id="6" name="文本框 5"/>
+          <p:cNvPr id="6" name="TextBox 5"/>
           <p:cNvSpPr txBox="1"/>
           <p:nvPr/>
         </p:nvSpPr>
         <p:spPr>
           <a:xfrm>
-            <a:off x="490364" y="1647383"/>
-            <a:ext cx="8507288" cy="2862322"/>
+            <a:off x="457200" y="1124744"/>
+            <a:ext cx="7910264" cy="1754326"/>
           </a:xfrm>
           <a:prstGeom prst="rect">
             <a:avLst/>
@@ -8760,303 +10016,104 @@
           <a:lstStyle/>
           <a:p>
             <a:r>
-              <a:rPr lang="en-US" altLang="zh-CN" dirty="0" smtClean="0"/>
-              <a:t>when(</a:t>
-            </a:r>
-            <a:r>
-              <a:rPr lang="en-US" altLang="zh-CN" dirty="0" err="1" smtClean="0"/>
-              <a:t>calcService.add</a:t>
-            </a:r>
-            <a:r>
-              <a:rPr lang="en-US" altLang="zh-CN" dirty="0" smtClean="0"/>
+              <a:rPr lang="en-US" dirty="0" smtClean="0"/>
+              <a:t>//create an </a:t>
+            </a:r>
+            <a:r>
+              <a:rPr lang="en-US" dirty="0" err="1" smtClean="0"/>
+              <a:t>inOrder</a:t>
+            </a:r>
+            <a:r>
+              <a:rPr lang="en-US" dirty="0" smtClean="0"/>
+              <a:t> verifier for a single mock</a:t>
+            </a:r>
+          </a:p>
+          <a:p>
+            <a:r>
+              <a:rPr lang="en-US" dirty="0" err="1" smtClean="0"/>
+              <a:t>InOrder</a:t>
+            </a:r>
+            <a:r>
+              <a:rPr lang="en-US" dirty="0" smtClean="0"/>
+              <a:t> </a:t>
+            </a:r>
+            <a:r>
+              <a:rPr lang="en-US" dirty="0" err="1" smtClean="0"/>
+              <a:t>inOrder</a:t>
+            </a:r>
+            <a:r>
+              <a:rPr lang="en-US" dirty="0" smtClean="0"/>
+              <a:t> = </a:t>
+            </a:r>
+            <a:r>
+              <a:rPr lang="en-US" dirty="0" err="1" smtClean="0"/>
+              <a:t>inOrder</a:t>
+            </a:r>
+            <a:r>
+              <a:rPr lang="en-US" dirty="0" smtClean="0"/>
               <a:t>(</a:t>
             </a:r>
             <a:r>
-              <a:rPr lang="en-US" altLang="zh-CN" dirty="0" err="1" smtClean="0"/>
-              <a:t>anyInt</a:t>
-            </a:r>
-            <a:r>
-              <a:rPr lang="en-US" altLang="zh-CN" dirty="0" smtClean="0"/>
-              <a:t>(), </a:t>
-            </a:r>
-            <a:r>
-              <a:rPr lang="en-US" altLang="zh-CN" dirty="0" err="1" smtClean="0"/>
-              <a:t>anyInt</a:t>
-            </a:r>
-            <a:r>
-              <a:rPr lang="en-US" altLang="zh-CN" dirty="0" smtClean="0"/>
-              <a:t>())).</a:t>
-            </a:r>
-            <a:r>
-              <a:rPr lang="en-US" altLang="zh-CN" dirty="0" err="1"/>
-              <a:t>thenAnswer</a:t>
-            </a:r>
-            <a:r>
-              <a:rPr lang="en-US" altLang="zh-CN" dirty="0"/>
-              <a:t>(new Answer&lt;Double&gt;() {</a:t>
-            </a:r>
-          </a:p>
-          <a:p>
-            <a:r>
-              <a:rPr lang="en-US" altLang="zh-CN" dirty="0"/>
-              <a:t>   @Override</a:t>
-            </a:r>
-          </a:p>
-          <a:p>
-            <a:r>
-              <a:rPr lang="en-US" altLang="zh-CN" dirty="0"/>
-              <a:t>   public Double answer(</a:t>
-            </a:r>
-            <a:r>
-              <a:rPr lang="en-US" altLang="zh-CN" dirty="0" err="1"/>
-              <a:t>InvocationOnMock</a:t>
-            </a:r>
-            <a:r>
-              <a:rPr lang="en-US" altLang="zh-CN" dirty="0"/>
-              <a:t> invocation) throws </a:t>
-            </a:r>
-            <a:r>
-              <a:rPr lang="en-US" altLang="zh-CN" dirty="0" err="1"/>
-              <a:t>Throwable</a:t>
-            </a:r>
-            <a:r>
-              <a:rPr lang="en-US" altLang="zh-CN" dirty="0"/>
-              <a:t> {</a:t>
-            </a:r>
-          </a:p>
-          <a:p>
-            <a:r>
-              <a:rPr lang="en-US" altLang="zh-CN" dirty="0"/>
-              <a:t>      //get the arguments passed to mock</a:t>
-            </a:r>
-          </a:p>
-          <a:p>
-            <a:r>
-              <a:rPr lang="en-US" altLang="zh-CN" dirty="0"/>
-              <a:t>      Object[] </a:t>
-            </a:r>
-            <a:r>
-              <a:rPr lang="en-US" altLang="zh-CN" dirty="0" err="1"/>
-              <a:t>args</a:t>
-            </a:r>
-            <a:r>
-              <a:rPr lang="en-US" altLang="zh-CN" dirty="0"/>
-              <a:t> = </a:t>
-            </a:r>
-            <a:r>
-              <a:rPr lang="en-US" altLang="zh-CN" dirty="0" err="1"/>
-              <a:t>invocation.getArguments</a:t>
-            </a:r>
-            <a:r>
-              <a:rPr lang="en-US" altLang="zh-CN" dirty="0" smtClean="0"/>
-              <a:t>();</a:t>
-            </a:r>
-          </a:p>
-          <a:p>
-            <a:r>
-              <a:rPr lang="en-US" altLang="zh-CN" dirty="0" smtClean="0"/>
-              <a:t>      if (</a:t>
-            </a:r>
-            <a:r>
-              <a:rPr lang="en-US" altLang="zh-CN" dirty="0" err="1" smtClean="0"/>
-              <a:t>args</a:t>
-            </a:r>
-            <a:r>
-              <a:rPr lang="en-US" altLang="zh-CN" dirty="0" smtClean="0"/>
-              <a:t>[0</a:t>
-            </a:r>
-            <a:r>
-              <a:rPr lang="en-US" altLang="zh-CN" smtClean="0"/>
-              <a:t>] ==?){return …}</a:t>
-            </a:r>
-            <a:endParaRPr lang="en-US" altLang="zh-CN" dirty="0" smtClean="0"/>
-          </a:p>
-          <a:p>
-            <a:r>
-              <a:rPr lang="en-US" altLang="zh-CN" dirty="0" smtClean="0"/>
-              <a:t>      //</a:t>
-            </a:r>
-            <a:r>
-              <a:rPr lang="en-US" altLang="zh-CN" dirty="0"/>
-              <a:t>return the result</a:t>
-            </a:r>
-          </a:p>
-          <a:p>
-            <a:r>
-              <a:rPr lang="en-US" altLang="zh-CN" dirty="0"/>
-              <a:t>      return 30.0;</a:t>
-            </a:r>
-          </a:p>
-          <a:p>
-            <a:r>
-              <a:rPr lang="en-US" altLang="zh-CN" dirty="0"/>
-              <a:t>   }</a:t>
-            </a:r>
-          </a:p>
-          <a:p>
-            <a:r>
-              <a:rPr lang="en-US" altLang="zh-CN" dirty="0"/>
-              <a:t>});</a:t>
-            </a:r>
-            <a:endParaRPr lang="zh-CN" altLang="en-US" dirty="0"/>
-          </a:p>
-        </p:txBody>
-      </p:sp>
-      <p:sp>
-        <p:nvSpPr>
-          <p:cNvPr id="8" name="文本框 7"/>
-          <p:cNvSpPr txBox="1"/>
-          <p:nvPr/>
-        </p:nvSpPr>
-        <p:spPr>
-          <a:xfrm>
-            <a:off x="490364" y="4325025"/>
-            <a:ext cx="8280920" cy="2031325"/>
-          </a:xfrm>
-          <a:prstGeom prst="rect">
-            <a:avLst/>
-          </a:prstGeom>
-          <a:noFill/>
-        </p:spPr>
-        <p:txBody>
-          <a:bodyPr wrap="square" rtlCol="0">
-            <a:spAutoFit/>
-          </a:bodyPr>
-          <a:lstStyle/>
-          <a:p>
-            <a:r>
-              <a:rPr lang="en-US" altLang="zh-CN" dirty="0" err="1"/>
-              <a:t>doAnswer</a:t>
-            </a:r>
-            <a:r>
-              <a:rPr lang="en-US" altLang="zh-CN" dirty="0"/>
-              <a:t>(new Answer&lt;Object&gt;() {</a:t>
-            </a:r>
-          </a:p>
-          <a:p>
-            <a:r>
-              <a:rPr lang="en-US" altLang="zh-CN" dirty="0"/>
-              <a:t>    @Override</a:t>
-            </a:r>
-          </a:p>
-          <a:p>
-            <a:r>
-              <a:rPr lang="en-US" altLang="zh-CN" dirty="0"/>
-              <a:t>    public Object answer(</a:t>
-            </a:r>
-            <a:r>
-              <a:rPr lang="en-US" altLang="zh-CN" dirty="0" err="1"/>
-              <a:t>InvocationOnMock</a:t>
-            </a:r>
-            <a:r>
-              <a:rPr lang="en-US" altLang="zh-CN" dirty="0"/>
-              <a:t> invocation) throws </a:t>
-            </a:r>
-            <a:r>
-              <a:rPr lang="en-US" altLang="zh-CN" dirty="0" err="1"/>
-              <a:t>Throwable</a:t>
-            </a:r>
-            <a:r>
-              <a:rPr lang="en-US" altLang="zh-CN" dirty="0"/>
-              <a:t> {</a:t>
-            </a:r>
-          </a:p>
-          <a:p>
-            <a:r>
-              <a:rPr lang="en-US" altLang="zh-CN" dirty="0"/>
-              <a:t>        </a:t>
-            </a:r>
-            <a:r>
-              <a:rPr lang="en-US" altLang="zh-CN" dirty="0" err="1"/>
-              <a:t>theString</a:t>
-            </a:r>
-            <a:r>
-              <a:rPr lang="en-US" altLang="zh-CN" dirty="0"/>
-              <a:t> = (String) </a:t>
-            </a:r>
-            <a:r>
-              <a:rPr lang="en-US" altLang="zh-CN" dirty="0" err="1"/>
-              <a:t>invocation.getArguments</a:t>
-            </a:r>
-            <a:r>
-              <a:rPr lang="en-US" altLang="zh-CN" dirty="0"/>
-              <a:t>()[0];</a:t>
-            </a:r>
-          </a:p>
-          <a:p>
-            <a:r>
-              <a:rPr lang="en-US" altLang="zh-CN" dirty="0"/>
-              <a:t>        return null;</a:t>
-            </a:r>
-          </a:p>
-          <a:p>
-            <a:r>
-              <a:rPr lang="en-US" altLang="zh-CN" dirty="0"/>
-              <a:t>    }</a:t>
-            </a:r>
-          </a:p>
-          <a:p>
-            <a:r>
-              <a:rPr lang="en-US" altLang="zh-CN" dirty="0"/>
-              <a:t>}).when(mock).</a:t>
-            </a:r>
-            <a:r>
-              <a:rPr lang="en-US" altLang="zh-CN" dirty="0" err="1"/>
-              <a:t>setString</a:t>
-            </a:r>
-            <a:r>
-              <a:rPr lang="en-US" altLang="zh-CN" dirty="0"/>
+              <a:rPr lang="en-US" dirty="0" err="1" smtClean="0"/>
+              <a:t>calcService</a:t>
+            </a:r>
+            <a:r>
+              <a:rPr lang="en-US" dirty="0" smtClean="0"/>
+              <a:t>);</a:t>
+            </a:r>
+          </a:p>
+          <a:p>
+            <a:endParaRPr lang="en-US" dirty="0" smtClean="0"/>
+          </a:p>
+          <a:p>
+            <a:r>
+              <a:rPr lang="en-US" dirty="0" smtClean="0"/>
+              <a:t>//following will make sure that add is first called then subtract is called.</a:t>
+            </a:r>
+          </a:p>
+          <a:p>
+            <a:r>
+              <a:rPr lang="en-US" dirty="0" err="1" smtClean="0"/>
+              <a:t>inOrder.verify</a:t>
+            </a:r>
+            <a:r>
+              <a:rPr lang="en-US" dirty="0" smtClean="0"/>
               <a:t>(</a:t>
             </a:r>
             <a:r>
-              <a:rPr lang="en-US" altLang="zh-CN" dirty="0" err="1"/>
-              <a:t>anyString</a:t>
-            </a:r>
-            <a:r>
-              <a:rPr lang="en-US" altLang="zh-CN" dirty="0"/>
-              <a:t>());</a:t>
-            </a:r>
-            <a:endParaRPr lang="zh-CN" altLang="en-US" dirty="0"/>
-          </a:p>
-        </p:txBody>
-      </p:sp>
-      <p:cxnSp>
-        <p:nvCxnSpPr>
-          <p:cNvPr id="10" name="直接连接符 9"/>
-          <p:cNvCxnSpPr/>
-          <p:nvPr/>
-        </p:nvCxnSpPr>
-        <p:spPr>
-          <a:xfrm>
-            <a:off x="598860" y="4290531"/>
-            <a:ext cx="7704856" cy="0"/>
-          </a:xfrm>
-          <a:prstGeom prst="line">
-            <a:avLst/>
-          </a:prstGeom>
-          <a:ln w="19050">
-            <a:prstDash val="dash"/>
-          </a:ln>
-        </p:spPr>
-        <p:style>
-          <a:lnRef idx="1">
-            <a:schemeClr val="accent1"/>
-          </a:lnRef>
-          <a:fillRef idx="0">
-            <a:schemeClr val="accent1"/>
-          </a:fillRef>
-          <a:effectRef idx="0">
-            <a:schemeClr val="accent1"/>
-          </a:effectRef>
-          <a:fontRef idx="minor">
-            <a:schemeClr val="tx1"/>
-          </a:fontRef>
-        </p:style>
-      </p:cxnSp>
+              <a:rPr lang="en-US" dirty="0" err="1" smtClean="0"/>
+              <a:t>calcService</a:t>
+            </a:r>
+            <a:r>
+              <a:rPr lang="en-US" dirty="0" smtClean="0"/>
+              <a:t>).add(20.0,10.0);</a:t>
+            </a:r>
+          </a:p>
+          <a:p>
+            <a:r>
+              <a:rPr lang="en-US" dirty="0" err="1" smtClean="0"/>
+              <a:t>inOrder.verify</a:t>
+            </a:r>
+            <a:r>
+              <a:rPr lang="en-US" dirty="0" smtClean="0"/>
+              <a:t>(</a:t>
+            </a:r>
+            <a:r>
+              <a:rPr lang="en-US" dirty="0" err="1" smtClean="0"/>
+              <a:t>calcService</a:t>
+            </a:r>
+            <a:r>
+              <a:rPr lang="en-US" dirty="0" smtClean="0"/>
+              <a:t>).subtract(20.0,10.0);</a:t>
+            </a:r>
+            <a:endParaRPr lang="en-US" dirty="0"/>
+          </a:p>
+        </p:txBody>
+      </p:sp>
     </p:spTree>
     <p:extLst>
       <p:ext uri="{BB962C8B-B14F-4D97-AF65-F5344CB8AC3E}">
-        <p14:creationId xmlns:p14="http://schemas.microsoft.com/office/powerpoint/2010/main" val="1933091912"/>
+        <p14:creationId xmlns:p14="http://schemas.microsoft.com/office/powerpoint/2010/main" val="3036046301"/>
       </p:ext>
     </p:extLst>
   </p:cSld>
